--- a/2019 - 02/[응용통계학과] 데이터마이닝/Insuracne Model/Model.pptx
+++ b/2019 - 02/[응용통계학과] 데이터마이닝/Insuracne Model/Model.pptx
@@ -7,7 +7,7 @@
   <p:sldIdLst>
     <p:sldId id="256" r:id="rId2"/>
     <p:sldId id="298" r:id="rId3"/>
-    <p:sldId id="297" r:id="rId4"/>
+    <p:sldId id="311" r:id="rId4"/>
     <p:sldId id="258" r:id="rId5"/>
     <p:sldId id="284" r:id="rId6"/>
     <p:sldId id="285" r:id="rId7"/>
@@ -19,21 +19,23 @@
     <p:sldId id="293" r:id="rId13"/>
     <p:sldId id="294" r:id="rId14"/>
     <p:sldId id="295" r:id="rId15"/>
-    <p:sldId id="296" r:id="rId16"/>
+    <p:sldId id="312" r:id="rId16"/>
     <p:sldId id="300" r:id="rId17"/>
     <p:sldId id="301" r:id="rId18"/>
     <p:sldId id="302" r:id="rId19"/>
-    <p:sldId id="299" r:id="rId20"/>
+    <p:sldId id="313" r:id="rId20"/>
     <p:sldId id="280" r:id="rId21"/>
     <p:sldId id="281" r:id="rId22"/>
     <p:sldId id="282" r:id="rId23"/>
     <p:sldId id="283" r:id="rId24"/>
     <p:sldId id="306" r:id="rId25"/>
-    <p:sldId id="305" r:id="rId26"/>
-    <p:sldId id="307" r:id="rId27"/>
-    <p:sldId id="309" r:id="rId28"/>
-    <p:sldId id="310" r:id="rId29"/>
-    <p:sldId id="308" r:id="rId30"/>
+    <p:sldId id="315" r:id="rId26"/>
+    <p:sldId id="316" r:id="rId27"/>
+    <p:sldId id="314" r:id="rId28"/>
+    <p:sldId id="307" r:id="rId29"/>
+    <p:sldId id="309" r:id="rId30"/>
+    <p:sldId id="310" r:id="rId31"/>
+    <p:sldId id="308" r:id="rId32"/>
   </p:sldIdLst>
   <p:sldSz cx="9144000" cy="6858000" type="screen4x3"/>
   <p:notesSz cx="6858000" cy="9144000"/>
@@ -282,7 +284,7 @@
           <a:p>
             <a:fld id="{D2CC10A8-F955-4A46-B055-1C9EE538F080}" type="datetimeFigureOut">
               <a:rPr lang="ko-KR" altLang="en-US" smtClean="0"/>
-              <a:t>2019-12-13</a:t>
+              <a:t>2019-12-17</a:t>
             </a:fld>
             <a:endParaRPr lang="ko-KR" altLang="en-US"/>
           </a:p>
@@ -452,7 +454,7 @@
           <a:p>
             <a:fld id="{D2CC10A8-F955-4A46-B055-1C9EE538F080}" type="datetimeFigureOut">
               <a:rPr lang="ko-KR" altLang="en-US" smtClean="0"/>
-              <a:t>2019-12-13</a:t>
+              <a:t>2019-12-17</a:t>
             </a:fld>
             <a:endParaRPr lang="ko-KR" altLang="en-US"/>
           </a:p>
@@ -632,7 +634,7 @@
           <a:p>
             <a:fld id="{D2CC10A8-F955-4A46-B055-1C9EE538F080}" type="datetimeFigureOut">
               <a:rPr lang="ko-KR" altLang="en-US" smtClean="0"/>
-              <a:t>2019-12-13</a:t>
+              <a:t>2019-12-17</a:t>
             </a:fld>
             <a:endParaRPr lang="ko-KR" altLang="en-US"/>
           </a:p>
@@ -802,7 +804,7 @@
           <a:p>
             <a:fld id="{D2CC10A8-F955-4A46-B055-1C9EE538F080}" type="datetimeFigureOut">
               <a:rPr lang="ko-KR" altLang="en-US" smtClean="0"/>
-              <a:t>2019-12-13</a:t>
+              <a:t>2019-12-17</a:t>
             </a:fld>
             <a:endParaRPr lang="ko-KR" altLang="en-US"/>
           </a:p>
@@ -1046,7 +1048,7 @@
           <a:p>
             <a:fld id="{D2CC10A8-F955-4A46-B055-1C9EE538F080}" type="datetimeFigureOut">
               <a:rPr lang="ko-KR" altLang="en-US" smtClean="0"/>
-              <a:t>2019-12-13</a:t>
+              <a:t>2019-12-17</a:t>
             </a:fld>
             <a:endParaRPr lang="ko-KR" altLang="en-US"/>
           </a:p>
@@ -1278,7 +1280,7 @@
           <a:p>
             <a:fld id="{D2CC10A8-F955-4A46-B055-1C9EE538F080}" type="datetimeFigureOut">
               <a:rPr lang="ko-KR" altLang="en-US" smtClean="0"/>
-              <a:t>2019-12-13</a:t>
+              <a:t>2019-12-17</a:t>
             </a:fld>
             <a:endParaRPr lang="ko-KR" altLang="en-US"/>
           </a:p>
@@ -1645,7 +1647,7 @@
           <a:p>
             <a:fld id="{D2CC10A8-F955-4A46-B055-1C9EE538F080}" type="datetimeFigureOut">
               <a:rPr lang="ko-KR" altLang="en-US" smtClean="0"/>
-              <a:t>2019-12-13</a:t>
+              <a:t>2019-12-17</a:t>
             </a:fld>
             <a:endParaRPr lang="ko-KR" altLang="en-US"/>
           </a:p>
@@ -1763,7 +1765,7 @@
           <a:p>
             <a:fld id="{D2CC10A8-F955-4A46-B055-1C9EE538F080}" type="datetimeFigureOut">
               <a:rPr lang="ko-KR" altLang="en-US" smtClean="0"/>
-              <a:t>2019-12-13</a:t>
+              <a:t>2019-12-17</a:t>
             </a:fld>
             <a:endParaRPr lang="ko-KR" altLang="en-US"/>
           </a:p>
@@ -1858,7 +1860,7 @@
           <a:p>
             <a:fld id="{D2CC10A8-F955-4A46-B055-1C9EE538F080}" type="datetimeFigureOut">
               <a:rPr lang="ko-KR" altLang="en-US" smtClean="0"/>
-              <a:t>2019-12-13</a:t>
+              <a:t>2019-12-17</a:t>
             </a:fld>
             <a:endParaRPr lang="ko-KR" altLang="en-US"/>
           </a:p>
@@ -2135,7 +2137,7 @@
           <a:p>
             <a:fld id="{D2CC10A8-F955-4A46-B055-1C9EE538F080}" type="datetimeFigureOut">
               <a:rPr lang="ko-KR" altLang="en-US" smtClean="0"/>
-              <a:t>2019-12-13</a:t>
+              <a:t>2019-12-17</a:t>
             </a:fld>
             <a:endParaRPr lang="ko-KR" altLang="en-US"/>
           </a:p>
@@ -2392,7 +2394,7 @@
           <a:p>
             <a:fld id="{D2CC10A8-F955-4A46-B055-1C9EE538F080}" type="datetimeFigureOut">
               <a:rPr lang="ko-KR" altLang="en-US" smtClean="0"/>
-              <a:t>2019-12-13</a:t>
+              <a:t>2019-12-17</a:t>
             </a:fld>
             <a:endParaRPr lang="ko-KR" altLang="en-US"/>
           </a:p>
@@ -2605,7 +2607,7 @@
           <a:p>
             <a:fld id="{D2CC10A8-F955-4A46-B055-1C9EE538F080}" type="datetimeFigureOut">
               <a:rPr lang="ko-KR" altLang="en-US" smtClean="0"/>
-              <a:t>2019-12-13</a:t>
+              <a:t>2019-12-17</a:t>
             </a:fld>
             <a:endParaRPr lang="ko-KR" altLang="en-US"/>
           </a:p>
@@ -3099,7 +3101,7 @@
                 <a:latin typeface="HY헤드라인M" panose="02030600000101010101" pitchFamily="18" charset="-127"/>
                 <a:ea typeface="HY헤드라인M" panose="02030600000101010101" pitchFamily="18" charset="-127"/>
               </a:rPr>
-              <a:t>201352099 </a:t>
+              <a:t>201352004 </a:t>
             </a:r>
             <a:r>
               <a:rPr lang="ko-KR" altLang="en-US" sz="1500" dirty="0" smtClean="0">
@@ -3305,18 +3307,7 @@
                 <a:ea typeface="Arial Unicode MS" panose="020B0604020202020204" pitchFamily="50" charset="-127"/>
                 <a:cs typeface="Arial Unicode MS" panose="020B0604020202020204" pitchFamily="50" charset="-127"/>
               </a:rPr>
-              <a:t>Feature </a:t>
-            </a:r>
-            <a:r>
-              <a:rPr lang="en-US" altLang="ko-KR" sz="2500" dirty="0" smtClean="0">
-                <a:solidFill>
-                  <a:schemeClr val="bg1"/>
-                </a:solidFill>
-                <a:latin typeface="Arial Rounded MT Bold" panose="020F0704030504030204" pitchFamily="34" charset="0"/>
-                <a:ea typeface="Arial Unicode MS" panose="020B0604020202020204" pitchFamily="50" charset="-127"/>
-                <a:cs typeface="Arial Unicode MS" panose="020B0604020202020204" pitchFamily="50" charset="-127"/>
-              </a:rPr>
-              <a:t>4</a:t>
+              <a:t>Feature 4</a:t>
             </a:r>
             <a:endParaRPr lang="ko-KR" altLang="en-US" sz="2500" dirty="0">
               <a:solidFill>
@@ -3835,18 +3826,7 @@
                 <a:ea typeface="Arial Unicode MS" panose="020B0604020202020204" pitchFamily="50" charset="-127"/>
                 <a:cs typeface="Arial Unicode MS" panose="020B0604020202020204" pitchFamily="50" charset="-127"/>
               </a:rPr>
-              <a:t>Feature </a:t>
-            </a:r>
-            <a:r>
-              <a:rPr lang="en-US" altLang="ko-KR" sz="2500" dirty="0" smtClean="0">
-                <a:solidFill>
-                  <a:schemeClr val="bg1"/>
-                </a:solidFill>
-                <a:latin typeface="Arial Rounded MT Bold" panose="020F0704030504030204" pitchFamily="34" charset="0"/>
-                <a:ea typeface="Arial Unicode MS" panose="020B0604020202020204" pitchFamily="50" charset="-127"/>
-                <a:cs typeface="Arial Unicode MS" panose="020B0604020202020204" pitchFamily="50" charset="-127"/>
-              </a:rPr>
-              <a:t>5</a:t>
+              <a:t>Feature 5</a:t>
             </a:r>
             <a:endParaRPr lang="ko-KR" altLang="en-US" sz="2500" dirty="0">
               <a:solidFill>
@@ -3903,7 +3883,7 @@
                 </a:solidFill>
                 <a:latin typeface="Arial Rounded MT Bold" panose="020F0704030504030204" pitchFamily="34" charset="0"/>
               </a:rPr>
-              <a:t>RESN_ORIG_RESN</a:t>
+              <a:t>RESN_ORIG_RESN_MEAN</a:t>
             </a:r>
             <a:endParaRPr lang="en-US" altLang="ko-KR" dirty="0">
               <a:solidFill>
@@ -4321,18 +4301,7 @@
                 <a:ea typeface="Arial Unicode MS" panose="020B0604020202020204" pitchFamily="50" charset="-127"/>
                 <a:cs typeface="Arial Unicode MS" panose="020B0604020202020204" pitchFamily="50" charset="-127"/>
               </a:rPr>
-              <a:t>Feature </a:t>
-            </a:r>
-            <a:r>
-              <a:rPr lang="en-US" altLang="ko-KR" sz="2500" dirty="0" smtClean="0">
-                <a:solidFill>
-                  <a:schemeClr val="bg1"/>
-                </a:solidFill>
-                <a:latin typeface="Arial Rounded MT Bold" panose="020F0704030504030204" pitchFamily="34" charset="0"/>
-                <a:ea typeface="Arial Unicode MS" panose="020B0604020202020204" pitchFamily="50" charset="-127"/>
-                <a:cs typeface="Arial Unicode MS" panose="020B0604020202020204" pitchFamily="50" charset="-127"/>
-              </a:rPr>
-              <a:t>6</a:t>
+              <a:t>Feature 6</a:t>
             </a:r>
             <a:endParaRPr lang="ko-KR" altLang="en-US" sz="2500" dirty="0">
               <a:solidFill>
@@ -4389,7 +4358,7 @@
                 </a:solidFill>
                 <a:latin typeface="Arial Rounded MT Bold" panose="020F0704030504030204" pitchFamily="34" charset="0"/>
               </a:rPr>
-              <a:t>OPTA_DAYS</a:t>
+              <a:t>OPTA_DAYS_MEAN</a:t>
             </a:r>
             <a:endParaRPr lang="en-US" altLang="ko-KR" dirty="0">
               <a:solidFill>
@@ -4687,18 +4656,7 @@
                 <a:ea typeface="Arial Unicode MS" panose="020B0604020202020204" pitchFamily="50" charset="-127"/>
                 <a:cs typeface="Arial Unicode MS" panose="020B0604020202020204" pitchFamily="50" charset="-127"/>
               </a:rPr>
-              <a:t>Feature </a:t>
-            </a:r>
-            <a:r>
-              <a:rPr lang="en-US" altLang="ko-KR" sz="2500" dirty="0" smtClean="0">
-                <a:solidFill>
-                  <a:schemeClr val="bg1"/>
-                </a:solidFill>
-                <a:latin typeface="Arial Rounded MT Bold" panose="020F0704030504030204" pitchFamily="34" charset="0"/>
-                <a:ea typeface="Arial Unicode MS" panose="020B0604020202020204" pitchFamily="50" charset="-127"/>
-                <a:cs typeface="Arial Unicode MS" panose="020B0604020202020204" pitchFamily="50" charset="-127"/>
-              </a:rPr>
-              <a:t>7 ~ 9</a:t>
+              <a:t>Feature 7 ~ 9</a:t>
             </a:r>
             <a:endParaRPr lang="ko-KR" altLang="en-US" sz="2500" dirty="0">
               <a:solidFill>
@@ -5575,7 +5533,7 @@
           <p:nvPr>
             <p:extLst>
               <p:ext uri="{D42A27DB-BD31-4B8C-83A1-F6EECF244321}">
-                <p14:modId xmlns:p14="http://schemas.microsoft.com/office/powerpoint/2010/main" val="418628086"/>
+                <p14:modId xmlns:p14="http://schemas.microsoft.com/office/powerpoint/2010/main" val="2012161797"/>
               </p:ext>
             </p:extLst>
           </p:nvPr>
@@ -5798,7 +5756,7 @@
                       <a:pPr algn="ctr" latinLnBrk="1"/>
                       <a:r>
                         <a:rPr lang="en-US" altLang="ko-KR" dirty="0" smtClean="0"/>
-                        <a:t>1</a:t>
+                        <a:t>2</a:t>
                       </a:r>
                       <a:endParaRPr lang="ko-KR" altLang="en-US" dirty="0"/>
                     </a:p>
@@ -6834,7 +6792,8 @@
               <a:buAutoNum type="arabicPeriod"/>
             </a:pPr>
             <a:endParaRPr lang="en-US" altLang="ko-KR" sz="2500" dirty="0" smtClean="0">
-              <a:latin typeface="Arial Rounded MT Bold" panose="020F0704030504030204" pitchFamily="34" charset="0"/>
+              <a:latin typeface="나눔고딕 ExtraBold" panose="020D0904000000000000" pitchFamily="50" charset="-127"/>
+              <a:ea typeface="나눔고딕 ExtraBold" panose="020D0904000000000000" pitchFamily="50" charset="-127"/>
             </a:endParaRPr>
           </a:p>
           <a:p>
@@ -6842,24 +6801,24 @@
               <a:buAutoNum type="arabicPeriod"/>
             </a:pPr>
             <a:r>
-              <a:rPr lang="en-US" altLang="ko-KR" sz="2500" dirty="0" smtClean="0">
-                <a:latin typeface="Arial Rounded MT Bold" panose="020F0704030504030204" pitchFamily="34" charset="0"/>
-              </a:rPr>
-              <a:t>Feature </a:t>
-            </a:r>
-            <a:r>
-              <a:rPr lang="en-US" altLang="ko-KR" sz="2500" dirty="0" smtClean="0">
-                <a:latin typeface="Arial Rounded MT Bold" panose="020F0704030504030204" pitchFamily="34" charset="0"/>
-              </a:rPr>
-              <a:t>Engineering</a:t>
-            </a:r>
+              <a:rPr lang="ko-KR" altLang="en-US" sz="2500" dirty="0" smtClean="0">
+                <a:latin typeface="나눔고딕 ExtraBold" panose="020D0904000000000000" pitchFamily="50" charset="-127"/>
+                <a:ea typeface="나눔고딕 ExtraBold" panose="020D0904000000000000" pitchFamily="50" charset="-127"/>
+              </a:rPr>
+              <a:t>변수 생성 및 전처리</a:t>
+            </a:r>
+            <a:endParaRPr lang="en-US" altLang="ko-KR" sz="2500" dirty="0" smtClean="0">
+              <a:latin typeface="나눔고딕 ExtraBold" panose="020D0904000000000000" pitchFamily="50" charset="-127"/>
+              <a:ea typeface="나눔고딕 ExtraBold" panose="020D0904000000000000" pitchFamily="50" charset="-127"/>
+            </a:endParaRPr>
           </a:p>
           <a:p>
             <a:pPr marL="342900" indent="-342900" algn="just">
               <a:buAutoNum type="arabicPeriod"/>
             </a:pPr>
             <a:endParaRPr lang="en-US" altLang="ko-KR" sz="2500" dirty="0" smtClean="0">
-              <a:latin typeface="Arial Rounded MT Bold" panose="020F0704030504030204" pitchFamily="34" charset="0"/>
+              <a:latin typeface="나눔고딕 ExtraBold" panose="020D0904000000000000" pitchFamily="50" charset="-127"/>
+              <a:ea typeface="나눔고딕 ExtraBold" panose="020D0904000000000000" pitchFamily="50" charset="-127"/>
             </a:endParaRPr>
           </a:p>
           <a:p>
@@ -6867,13 +6826,42 @@
               <a:buAutoNum type="arabicPeriod"/>
             </a:pPr>
             <a:r>
-              <a:rPr lang="en-US" altLang="ko-KR" sz="2500" dirty="0" smtClean="0">
+              <a:rPr lang="ko-KR" altLang="en-US" sz="2500" dirty="0" smtClean="0">
                 <a:solidFill>
                   <a:schemeClr val="accent5"/>
                 </a:solidFill>
-                <a:latin typeface="Arial Rounded MT Bold" panose="020F0704030504030204" pitchFamily="34" charset="0"/>
-              </a:rPr>
-              <a:t>Modeling</a:t>
+                <a:latin typeface="나눔고딕 ExtraBold" panose="020D0904000000000000" pitchFamily="50" charset="-127"/>
+                <a:ea typeface="나눔고딕 ExtraBold" panose="020D0904000000000000" pitchFamily="50" charset="-127"/>
+              </a:rPr>
+              <a:t>모델링</a:t>
+            </a:r>
+            <a:endParaRPr lang="en-US" altLang="ko-KR" sz="2500" dirty="0" smtClean="0">
+              <a:solidFill>
+                <a:schemeClr val="accent5"/>
+              </a:solidFill>
+              <a:latin typeface="나눔고딕 ExtraBold" panose="020D0904000000000000" pitchFamily="50" charset="-127"/>
+              <a:ea typeface="나눔고딕 ExtraBold" panose="020D0904000000000000" pitchFamily="50" charset="-127"/>
+            </a:endParaRPr>
+          </a:p>
+          <a:p>
+            <a:pPr marL="342900" indent="-342900" algn="just">
+              <a:buAutoNum type="arabicPeriod"/>
+            </a:pPr>
+            <a:endParaRPr lang="en-US" altLang="ko-KR" sz="2500" dirty="0" smtClean="0">
+              <a:latin typeface="나눔고딕 ExtraBold" panose="020D0904000000000000" pitchFamily="50" charset="-127"/>
+              <a:ea typeface="나눔고딕 ExtraBold" panose="020D0904000000000000" pitchFamily="50" charset="-127"/>
+            </a:endParaRPr>
+          </a:p>
+          <a:p>
+            <a:pPr marL="342900" indent="-342900" algn="just">
+              <a:buAutoNum type="arabicPeriod"/>
+            </a:pPr>
+            <a:r>
+              <a:rPr lang="en-US" altLang="ko-KR" sz="2500" dirty="0" smtClean="0">
+                <a:latin typeface="나눔고딕 ExtraBold" panose="020D0904000000000000" pitchFamily="50" charset="-127"/>
+                <a:ea typeface="나눔고딕 ExtraBold" panose="020D0904000000000000" pitchFamily="50" charset="-127"/>
+              </a:rPr>
+              <a:t>SMOTE</a:t>
             </a:r>
           </a:p>
           <a:p>
@@ -6881,7 +6869,8 @@
               <a:buAutoNum type="arabicPeriod"/>
             </a:pPr>
             <a:endParaRPr lang="en-US" altLang="ko-KR" sz="2500" dirty="0">
-              <a:latin typeface="Arial Rounded MT Bold" panose="020F0704030504030204" pitchFamily="34" charset="0"/>
+              <a:latin typeface="나눔고딕 ExtraBold" panose="020D0904000000000000" pitchFamily="50" charset="-127"/>
+              <a:ea typeface="나눔고딕 ExtraBold" panose="020D0904000000000000" pitchFamily="50" charset="-127"/>
             </a:endParaRPr>
           </a:p>
           <a:p>
@@ -6889,35 +6878,15 @@
               <a:buAutoNum type="arabicPeriod"/>
             </a:pPr>
             <a:r>
-              <a:rPr lang="en-US" altLang="ko-KR" sz="2500" dirty="0" smtClean="0">
-                <a:latin typeface="Arial Rounded MT Bold" panose="020F0704030504030204" pitchFamily="34" charset="0"/>
-              </a:rPr>
-              <a:t>SMOTE</a:t>
-            </a:r>
-            <a:endParaRPr lang="en-US" altLang="ko-KR" sz="2500" dirty="0" smtClean="0">
-              <a:latin typeface="Arial Rounded MT Bold" panose="020F0704030504030204" pitchFamily="34" charset="0"/>
-            </a:endParaRPr>
-          </a:p>
-          <a:p>
-            <a:pPr marL="342900" indent="-342900" algn="just">
-              <a:buAutoNum type="arabicPeriod"/>
-            </a:pPr>
-            <a:endParaRPr lang="en-US" altLang="ko-KR" sz="2500" dirty="0">
-              <a:latin typeface="Arial Rounded MT Bold" panose="020F0704030504030204" pitchFamily="34" charset="0"/>
-            </a:endParaRPr>
-          </a:p>
-          <a:p>
-            <a:pPr marL="342900" indent="-342900" algn="just">
-              <a:buAutoNum type="arabicPeriod"/>
-            </a:pPr>
-            <a:r>
-              <a:rPr lang="en-US" altLang="ko-KR" sz="2500" dirty="0" smtClean="0">
-                <a:latin typeface="Arial Rounded MT Bold" panose="020F0704030504030204" pitchFamily="34" charset="0"/>
-              </a:rPr>
-              <a:t>Suggestion</a:t>
+              <a:rPr lang="ko-KR" altLang="en-US" sz="2500" dirty="0" smtClean="0">
+                <a:latin typeface="나눔고딕 ExtraBold" panose="020D0904000000000000" pitchFamily="50" charset="-127"/>
+                <a:ea typeface="나눔고딕 ExtraBold" panose="020D0904000000000000" pitchFamily="50" charset="-127"/>
+              </a:rPr>
+              <a:t>결론 및 제언</a:t>
             </a:r>
             <a:endParaRPr lang="ko-KR" altLang="en-US" sz="2500" dirty="0">
-              <a:latin typeface="Arial Rounded MT Bold" panose="020F0704030504030204" pitchFamily="34" charset="0"/>
+              <a:latin typeface="나눔고딕 ExtraBold" panose="020D0904000000000000" pitchFamily="50" charset="-127"/>
+              <a:ea typeface="나눔고딕 ExtraBold" panose="020D0904000000000000" pitchFamily="50" charset="-127"/>
             </a:endParaRPr>
           </a:p>
         </p:txBody>
@@ -6925,7 +6894,7 @@
     </p:spTree>
     <p:extLst>
       <p:ext uri="{BB962C8B-B14F-4D97-AF65-F5344CB8AC3E}">
-        <p14:creationId xmlns:p14="http://schemas.microsoft.com/office/powerpoint/2010/main" val="1958278576"/>
+        <p14:creationId xmlns:p14="http://schemas.microsoft.com/office/powerpoint/2010/main" val="3416201474"/>
       </p:ext>
     </p:extLst>
   </p:cSld>
@@ -7169,19 +7138,7 @@
                         <a:rPr lang="en-US" altLang="ko-KR" sz="1500" baseline="0" dirty="0" smtClean="0">
                           <a:latin typeface="Arial Rounded MT Bold" panose="020F0704030504030204" pitchFamily="34" charset="0"/>
                         </a:rPr>
-                        <a:t> </a:t>
-                      </a:r>
-                      <a:r>
-                        <a:rPr lang="en-US" altLang="ko-KR" sz="1500" baseline="0" dirty="0" smtClean="0">
-                          <a:latin typeface="Arial Rounded MT Bold" panose="020F0704030504030204" pitchFamily="34" charset="0"/>
-                        </a:rPr>
-                        <a:t>= </a:t>
-                      </a:r>
-                      <a:r>
-                        <a:rPr lang="en-US" altLang="ko-KR" sz="1500" baseline="0" dirty="0" smtClean="0">
-                          <a:latin typeface="Arial Rounded MT Bold" panose="020F0704030504030204" pitchFamily="34" charset="0"/>
-                        </a:rPr>
-                        <a:t>6,183</a:t>
+                        <a:t> = 6,183</a:t>
                       </a:r>
                       <a:endParaRPr lang="ko-KR" altLang="en-US" sz="1500" dirty="0">
                         <a:latin typeface="Arial Rounded MT Bold" panose="020F0704030504030204" pitchFamily="34" charset="0"/>
@@ -7524,36 +7481,6 @@
           </a:graphicData>
         </a:graphic>
       </p:graphicFrame>
-      <p:pic>
-        <p:nvPicPr>
-          <p:cNvPr id="5" name="그림 4"/>
-          <p:cNvPicPr>
-            <a:picLocks noChangeAspect="1"/>
-          </p:cNvPicPr>
-          <p:nvPr/>
-        </p:nvPicPr>
-        <p:blipFill>
-          <a:blip r:embed="rId3">
-            <a:extLst>
-              <a:ext uri="{28A0092B-C50C-407E-A947-70E740481C1C}">
-                <a14:useLocalDpi xmlns:a14="http://schemas.microsoft.com/office/drawing/2010/main" val="0"/>
-              </a:ext>
-            </a:extLst>
-          </a:blip>
-          <a:stretch>
-            <a:fillRect/>
-          </a:stretch>
-        </p:blipFill>
-        <p:spPr>
-          <a:xfrm>
-            <a:off x="4717102" y="4826888"/>
-            <a:ext cx="4047192" cy="1770392"/>
-          </a:xfrm>
-          <a:prstGeom prst="rect">
-            <a:avLst/>
-          </a:prstGeom>
-        </p:spPr>
-      </p:pic>
       <p:sp>
         <p:nvSpPr>
           <p:cNvPr id="8" name="TextBox 7"/>
@@ -7953,19 +7880,7 @@
                         <a:rPr lang="en-US" altLang="ko-KR" sz="1500" baseline="0" dirty="0" smtClean="0">
                           <a:latin typeface="Arial Rounded MT Bold" panose="020F0704030504030204" pitchFamily="34" charset="0"/>
                         </a:rPr>
-                        <a:t> </a:t>
-                      </a:r>
-                      <a:r>
-                        <a:rPr lang="en-US" altLang="ko-KR" sz="1500" baseline="0" dirty="0" smtClean="0">
-                          <a:latin typeface="Arial Rounded MT Bold" panose="020F0704030504030204" pitchFamily="34" charset="0"/>
-                        </a:rPr>
-                        <a:t>= </a:t>
-                      </a:r>
-                      <a:r>
-                        <a:rPr lang="en-US" altLang="ko-KR" sz="1500" baseline="0" dirty="0" smtClean="0">
-                          <a:latin typeface="Arial Rounded MT Bold" panose="020F0704030504030204" pitchFamily="34" charset="0"/>
-                        </a:rPr>
-                        <a:t>6,183</a:t>
+                        <a:t> = 6,183</a:t>
                       </a:r>
                       <a:endParaRPr lang="ko-KR" altLang="en-US" sz="1500" dirty="0">
                         <a:latin typeface="Arial Rounded MT Bold" panose="020F0704030504030204" pitchFamily="34" charset="0"/>
@@ -8308,36 +8223,6 @@
           </a:graphicData>
         </a:graphic>
       </p:graphicFrame>
-      <p:pic>
-        <p:nvPicPr>
-          <p:cNvPr id="7" name="그림 6"/>
-          <p:cNvPicPr>
-            <a:picLocks noChangeAspect="1"/>
-          </p:cNvPicPr>
-          <p:nvPr/>
-        </p:nvPicPr>
-        <p:blipFill>
-          <a:blip r:embed="rId3">
-            <a:extLst>
-              <a:ext uri="{28A0092B-C50C-407E-A947-70E740481C1C}">
-                <a14:useLocalDpi xmlns:a14="http://schemas.microsoft.com/office/drawing/2010/main" val="0"/>
-              </a:ext>
-            </a:extLst>
-          </a:blip>
-          <a:stretch>
-            <a:fillRect/>
-          </a:stretch>
-        </p:blipFill>
-        <p:spPr>
-          <a:xfrm>
-            <a:off x="4571999" y="4826888"/>
-            <a:ext cx="4192293" cy="1770392"/>
-          </a:xfrm>
-          <a:prstGeom prst="rect">
-            <a:avLst/>
-          </a:prstGeom>
-        </p:spPr>
-      </p:pic>
       <p:sp>
         <p:nvSpPr>
           <p:cNvPr id="8" name="TextBox 7"/>
@@ -8737,19 +8622,7 @@
                         <a:rPr lang="en-US" altLang="ko-KR" sz="1500" baseline="0" dirty="0" smtClean="0">
                           <a:latin typeface="Arial Rounded MT Bold" panose="020F0704030504030204" pitchFamily="34" charset="0"/>
                         </a:rPr>
-                        <a:t> </a:t>
-                      </a:r>
-                      <a:r>
-                        <a:rPr lang="en-US" altLang="ko-KR" sz="1500" baseline="0" dirty="0" smtClean="0">
-                          <a:latin typeface="Arial Rounded MT Bold" panose="020F0704030504030204" pitchFamily="34" charset="0"/>
-                        </a:rPr>
-                        <a:t>= </a:t>
-                      </a:r>
-                      <a:r>
-                        <a:rPr lang="en-US" altLang="ko-KR" sz="1500" baseline="0" dirty="0" smtClean="0">
-                          <a:latin typeface="Arial Rounded MT Bold" panose="020F0704030504030204" pitchFamily="34" charset="0"/>
-                        </a:rPr>
-                        <a:t>6,183</a:t>
+                        <a:t> = 6,183</a:t>
                       </a:r>
                       <a:endParaRPr lang="ko-KR" altLang="en-US" sz="1500" dirty="0">
                         <a:latin typeface="Arial Rounded MT Bold" panose="020F0704030504030204" pitchFamily="34" charset="0"/>
@@ -9092,36 +8965,6 @@
           </a:graphicData>
         </a:graphic>
       </p:graphicFrame>
-      <p:pic>
-        <p:nvPicPr>
-          <p:cNvPr id="7" name="그림 6"/>
-          <p:cNvPicPr>
-            <a:picLocks noChangeAspect="1"/>
-          </p:cNvPicPr>
-          <p:nvPr/>
-        </p:nvPicPr>
-        <p:blipFill>
-          <a:blip r:embed="rId3">
-            <a:extLst>
-              <a:ext uri="{28A0092B-C50C-407E-A947-70E740481C1C}">
-                <a14:useLocalDpi xmlns:a14="http://schemas.microsoft.com/office/drawing/2010/main" val="0"/>
-              </a:ext>
-            </a:extLst>
-          </a:blip>
-          <a:stretch>
-            <a:fillRect/>
-          </a:stretch>
-        </p:blipFill>
-        <p:spPr>
-          <a:xfrm>
-            <a:off x="4572000" y="4826888"/>
-            <a:ext cx="4192292" cy="1770392"/>
-          </a:xfrm>
-          <a:prstGeom prst="rect">
-            <a:avLst/>
-          </a:prstGeom>
-        </p:spPr>
-      </p:pic>
       <p:sp>
         <p:nvSpPr>
           <p:cNvPr id="8" name="TextBox 7"/>
@@ -9437,7 +9280,8 @@
               <a:buAutoNum type="arabicPeriod"/>
             </a:pPr>
             <a:endParaRPr lang="en-US" altLang="ko-KR" sz="2500" dirty="0" smtClean="0">
-              <a:latin typeface="Arial Rounded MT Bold" panose="020F0704030504030204" pitchFamily="34" charset="0"/>
+              <a:latin typeface="나눔고딕 ExtraBold" panose="020D0904000000000000" pitchFamily="50" charset="-127"/>
+              <a:ea typeface="나눔고딕 ExtraBold" panose="020D0904000000000000" pitchFamily="50" charset="-127"/>
             </a:endParaRPr>
           </a:p>
           <a:p>
@@ -9445,24 +9289,24 @@
               <a:buAutoNum type="arabicPeriod"/>
             </a:pPr>
             <a:r>
-              <a:rPr lang="en-US" altLang="ko-KR" sz="2500" dirty="0" smtClean="0">
-                <a:latin typeface="Arial Rounded MT Bold" panose="020F0704030504030204" pitchFamily="34" charset="0"/>
-              </a:rPr>
-              <a:t>Feature </a:t>
-            </a:r>
-            <a:r>
-              <a:rPr lang="en-US" altLang="ko-KR" sz="2500" dirty="0" smtClean="0">
-                <a:latin typeface="Arial Rounded MT Bold" panose="020F0704030504030204" pitchFamily="34" charset="0"/>
-              </a:rPr>
-              <a:t>Engineering</a:t>
-            </a:r>
+              <a:rPr lang="ko-KR" altLang="en-US" sz="2500" dirty="0" smtClean="0">
+                <a:latin typeface="나눔고딕 ExtraBold" panose="020D0904000000000000" pitchFamily="50" charset="-127"/>
+                <a:ea typeface="나눔고딕 ExtraBold" panose="020D0904000000000000" pitchFamily="50" charset="-127"/>
+              </a:rPr>
+              <a:t>변수 생성 및 전처리</a:t>
+            </a:r>
+            <a:endParaRPr lang="en-US" altLang="ko-KR" sz="2500" dirty="0" smtClean="0">
+              <a:latin typeface="나눔고딕 ExtraBold" panose="020D0904000000000000" pitchFamily="50" charset="-127"/>
+              <a:ea typeface="나눔고딕 ExtraBold" panose="020D0904000000000000" pitchFamily="50" charset="-127"/>
+            </a:endParaRPr>
           </a:p>
           <a:p>
             <a:pPr marL="342900" indent="-342900" algn="just">
               <a:buAutoNum type="arabicPeriod"/>
             </a:pPr>
             <a:endParaRPr lang="en-US" altLang="ko-KR" sz="2500" dirty="0" smtClean="0">
-              <a:latin typeface="Arial Rounded MT Bold" panose="020F0704030504030204" pitchFamily="34" charset="0"/>
+              <a:latin typeface="나눔고딕 ExtraBold" panose="020D0904000000000000" pitchFamily="50" charset="-127"/>
+              <a:ea typeface="나눔고딕 ExtraBold" panose="020D0904000000000000" pitchFamily="50" charset="-127"/>
             </a:endParaRPr>
           </a:p>
           <a:p>
@@ -9470,10 +9314,39 @@
               <a:buAutoNum type="arabicPeriod"/>
             </a:pPr>
             <a:r>
+              <a:rPr lang="ko-KR" altLang="en-US" sz="2500" dirty="0" smtClean="0">
+                <a:latin typeface="나눔고딕 ExtraBold" panose="020D0904000000000000" pitchFamily="50" charset="-127"/>
+                <a:ea typeface="나눔고딕 ExtraBold" panose="020D0904000000000000" pitchFamily="50" charset="-127"/>
+              </a:rPr>
+              <a:t>모델링</a:t>
+            </a:r>
+            <a:endParaRPr lang="en-US" altLang="ko-KR" sz="2500" dirty="0" smtClean="0">
+              <a:latin typeface="나눔고딕 ExtraBold" panose="020D0904000000000000" pitchFamily="50" charset="-127"/>
+              <a:ea typeface="나눔고딕 ExtraBold" panose="020D0904000000000000" pitchFamily="50" charset="-127"/>
+            </a:endParaRPr>
+          </a:p>
+          <a:p>
+            <a:pPr marL="342900" indent="-342900" algn="just">
+              <a:buAutoNum type="arabicPeriod"/>
+            </a:pPr>
+            <a:endParaRPr lang="en-US" altLang="ko-KR" sz="2500" dirty="0" smtClean="0">
+              <a:latin typeface="나눔고딕 ExtraBold" panose="020D0904000000000000" pitchFamily="50" charset="-127"/>
+              <a:ea typeface="나눔고딕 ExtraBold" panose="020D0904000000000000" pitchFamily="50" charset="-127"/>
+            </a:endParaRPr>
+          </a:p>
+          <a:p>
+            <a:pPr marL="342900" indent="-342900" algn="just">
+              <a:buAutoNum type="arabicPeriod"/>
+            </a:pPr>
+            <a:r>
               <a:rPr lang="en-US" altLang="ko-KR" sz="2500" dirty="0" smtClean="0">
-                <a:latin typeface="Arial Rounded MT Bold" panose="020F0704030504030204" pitchFamily="34" charset="0"/>
-              </a:rPr>
-              <a:t>Modeling</a:t>
+                <a:solidFill>
+                  <a:schemeClr val="accent5"/>
+                </a:solidFill>
+                <a:latin typeface="나눔고딕 ExtraBold" panose="020D0904000000000000" pitchFamily="50" charset="-127"/>
+                <a:ea typeface="나눔고딕 ExtraBold" panose="020D0904000000000000" pitchFamily="50" charset="-127"/>
+              </a:rPr>
+              <a:t>SMOTE</a:t>
             </a:r>
           </a:p>
           <a:p>
@@ -9481,7 +9354,8 @@
               <a:buAutoNum type="arabicPeriod"/>
             </a:pPr>
             <a:endParaRPr lang="en-US" altLang="ko-KR" sz="2500" dirty="0">
-              <a:latin typeface="Arial Rounded MT Bold" panose="020F0704030504030204" pitchFamily="34" charset="0"/>
+              <a:latin typeface="나눔고딕 ExtraBold" panose="020D0904000000000000" pitchFamily="50" charset="-127"/>
+              <a:ea typeface="나눔고딕 ExtraBold" panose="020D0904000000000000" pitchFamily="50" charset="-127"/>
             </a:endParaRPr>
           </a:p>
           <a:p>
@@ -9489,41 +9363,15 @@
               <a:buAutoNum type="arabicPeriod"/>
             </a:pPr>
             <a:r>
-              <a:rPr lang="en-US" altLang="ko-KR" sz="2500" dirty="0" smtClean="0">
-                <a:solidFill>
-                  <a:schemeClr val="accent5"/>
-                </a:solidFill>
-                <a:latin typeface="Arial Rounded MT Bold" panose="020F0704030504030204" pitchFamily="34" charset="0"/>
-              </a:rPr>
-              <a:t>SMOTE</a:t>
-            </a:r>
-            <a:endParaRPr lang="en-US" altLang="ko-KR" sz="2500" dirty="0" smtClean="0">
-              <a:solidFill>
-                <a:schemeClr val="accent5"/>
-              </a:solidFill>
-              <a:latin typeface="Arial Rounded MT Bold" panose="020F0704030504030204" pitchFamily="34" charset="0"/>
-            </a:endParaRPr>
-          </a:p>
-          <a:p>
-            <a:pPr marL="342900" indent="-342900" algn="just">
-              <a:buAutoNum type="arabicPeriod"/>
-            </a:pPr>
-            <a:endParaRPr lang="en-US" altLang="ko-KR" sz="2500" dirty="0">
-              <a:latin typeface="Arial Rounded MT Bold" panose="020F0704030504030204" pitchFamily="34" charset="0"/>
-            </a:endParaRPr>
-          </a:p>
-          <a:p>
-            <a:pPr marL="342900" indent="-342900" algn="just">
-              <a:buAutoNum type="arabicPeriod"/>
-            </a:pPr>
-            <a:r>
-              <a:rPr lang="en-US" altLang="ko-KR" sz="2500" dirty="0" smtClean="0">
-                <a:latin typeface="Arial Rounded MT Bold" panose="020F0704030504030204" pitchFamily="34" charset="0"/>
-              </a:rPr>
-              <a:t>Suggestion</a:t>
+              <a:rPr lang="ko-KR" altLang="en-US" sz="2500" dirty="0" smtClean="0">
+                <a:latin typeface="나눔고딕 ExtraBold" panose="020D0904000000000000" pitchFamily="50" charset="-127"/>
+                <a:ea typeface="나눔고딕 ExtraBold" panose="020D0904000000000000" pitchFamily="50" charset="-127"/>
+              </a:rPr>
+              <a:t>결론 및 제언</a:t>
             </a:r>
             <a:endParaRPr lang="ko-KR" altLang="en-US" sz="2500" dirty="0">
-              <a:latin typeface="Arial Rounded MT Bold" panose="020F0704030504030204" pitchFamily="34" charset="0"/>
+              <a:latin typeface="나눔고딕 ExtraBold" panose="020D0904000000000000" pitchFamily="50" charset="-127"/>
+              <a:ea typeface="나눔고딕 ExtraBold" panose="020D0904000000000000" pitchFamily="50" charset="-127"/>
             </a:endParaRPr>
           </a:p>
         </p:txBody>
@@ -9531,7 +9379,7 @@
     </p:spTree>
     <p:extLst>
       <p:ext uri="{BB962C8B-B14F-4D97-AF65-F5344CB8AC3E}">
-        <p14:creationId xmlns:p14="http://schemas.microsoft.com/office/powerpoint/2010/main" val="1051958218"/>
+        <p14:creationId xmlns:p14="http://schemas.microsoft.com/office/powerpoint/2010/main" val="3861077948"/>
       </p:ext>
     </p:extLst>
   </p:cSld>
@@ -9691,7 +9539,8 @@
               <a:buAutoNum type="arabicPeriod"/>
             </a:pPr>
             <a:endParaRPr lang="en-US" altLang="ko-KR" sz="2500" dirty="0" smtClean="0">
-              <a:latin typeface="Arial Rounded MT Bold" panose="020F0704030504030204" pitchFamily="34" charset="0"/>
+              <a:latin typeface="나눔고딕 ExtraBold" panose="020D0904000000000000" pitchFamily="50" charset="-127"/>
+              <a:ea typeface="나눔고딕 ExtraBold" panose="020D0904000000000000" pitchFamily="50" charset="-127"/>
             </a:endParaRPr>
           </a:p>
           <a:p>
@@ -9699,24 +9548,24 @@
               <a:buAutoNum type="arabicPeriod"/>
             </a:pPr>
             <a:r>
-              <a:rPr lang="en-US" altLang="ko-KR" sz="2500" dirty="0" smtClean="0">
-                <a:latin typeface="Arial Rounded MT Bold" panose="020F0704030504030204" pitchFamily="34" charset="0"/>
-              </a:rPr>
-              <a:t>Feature </a:t>
-            </a:r>
-            <a:r>
-              <a:rPr lang="en-US" altLang="ko-KR" sz="2500" dirty="0" smtClean="0">
-                <a:latin typeface="Arial Rounded MT Bold" panose="020F0704030504030204" pitchFamily="34" charset="0"/>
-              </a:rPr>
-              <a:t>Engineering</a:t>
-            </a:r>
+              <a:rPr lang="ko-KR" altLang="en-US" sz="2500" dirty="0" smtClean="0">
+                <a:latin typeface="나눔고딕 ExtraBold" panose="020D0904000000000000" pitchFamily="50" charset="-127"/>
+                <a:ea typeface="나눔고딕 ExtraBold" panose="020D0904000000000000" pitchFamily="50" charset="-127"/>
+              </a:rPr>
+              <a:t>변수 생성 및 전처리</a:t>
+            </a:r>
+            <a:endParaRPr lang="en-US" altLang="ko-KR" sz="2500" dirty="0" smtClean="0">
+              <a:latin typeface="나눔고딕 ExtraBold" panose="020D0904000000000000" pitchFamily="50" charset="-127"/>
+              <a:ea typeface="나눔고딕 ExtraBold" panose="020D0904000000000000" pitchFamily="50" charset="-127"/>
+            </a:endParaRPr>
           </a:p>
           <a:p>
             <a:pPr marL="342900" indent="-342900" algn="just">
               <a:buAutoNum type="arabicPeriod"/>
             </a:pPr>
             <a:endParaRPr lang="en-US" altLang="ko-KR" sz="2500" dirty="0" smtClean="0">
-              <a:latin typeface="Arial Rounded MT Bold" panose="020F0704030504030204" pitchFamily="34" charset="0"/>
+              <a:latin typeface="나눔고딕 ExtraBold" panose="020D0904000000000000" pitchFamily="50" charset="-127"/>
+              <a:ea typeface="나눔고딕 ExtraBold" panose="020D0904000000000000" pitchFamily="50" charset="-127"/>
             </a:endParaRPr>
           </a:p>
           <a:p>
@@ -9724,10 +9573,36 @@
               <a:buAutoNum type="arabicPeriod"/>
             </a:pPr>
             <a:r>
+              <a:rPr lang="ko-KR" altLang="en-US" sz="2500" dirty="0" smtClean="0">
+                <a:latin typeface="나눔고딕 ExtraBold" panose="020D0904000000000000" pitchFamily="50" charset="-127"/>
+                <a:ea typeface="나눔고딕 ExtraBold" panose="020D0904000000000000" pitchFamily="50" charset="-127"/>
+              </a:rPr>
+              <a:t>모델링</a:t>
+            </a:r>
+            <a:endParaRPr lang="en-US" altLang="ko-KR" sz="2500" dirty="0" smtClean="0">
+              <a:latin typeface="나눔고딕 ExtraBold" panose="020D0904000000000000" pitchFamily="50" charset="-127"/>
+              <a:ea typeface="나눔고딕 ExtraBold" panose="020D0904000000000000" pitchFamily="50" charset="-127"/>
+            </a:endParaRPr>
+          </a:p>
+          <a:p>
+            <a:pPr marL="342900" indent="-342900" algn="just">
+              <a:buAutoNum type="arabicPeriod"/>
+            </a:pPr>
+            <a:endParaRPr lang="en-US" altLang="ko-KR" sz="2500" dirty="0" smtClean="0">
+              <a:latin typeface="나눔고딕 ExtraBold" panose="020D0904000000000000" pitchFamily="50" charset="-127"/>
+              <a:ea typeface="나눔고딕 ExtraBold" panose="020D0904000000000000" pitchFamily="50" charset="-127"/>
+            </a:endParaRPr>
+          </a:p>
+          <a:p>
+            <a:pPr marL="342900" indent="-342900" algn="just">
+              <a:buAutoNum type="arabicPeriod"/>
+            </a:pPr>
+            <a:r>
               <a:rPr lang="en-US" altLang="ko-KR" sz="2500" dirty="0" smtClean="0">
-                <a:latin typeface="Arial Rounded MT Bold" panose="020F0704030504030204" pitchFamily="34" charset="0"/>
-              </a:rPr>
-              <a:t>Modeling</a:t>
+                <a:latin typeface="나눔고딕 ExtraBold" panose="020D0904000000000000" pitchFamily="50" charset="-127"/>
+                <a:ea typeface="나눔고딕 ExtraBold" panose="020D0904000000000000" pitchFamily="50" charset="-127"/>
+              </a:rPr>
+              <a:t>SMOTE</a:t>
             </a:r>
           </a:p>
           <a:p>
@@ -9735,7 +9610,8 @@
               <a:buAutoNum type="arabicPeriod"/>
             </a:pPr>
             <a:endParaRPr lang="en-US" altLang="ko-KR" sz="2500" dirty="0">
-              <a:latin typeface="Arial Rounded MT Bold" panose="020F0704030504030204" pitchFamily="34" charset="0"/>
+              <a:latin typeface="나눔고딕 ExtraBold" panose="020D0904000000000000" pitchFamily="50" charset="-127"/>
+              <a:ea typeface="나눔고딕 ExtraBold" panose="020D0904000000000000" pitchFamily="50" charset="-127"/>
             </a:endParaRPr>
           </a:p>
           <a:p>
@@ -9743,35 +9619,15 @@
               <a:buAutoNum type="arabicPeriod"/>
             </a:pPr>
             <a:r>
-              <a:rPr lang="en-US" altLang="ko-KR" sz="2500" dirty="0" smtClean="0">
-                <a:latin typeface="Arial Rounded MT Bold" panose="020F0704030504030204" pitchFamily="34" charset="0"/>
-              </a:rPr>
-              <a:t>SMOTE</a:t>
-            </a:r>
-            <a:endParaRPr lang="en-US" altLang="ko-KR" sz="2500" dirty="0" smtClean="0">
-              <a:latin typeface="Arial Rounded MT Bold" panose="020F0704030504030204" pitchFamily="34" charset="0"/>
-            </a:endParaRPr>
-          </a:p>
-          <a:p>
-            <a:pPr marL="342900" indent="-342900" algn="just">
-              <a:buAutoNum type="arabicPeriod"/>
-            </a:pPr>
-            <a:endParaRPr lang="en-US" altLang="ko-KR" sz="2500" dirty="0">
-              <a:latin typeface="Arial Rounded MT Bold" panose="020F0704030504030204" pitchFamily="34" charset="0"/>
-            </a:endParaRPr>
-          </a:p>
-          <a:p>
-            <a:pPr marL="342900" indent="-342900" algn="just">
-              <a:buAutoNum type="arabicPeriod"/>
-            </a:pPr>
-            <a:r>
-              <a:rPr lang="en-US" altLang="ko-KR" sz="2500" dirty="0" smtClean="0">
-                <a:latin typeface="Arial Rounded MT Bold" panose="020F0704030504030204" pitchFamily="34" charset="0"/>
-              </a:rPr>
-              <a:t>Suggestion</a:t>
+              <a:rPr lang="ko-KR" altLang="en-US" sz="2500" dirty="0" smtClean="0">
+                <a:latin typeface="나눔고딕 ExtraBold" panose="020D0904000000000000" pitchFamily="50" charset="-127"/>
+                <a:ea typeface="나눔고딕 ExtraBold" panose="020D0904000000000000" pitchFamily="50" charset="-127"/>
+              </a:rPr>
+              <a:t>결론 및 제언</a:t>
             </a:r>
             <a:endParaRPr lang="ko-KR" altLang="en-US" sz="2500" dirty="0">
-              <a:latin typeface="Arial Rounded MT Bold" panose="020F0704030504030204" pitchFamily="34" charset="0"/>
+              <a:latin typeface="나눔고딕 ExtraBold" panose="020D0904000000000000" pitchFamily="50" charset="-127"/>
+              <a:ea typeface="나눔고딕 ExtraBold" panose="020D0904000000000000" pitchFamily="50" charset="-127"/>
             </a:endParaRPr>
           </a:p>
         </p:txBody>
@@ -11870,11 +11726,11 @@
               <a:t>, </a:t>
             </a:r>
             <a:r>
-              <a:rPr lang="en-US" altLang="ko-KR" sz="1500" dirty="0" err="1" smtClean="0">
-                <a:latin typeface="나눔고딕 ExtraBold" panose="020D0904000000000000" pitchFamily="50" charset="-127"/>
-                <a:ea typeface="나눔고딕 ExtraBold" panose="020D0904000000000000" pitchFamily="50" charset="-127"/>
-              </a:rPr>
-              <a:t>Rere</a:t>
+              <a:rPr lang="en-US" altLang="ko-KR" sz="1500" dirty="0" smtClean="0">
+                <a:latin typeface="나눔고딕 ExtraBold" panose="020D0904000000000000" pitchFamily="50" charset="-127"/>
+                <a:ea typeface="나눔고딕 ExtraBold" panose="020D0904000000000000" pitchFamily="50" charset="-127"/>
+              </a:rPr>
+              <a:t>Rare</a:t>
             </a:r>
             <a:r>
               <a:rPr lang="ko-KR" altLang="en-US" sz="1500" dirty="0" smtClean="0">
@@ -11884,10 +11740,94 @@
               <a:t>가 </a:t>
             </a:r>
             <a:r>
+              <a:rPr lang="en-US" altLang="ko-KR" sz="1500" dirty="0">
+                <a:latin typeface="나눔고딕 ExtraBold" panose="020D0904000000000000" pitchFamily="50" charset="-127"/>
+                <a:ea typeface="나눔고딕 ExtraBold" panose="020D0904000000000000" pitchFamily="50" charset="-127"/>
+              </a:rPr>
+              <a:t>3</a:t>
+            </a:r>
+            <a:r>
               <a:rPr lang="en-US" altLang="ko-KR" sz="1500" dirty="0" smtClean="0">
                 <a:latin typeface="나눔고딕 ExtraBold" panose="020D0904000000000000" pitchFamily="50" charset="-127"/>
                 <a:ea typeface="나눔고딕 ExtraBold" panose="020D0904000000000000" pitchFamily="50" charset="-127"/>
               </a:rPr>
+              <a:t>00</a:t>
+            </a:r>
+            <a:r>
+              <a:rPr lang="ko-KR" altLang="en-US" sz="1500" smtClean="0">
+                <a:latin typeface="나눔고딕 ExtraBold" panose="020D0904000000000000" pitchFamily="50" charset="-127"/>
+                <a:ea typeface="나눔고딕 ExtraBold" panose="020D0904000000000000" pitchFamily="50" charset="-127"/>
+              </a:rPr>
+              <a:t>개 </a:t>
+            </a:r>
+            <a:r>
+              <a:rPr lang="ko-KR" altLang="en-US" sz="1500" smtClean="0">
+                <a:latin typeface="나눔고딕 ExtraBold" panose="020D0904000000000000" pitchFamily="50" charset="-127"/>
+                <a:ea typeface="나눔고딕 ExtraBold" panose="020D0904000000000000" pitchFamily="50" charset="-127"/>
+              </a:rPr>
+              <a:t>추가 생성되었으므로</a:t>
+            </a:r>
+            <a:r>
+              <a:rPr lang="en-US" altLang="ko-KR" sz="1500" dirty="0" smtClean="0">
+                <a:latin typeface="나눔고딕 ExtraBold" panose="020D0904000000000000" pitchFamily="50" charset="-127"/>
+                <a:ea typeface="나눔고딕 ExtraBold" panose="020D0904000000000000" pitchFamily="50" charset="-127"/>
+              </a:rPr>
+              <a:t>, </a:t>
+            </a:r>
+            <a:r>
+              <a:rPr lang="en-US" altLang="ko-KR" sz="1500" dirty="0" smtClean="0">
+                <a:latin typeface="나눔고딕 ExtraBold" panose="020D0904000000000000" pitchFamily="50" charset="-127"/>
+                <a:ea typeface="나눔고딕 ExtraBold" panose="020D0904000000000000" pitchFamily="50" charset="-127"/>
+              </a:rPr>
+              <a:t>Common</a:t>
+            </a:r>
+            <a:r>
+              <a:rPr lang="ko-KR" altLang="en-US" sz="1500" dirty="0" smtClean="0">
+                <a:latin typeface="나눔고딕 ExtraBold" panose="020D0904000000000000" pitchFamily="50" charset="-127"/>
+                <a:ea typeface="나눔고딕 ExtraBold" panose="020D0904000000000000" pitchFamily="50" charset="-127"/>
+              </a:rPr>
+              <a:t>도 </a:t>
+            </a:r>
+            <a:r>
+              <a:rPr lang="en-US" altLang="ko-KR" sz="1500" dirty="0" smtClean="0">
+                <a:latin typeface="나눔고딕 ExtraBold" panose="020D0904000000000000" pitchFamily="50" charset="-127"/>
+                <a:ea typeface="나눔고딕 ExtraBold" panose="020D0904000000000000" pitchFamily="50" charset="-127"/>
+              </a:rPr>
+              <a:t>300 </a:t>
+            </a:r>
+            <a:r>
+              <a:rPr lang="en-US" altLang="ko-KR" sz="1500" dirty="0" smtClean="0">
+                <a:latin typeface="나눔고딕 ExtraBold" panose="020D0904000000000000" pitchFamily="50" charset="-127"/>
+                <a:ea typeface="나눔고딕 ExtraBold" panose="020D0904000000000000" pitchFamily="50" charset="-127"/>
+              </a:rPr>
+              <a:t>* (100%)</a:t>
+            </a:r>
+            <a:r>
+              <a:rPr lang="ko-KR" altLang="en-US" sz="1500" dirty="0" smtClean="0">
+                <a:latin typeface="나눔고딕 ExtraBold" panose="020D0904000000000000" pitchFamily="50" charset="-127"/>
+                <a:ea typeface="나눔고딕 ExtraBold" panose="020D0904000000000000" pitchFamily="50" charset="-127"/>
+              </a:rPr>
+              <a:t>인 </a:t>
+            </a:r>
+            <a:r>
+              <a:rPr lang="en-US" altLang="ko-KR" sz="1500" dirty="0" smtClean="0">
+                <a:latin typeface="나눔고딕 ExtraBold" panose="020D0904000000000000" pitchFamily="50" charset="-127"/>
+                <a:ea typeface="나눔고딕 ExtraBold" panose="020D0904000000000000" pitchFamily="50" charset="-127"/>
+              </a:rPr>
+              <a:t>300</a:t>
+            </a:r>
+            <a:r>
+              <a:rPr lang="ko-KR" altLang="en-US" sz="1500" dirty="0" smtClean="0">
+                <a:latin typeface="나눔고딕 ExtraBold" panose="020D0904000000000000" pitchFamily="50" charset="-127"/>
+                <a:ea typeface="나눔고딕 ExtraBold" panose="020D0904000000000000" pitchFamily="50" charset="-127"/>
+              </a:rPr>
+              <a:t>개가 되도록 추가로 </a:t>
+            </a:r>
+            <a:r>
+              <a:rPr lang="en-US" altLang="ko-KR" sz="1500" dirty="0" smtClean="0">
+                <a:latin typeface="나눔고딕 ExtraBold" panose="020D0904000000000000" pitchFamily="50" charset="-127"/>
+                <a:ea typeface="나눔고딕 ExtraBold" panose="020D0904000000000000" pitchFamily="50" charset="-127"/>
+              </a:rPr>
               <a:t>200</a:t>
             </a:r>
             <a:r>
@@ -11895,35 +11835,7 @@
                 <a:latin typeface="나눔고딕 ExtraBold" panose="020D0904000000000000" pitchFamily="50" charset="-127"/>
                 <a:ea typeface="나눔고딕 ExtraBold" panose="020D0904000000000000" pitchFamily="50" charset="-127"/>
               </a:rPr>
-              <a:t>개 생성되었으므로</a:t>
-            </a:r>
-            <a:r>
-              <a:rPr lang="en-US" altLang="ko-KR" sz="1500" dirty="0" smtClean="0">
-                <a:latin typeface="나눔고딕 ExtraBold" panose="020D0904000000000000" pitchFamily="50" charset="-127"/>
-                <a:ea typeface="나눔고딕 ExtraBold" panose="020D0904000000000000" pitchFamily="50" charset="-127"/>
-              </a:rPr>
-              <a:t>, 200 * (100%)</a:t>
-            </a:r>
-            <a:r>
-              <a:rPr lang="ko-KR" altLang="en-US" sz="1500" dirty="0" smtClean="0">
-                <a:latin typeface="나눔고딕 ExtraBold" panose="020D0904000000000000" pitchFamily="50" charset="-127"/>
-                <a:ea typeface="나눔고딕 ExtraBold" panose="020D0904000000000000" pitchFamily="50" charset="-127"/>
-              </a:rPr>
-              <a:t>인 </a:t>
-            </a:r>
-            <a:r>
-              <a:rPr lang="en-US" altLang="ko-KR" sz="1500" dirty="0" smtClean="0">
-                <a:latin typeface="나눔고딕 ExtraBold" panose="020D0904000000000000" pitchFamily="50" charset="-127"/>
-                <a:ea typeface="나눔고딕 ExtraBold" panose="020D0904000000000000" pitchFamily="50" charset="-127"/>
-              </a:rPr>
-              <a:t>200</a:t>
-            </a:r>
-            <a:r>
-              <a:rPr lang="ko-KR" altLang="en-US" sz="1500" dirty="0" smtClean="0">
-                <a:latin typeface="나눔고딕 ExtraBold" panose="020D0904000000000000" pitchFamily="50" charset="-127"/>
-                <a:ea typeface="나눔고딕 ExtraBold" panose="020D0904000000000000" pitchFamily="50" charset="-127"/>
-              </a:rPr>
-              <a:t>개를 역시 </a:t>
+              <a:t>개를 </a:t>
             </a:r>
             <a:r>
               <a:rPr lang="en-US" altLang="ko-KR" sz="1500" dirty="0" smtClean="0">
@@ -12113,7 +12025,7 @@
         <p:spPr>
           <a:xfrm>
             <a:off x="507076" y="953807"/>
-            <a:ext cx="8129847" cy="1477328"/>
+            <a:ext cx="8129847" cy="1754326"/>
           </a:xfrm>
           <a:prstGeom prst="rect">
             <a:avLst/>
@@ -12218,14 +12130,7 @@
                 <a:latin typeface="나눔고딕 ExtraBold" panose="020D0904000000000000" pitchFamily="50" charset="-127"/>
                 <a:ea typeface="나눔고딕 ExtraBold" panose="020D0904000000000000" pitchFamily="50" charset="-127"/>
               </a:rPr>
-              <a:t>개의 주어진 </a:t>
-            </a:r>
-            <a:r>
-              <a:rPr lang="ko-KR" altLang="en-US" dirty="0" smtClean="0">
-                <a:latin typeface="나눔고딕 ExtraBold" panose="020D0904000000000000" pitchFamily="50" charset="-127"/>
-                <a:ea typeface="나눔고딕 ExtraBold" panose="020D0904000000000000" pitchFamily="50" charset="-127"/>
-              </a:rPr>
-              <a:t>데이터를</a:t>
+              <a:t>개의 주어진 데이터를</a:t>
             </a:r>
             <a:r>
               <a:rPr lang="en-US" altLang="ko-KR" dirty="0">
@@ -12235,11 +12140,11 @@
               <a:t> </a:t>
             </a:r>
             <a:r>
-              <a:rPr lang="ko-KR" altLang="en-US" dirty="0" smtClean="0">
-                <a:latin typeface="나눔고딕 ExtraBold" panose="020D0904000000000000" pitchFamily="50" charset="-127"/>
-                <a:ea typeface="나눔고딕 ExtraBold" panose="020D0904000000000000" pitchFamily="50" charset="-127"/>
-              </a:rPr>
-              <a:t>기존의 </a:t>
+              <a:rPr lang="en-US" altLang="ko-KR" dirty="0" smtClean="0">
+                <a:latin typeface="나눔고딕 ExtraBold" panose="020D0904000000000000" pitchFamily="50" charset="-127"/>
+                <a:ea typeface="나눔고딕 ExtraBold" panose="020D0904000000000000" pitchFamily="50" charset="-127"/>
+              </a:rPr>
+              <a:t> </a:t>
             </a:r>
             <a:r>
               <a:rPr lang="en-US" altLang="ko-KR" dirty="0" smtClean="0">
@@ -12249,21 +12154,66 @@
                 <a:latin typeface="나눔고딕 ExtraBold" panose="020D0904000000000000" pitchFamily="50" charset="-127"/>
                 <a:ea typeface="나눔고딕 ExtraBold" panose="020D0904000000000000" pitchFamily="50" charset="-127"/>
               </a:rPr>
-              <a:t>0.92 : 0.08</a:t>
+              <a:t>Train 70%, Test 30%</a:t>
+            </a:r>
+            <a:r>
+              <a:rPr lang="ko-KR" altLang="en-US" dirty="0">
+                <a:latin typeface="나눔고딕 ExtraBold" panose="020D0904000000000000" pitchFamily="50" charset="-127"/>
+                <a:ea typeface="나눔고딕 ExtraBold" panose="020D0904000000000000" pitchFamily="50" charset="-127"/>
+              </a:rPr>
+              <a:t> </a:t>
+            </a:r>
+            <a:r>
+              <a:rPr lang="ko-KR" altLang="en-US" dirty="0" smtClean="0">
+                <a:latin typeface="나눔고딕 ExtraBold" panose="020D0904000000000000" pitchFamily="50" charset="-127"/>
+                <a:ea typeface="나눔고딕 ExtraBold" panose="020D0904000000000000" pitchFamily="50" charset="-127"/>
+              </a:rPr>
+              <a:t>로 분리</a:t>
             </a:r>
             <a:r>
               <a:rPr lang="en-US" altLang="ko-KR" dirty="0" smtClean="0">
                 <a:latin typeface="나눔고딕 ExtraBold" panose="020D0904000000000000" pitchFamily="50" charset="-127"/>
                 <a:ea typeface="나눔고딕 ExtraBold" panose="020D0904000000000000" pitchFamily="50" charset="-127"/>
               </a:rPr>
-              <a:t> </a:t>
+              <a:t>.</a:t>
+            </a:r>
+          </a:p>
+          <a:p>
+            <a:pPr algn="just"/>
+            <a:endParaRPr lang="en-US" altLang="ko-KR" dirty="0">
+              <a:latin typeface="나눔고딕 ExtraBold" panose="020D0904000000000000" pitchFamily="50" charset="-127"/>
+              <a:ea typeface="나눔고딕 ExtraBold" panose="020D0904000000000000" pitchFamily="50" charset="-127"/>
+            </a:endParaRPr>
+          </a:p>
+          <a:p>
+            <a:pPr algn="just"/>
+            <a:r>
+              <a:rPr lang="en-US" altLang="ko-KR" dirty="0" smtClean="0">
+                <a:latin typeface="나눔고딕 ExtraBold" panose="020D0904000000000000" pitchFamily="50" charset="-127"/>
+                <a:ea typeface="나눔고딕 ExtraBold" panose="020D0904000000000000" pitchFamily="50" charset="-127"/>
+              </a:rPr>
+              <a:t>Train </a:t>
             </a:r>
             <a:r>
               <a:rPr lang="ko-KR" altLang="en-US" dirty="0" smtClean="0">
                 <a:latin typeface="나눔고딕 ExtraBold" panose="020D0904000000000000" pitchFamily="50" charset="-127"/>
                 <a:ea typeface="나눔고딕 ExtraBold" panose="020D0904000000000000" pitchFamily="50" charset="-127"/>
               </a:rPr>
-              <a:t>의 비율을 역으로 뒤집어 </a:t>
+              <a:t>데이터의 </a:t>
+            </a:r>
+            <a:r>
+              <a:rPr lang="en-US" altLang="ko-KR" dirty="0" smtClean="0">
+                <a:latin typeface="나눔고딕 ExtraBold" panose="020D0904000000000000" pitchFamily="50" charset="-127"/>
+                <a:ea typeface="나눔고딕 ExtraBold" panose="020D0904000000000000" pitchFamily="50" charset="-127"/>
+              </a:rPr>
+              <a:t>Target </a:t>
+            </a:r>
+            <a:r>
+              <a:rPr lang="ko-KR" altLang="en-US" dirty="0" smtClean="0">
+                <a:latin typeface="나눔고딕 ExtraBold" panose="020D0904000000000000" pitchFamily="50" charset="-127"/>
+                <a:ea typeface="나눔고딕 ExtraBold" panose="020D0904000000000000" pitchFamily="50" charset="-127"/>
+              </a:rPr>
+              <a:t>비율을 </a:t>
             </a:r>
             <a:r>
               <a:rPr lang="en-US" altLang="ko-KR" dirty="0" smtClean="0">
@@ -12273,21 +12223,14 @@
                 <a:latin typeface="나눔고딕 ExtraBold" panose="020D0904000000000000" pitchFamily="50" charset="-127"/>
                 <a:ea typeface="나눔고딕 ExtraBold" panose="020D0904000000000000" pitchFamily="50" charset="-127"/>
               </a:rPr>
-              <a:t>0.33 : 0.67</a:t>
-            </a:r>
-            <a:r>
-              <a:rPr lang="en-US" altLang="ko-KR" dirty="0" smtClean="0">
-                <a:latin typeface="나눔고딕 ExtraBold" panose="020D0904000000000000" pitchFamily="50" charset="-127"/>
-                <a:ea typeface="나눔고딕 ExtraBold" panose="020D0904000000000000" pitchFamily="50" charset="-127"/>
-              </a:rPr>
-              <a:t> </a:t>
+              <a:t>1: 1</a:t>
             </a:r>
             <a:r>
               <a:rPr lang="ko-KR" altLang="en-US" dirty="0" smtClean="0">
                 <a:latin typeface="나눔고딕 ExtraBold" panose="020D0904000000000000" pitchFamily="50" charset="-127"/>
                 <a:ea typeface="나눔고딕 ExtraBold" panose="020D0904000000000000" pitchFamily="50" charset="-127"/>
               </a:rPr>
-              <a:t>의 비율로 재 생성</a:t>
+              <a:t>의 비율로 오버 샘플링</a:t>
             </a:r>
             <a:endParaRPr lang="en-US" altLang="ko-KR" dirty="0" smtClean="0">
               <a:latin typeface="나눔고딕 ExtraBold" panose="020D0904000000000000" pitchFamily="50" charset="-127"/>
@@ -12296,363 +12239,372 @@
           </a:p>
         </p:txBody>
       </p:sp>
-      <p:sp>
-        <p:nvSpPr>
-          <p:cNvPr id="7" name="TextBox 6"/>
-          <p:cNvSpPr txBox="1"/>
+      <p:grpSp>
+        <p:nvGrpSpPr>
+          <p:cNvPr id="5" name="그룹 4"/>
+          <p:cNvGrpSpPr/>
           <p:nvPr/>
-        </p:nvSpPr>
-        <p:spPr>
+        </p:nvGrpSpPr>
+        <p:grpSpPr>
           <a:xfrm>
-            <a:off x="1108376" y="5747258"/>
-            <a:ext cx="2448771" cy="646331"/>
+            <a:off x="662342" y="2969533"/>
+            <a:ext cx="7819313" cy="3856866"/>
+            <a:chOff x="647113" y="2536723"/>
+            <a:chExt cx="7819313" cy="3856866"/>
           </a:xfrm>
-          <a:prstGeom prst="rect">
-            <a:avLst/>
-          </a:prstGeom>
-          <a:noFill/>
-        </p:spPr>
-        <p:txBody>
-          <a:bodyPr wrap="square" rtlCol="0">
-            <a:spAutoFit/>
-          </a:bodyPr>
-          <a:lstStyle/>
-          <a:p>
-            <a:pPr algn="ctr"/>
-            <a:r>
-              <a:rPr lang="en-US" altLang="ko-KR" dirty="0" smtClean="0">
+        </p:grpSpPr>
+        <p:sp>
+          <p:nvSpPr>
+            <p:cNvPr id="7" name="TextBox 6"/>
+            <p:cNvSpPr txBox="1"/>
+            <p:nvPr/>
+          </p:nvSpPr>
+          <p:spPr>
+            <a:xfrm>
+              <a:off x="1108376" y="5747258"/>
+              <a:ext cx="2448771" cy="646331"/>
+            </a:xfrm>
+            <a:prstGeom prst="rect">
+              <a:avLst/>
+            </a:prstGeom>
+            <a:noFill/>
+          </p:spPr>
+          <p:txBody>
+            <a:bodyPr wrap="square" rtlCol="0">
+              <a:spAutoFit/>
+            </a:bodyPr>
+            <a:lstStyle/>
+            <a:p>
+              <a:pPr algn="ctr"/>
+              <a:r>
+                <a:rPr lang="en-US" altLang="ko-KR" dirty="0" smtClean="0">
+                  <a:latin typeface="Arial Rounded MT Bold" panose="020F0704030504030204" pitchFamily="34" charset="0"/>
+                </a:rPr>
+                <a:t>Original Train Data</a:t>
+              </a:r>
+            </a:p>
+            <a:p>
+              <a:pPr algn="ctr"/>
+              <a:r>
+                <a:rPr lang="en-US" altLang="ko-KR" dirty="0" smtClean="0">
+                  <a:latin typeface="Arial Rounded MT Bold" panose="020F0704030504030204" pitchFamily="34" charset="0"/>
+                </a:rPr>
+                <a:t>14,425 </a:t>
+              </a:r>
+              <a:r>
+                <a:rPr lang="en-US" altLang="ko-KR" dirty="0" err="1" smtClean="0">
+                  <a:latin typeface="Arial Rounded MT Bold" panose="020F0704030504030204" pitchFamily="34" charset="0"/>
+                </a:rPr>
+                <a:t>obs</a:t>
+              </a:r>
+              <a:endParaRPr lang="ko-KR" altLang="en-US" dirty="0">
                 <a:latin typeface="Arial Rounded MT Bold" panose="020F0704030504030204" pitchFamily="34" charset="0"/>
-              </a:rPr>
-              <a:t>Original Train Data</a:t>
-            </a:r>
-          </a:p>
-          <a:p>
-            <a:pPr algn="ctr"/>
-            <a:r>
-              <a:rPr lang="en-US" altLang="ko-KR" dirty="0" smtClean="0">
+              </a:endParaRPr>
+            </a:p>
+          </p:txBody>
+        </p:sp>
+        <p:pic>
+          <p:nvPicPr>
+            <p:cNvPr id="12" name="그림 11"/>
+            <p:cNvPicPr>
+              <a:picLocks noChangeAspect="1"/>
+            </p:cNvPicPr>
+            <p:nvPr/>
+          </p:nvPicPr>
+          <p:blipFill>
+            <a:blip r:embed="rId2">
+              <a:extLst>
+                <a:ext uri="{28A0092B-C50C-407E-A947-70E740481C1C}">
+                  <a14:useLocalDpi xmlns:a14="http://schemas.microsoft.com/office/drawing/2010/main" val="0"/>
+                </a:ext>
+              </a:extLst>
+            </a:blip>
+            <a:stretch>
+              <a:fillRect/>
+            </a:stretch>
+          </p:blipFill>
+          <p:spPr>
+            <a:xfrm>
+              <a:off x="5095131" y="2686673"/>
+              <a:ext cx="3371295" cy="3059139"/>
+            </a:xfrm>
+            <a:prstGeom prst="rect">
+              <a:avLst/>
+            </a:prstGeom>
+          </p:spPr>
+        </p:pic>
+        <p:sp>
+          <p:nvSpPr>
+            <p:cNvPr id="13" name="TextBox 12"/>
+            <p:cNvSpPr txBox="1"/>
+            <p:nvPr/>
+          </p:nvSpPr>
+          <p:spPr>
+            <a:xfrm>
+              <a:off x="5541847" y="5747258"/>
+              <a:ext cx="2477863" cy="646331"/>
+            </a:xfrm>
+            <a:prstGeom prst="rect">
+              <a:avLst/>
+            </a:prstGeom>
+            <a:noFill/>
+          </p:spPr>
+          <p:txBody>
+            <a:bodyPr wrap="square" rtlCol="0">
+              <a:spAutoFit/>
+            </a:bodyPr>
+            <a:lstStyle/>
+            <a:p>
+              <a:pPr algn="ctr"/>
+              <a:r>
+                <a:rPr lang="en-US" altLang="ko-KR" dirty="0" smtClean="0">
+                  <a:latin typeface="Arial Rounded MT Bold" panose="020F0704030504030204" pitchFamily="34" charset="0"/>
+                </a:rPr>
+                <a:t>SMOTE Train Data</a:t>
+              </a:r>
+            </a:p>
+            <a:p>
+              <a:pPr algn="ctr"/>
+              <a:r>
+                <a:rPr lang="en-US" altLang="ko-KR" dirty="0" smtClean="0">
+                  <a:latin typeface="Arial Rounded MT Bold" panose="020F0704030504030204" pitchFamily="34" charset="0"/>
+                </a:rPr>
+                <a:t>63,393 </a:t>
+              </a:r>
+              <a:r>
+                <a:rPr lang="en-US" altLang="ko-KR" dirty="0" err="1" smtClean="0">
+                  <a:latin typeface="Arial Rounded MT Bold" panose="020F0704030504030204" pitchFamily="34" charset="0"/>
+                </a:rPr>
+                <a:t>obs</a:t>
+              </a:r>
+              <a:endParaRPr lang="ko-KR" altLang="en-US" dirty="0">
                 <a:latin typeface="Arial Rounded MT Bold" panose="020F0704030504030204" pitchFamily="34" charset="0"/>
-              </a:rPr>
-              <a:t>20,607</a:t>
-            </a:r>
-            <a:r>
-              <a:rPr lang="en-US" altLang="ko-KR" dirty="0" smtClean="0">
-                <a:latin typeface="Arial Rounded MT Bold" panose="020F0704030504030204" pitchFamily="34" charset="0"/>
-              </a:rPr>
-              <a:t> </a:t>
-            </a:r>
-            <a:r>
-              <a:rPr lang="en-US" altLang="ko-KR" dirty="0" err="1" smtClean="0">
-                <a:latin typeface="Arial Rounded MT Bold" panose="020F0704030504030204" pitchFamily="34" charset="0"/>
-              </a:rPr>
-              <a:t>obs</a:t>
-            </a:r>
-            <a:endParaRPr lang="ko-KR" altLang="en-US" dirty="0">
-              <a:latin typeface="Arial Rounded MT Bold" panose="020F0704030504030204" pitchFamily="34" charset="0"/>
-            </a:endParaRPr>
-          </a:p>
-        </p:txBody>
-      </p:sp>
-      <p:pic>
-        <p:nvPicPr>
-          <p:cNvPr id="12" name="그림 11"/>
-          <p:cNvPicPr>
-            <a:picLocks noChangeAspect="1"/>
-          </p:cNvPicPr>
-          <p:nvPr/>
-        </p:nvPicPr>
-        <p:blipFill>
-          <a:blip r:embed="rId2" cstate="print">
-            <a:extLst>
-              <a:ext uri="{28A0092B-C50C-407E-A947-70E740481C1C}">
-                <a14:useLocalDpi xmlns:a14="http://schemas.microsoft.com/office/drawing/2010/main" val="0"/>
-              </a:ext>
-            </a:extLst>
-          </a:blip>
-          <a:stretch>
-            <a:fillRect/>
-          </a:stretch>
-        </p:blipFill>
-        <p:spPr>
-          <a:xfrm>
-            <a:off x="4984114" y="2686673"/>
-            <a:ext cx="3593330" cy="3059139"/>
-          </a:xfrm>
-          <a:prstGeom prst="rect">
-            <a:avLst/>
-          </a:prstGeom>
-        </p:spPr>
-      </p:pic>
-      <p:sp>
-        <p:nvSpPr>
-          <p:cNvPr id="13" name="TextBox 12"/>
-          <p:cNvSpPr txBox="1"/>
-          <p:nvPr/>
-        </p:nvSpPr>
-        <p:spPr>
-          <a:xfrm>
-            <a:off x="5541847" y="5747258"/>
-            <a:ext cx="2477863" cy="646331"/>
-          </a:xfrm>
-          <a:prstGeom prst="rect">
-            <a:avLst/>
-          </a:prstGeom>
-          <a:noFill/>
-        </p:spPr>
-        <p:txBody>
-          <a:bodyPr wrap="square" rtlCol="0">
-            <a:spAutoFit/>
-          </a:bodyPr>
-          <a:lstStyle/>
-          <a:p>
-            <a:pPr algn="ctr"/>
-            <a:r>
-              <a:rPr lang="en-US" altLang="ko-KR" dirty="0" smtClean="0">
-                <a:latin typeface="Arial Rounded MT Bold" panose="020F0704030504030204" pitchFamily="34" charset="0"/>
-              </a:rPr>
-              <a:t>SMOTE Train Data</a:t>
-            </a:r>
-          </a:p>
-          <a:p>
-            <a:pPr algn="ctr"/>
-            <a:r>
-              <a:rPr lang="en-US" altLang="ko-KR" dirty="0" smtClean="0">
-                <a:latin typeface="Arial Rounded MT Bold" panose="020F0704030504030204" pitchFamily="34" charset="0"/>
-              </a:rPr>
-              <a:t>68,531 </a:t>
-            </a:r>
-            <a:r>
-              <a:rPr lang="en-US" altLang="ko-KR" dirty="0" err="1" smtClean="0">
-                <a:latin typeface="Arial Rounded MT Bold" panose="020F0704030504030204" pitchFamily="34" charset="0"/>
-              </a:rPr>
-              <a:t>obs</a:t>
-            </a:r>
-            <a:endParaRPr lang="ko-KR" altLang="en-US" dirty="0">
-              <a:latin typeface="Arial Rounded MT Bold" panose="020F0704030504030204" pitchFamily="34" charset="0"/>
-            </a:endParaRPr>
-          </a:p>
-        </p:txBody>
-      </p:sp>
-      <p:sp>
-        <p:nvSpPr>
-          <p:cNvPr id="14" name="오른쪽 화살표 13"/>
-          <p:cNvSpPr/>
-          <p:nvPr/>
-        </p:nvSpPr>
-        <p:spPr>
-          <a:xfrm>
-            <a:off x="4269943" y="4399837"/>
-            <a:ext cx="573656" cy="570676"/>
-          </a:xfrm>
-          <a:prstGeom prst="rightArrow">
-            <a:avLst/>
-          </a:prstGeom>
-          <a:solidFill>
-            <a:schemeClr val="tx2"/>
-          </a:solidFill>
-        </p:spPr>
-        <p:style>
-          <a:lnRef idx="2">
-            <a:schemeClr val="accent1">
-              <a:shade val="50000"/>
-            </a:schemeClr>
-          </a:lnRef>
-          <a:fillRef idx="1">
-            <a:schemeClr val="accent1"/>
-          </a:fillRef>
-          <a:effectRef idx="0">
-            <a:schemeClr val="accent1"/>
-          </a:effectRef>
-          <a:fontRef idx="minor">
-            <a:schemeClr val="lt1"/>
-          </a:fontRef>
-        </p:style>
-        <p:txBody>
-          <a:bodyPr rtlCol="0" anchor="ctr"/>
-          <a:lstStyle/>
-          <a:p>
-            <a:pPr algn="ctr"/>
-            <a:endParaRPr lang="ko-KR" altLang="en-US"/>
-          </a:p>
-        </p:txBody>
-      </p:sp>
-      <p:pic>
-        <p:nvPicPr>
-          <p:cNvPr id="4" name="그림 3"/>
-          <p:cNvPicPr>
-            <a:picLocks noChangeAspect="1"/>
-          </p:cNvPicPr>
-          <p:nvPr/>
-        </p:nvPicPr>
-        <p:blipFill>
-          <a:blip r:embed="rId3" cstate="print">
-            <a:extLst>
-              <a:ext uri="{28A0092B-C50C-407E-A947-70E740481C1C}">
-                <a14:useLocalDpi xmlns:a14="http://schemas.microsoft.com/office/drawing/2010/main" val="0"/>
-              </a:ext>
-            </a:extLst>
-          </a:blip>
-          <a:stretch>
-            <a:fillRect/>
-          </a:stretch>
-        </p:blipFill>
-        <p:spPr>
-          <a:xfrm>
-            <a:off x="533647" y="2686673"/>
-            <a:ext cx="3598227" cy="3059139"/>
-          </a:xfrm>
-          <a:prstGeom prst="rect">
-            <a:avLst/>
-          </a:prstGeom>
-        </p:spPr>
-      </p:pic>
-      <p:sp>
-        <p:nvSpPr>
-          <p:cNvPr id="3" name="TextBox 2"/>
-          <p:cNvSpPr txBox="1"/>
-          <p:nvPr/>
-        </p:nvSpPr>
-        <p:spPr>
-          <a:xfrm>
-            <a:off x="2428982" y="4647348"/>
-            <a:ext cx="1279773" cy="323165"/>
-          </a:xfrm>
-          <a:prstGeom prst="rect">
-            <a:avLst/>
-          </a:prstGeom>
-          <a:noFill/>
-        </p:spPr>
-        <p:txBody>
-          <a:bodyPr wrap="square" rtlCol="0">
-            <a:spAutoFit/>
-          </a:bodyPr>
-          <a:lstStyle/>
-          <a:p>
-            <a:pPr algn="ctr"/>
-            <a:r>
-              <a:rPr lang="en-US" altLang="ko-KR" sz="1500" dirty="0" smtClean="0">
-                <a:latin typeface="나눔고딕 ExtraBold" panose="020D0904000000000000" pitchFamily="50" charset="-127"/>
-                <a:ea typeface="나눔고딕 ExtraBold" panose="020D0904000000000000" pitchFamily="50" charset="-127"/>
-              </a:rPr>
-              <a:t>1,806</a:t>
-            </a:r>
-            <a:endParaRPr lang="ko-KR" altLang="en-US" sz="1500" dirty="0">
-              <a:latin typeface="나눔고딕 ExtraBold" panose="020D0904000000000000" pitchFamily="50" charset="-127"/>
-              <a:ea typeface="나눔고딕 ExtraBold" panose="020D0904000000000000" pitchFamily="50" charset="-127"/>
-            </a:endParaRPr>
-          </a:p>
-        </p:txBody>
-      </p:sp>
-      <p:sp>
-        <p:nvSpPr>
-          <p:cNvPr id="15" name="TextBox 14"/>
-          <p:cNvSpPr txBox="1"/>
-          <p:nvPr/>
-        </p:nvSpPr>
-        <p:spPr>
-          <a:xfrm>
-            <a:off x="1149209" y="2804060"/>
-            <a:ext cx="1279773" cy="323165"/>
-          </a:xfrm>
-          <a:prstGeom prst="rect">
-            <a:avLst/>
-          </a:prstGeom>
-          <a:noFill/>
-        </p:spPr>
-        <p:txBody>
-          <a:bodyPr wrap="square" rtlCol="0">
-            <a:spAutoFit/>
-          </a:bodyPr>
-          <a:lstStyle/>
-          <a:p>
-            <a:pPr algn="ctr"/>
-            <a:r>
-              <a:rPr lang="en-US" altLang="ko-KR" sz="1500" dirty="0" smtClean="0">
-                <a:latin typeface="나눔고딕 ExtraBold" panose="020D0904000000000000" pitchFamily="50" charset="-127"/>
-                <a:ea typeface="나눔고딕 ExtraBold" panose="020D0904000000000000" pitchFamily="50" charset="-127"/>
-              </a:rPr>
-              <a:t>18,801</a:t>
-            </a:r>
-            <a:endParaRPr lang="ko-KR" altLang="en-US" sz="1500" dirty="0">
-              <a:latin typeface="나눔고딕 ExtraBold" panose="020D0904000000000000" pitchFamily="50" charset="-127"/>
-              <a:ea typeface="나눔고딕 ExtraBold" panose="020D0904000000000000" pitchFamily="50" charset="-127"/>
-            </a:endParaRPr>
-          </a:p>
-        </p:txBody>
-      </p:sp>
-      <p:sp>
-        <p:nvSpPr>
-          <p:cNvPr id="16" name="TextBox 15"/>
-          <p:cNvSpPr txBox="1"/>
-          <p:nvPr/>
-        </p:nvSpPr>
-        <p:spPr>
-          <a:xfrm>
-            <a:off x="5541847" y="3810475"/>
-            <a:ext cx="1279773" cy="323165"/>
-          </a:xfrm>
-          <a:prstGeom prst="rect">
-            <a:avLst/>
-          </a:prstGeom>
-          <a:noFill/>
-        </p:spPr>
-        <p:txBody>
-          <a:bodyPr wrap="square" rtlCol="0">
-            <a:spAutoFit/>
-          </a:bodyPr>
-          <a:lstStyle/>
-          <a:p>
-            <a:pPr algn="ctr"/>
-            <a:r>
-              <a:rPr lang="en-US" altLang="ko-KR" sz="1500" dirty="0" smtClean="0">
-                <a:latin typeface="나눔고딕 ExtraBold" panose="020D0904000000000000" pitchFamily="50" charset="-127"/>
-                <a:ea typeface="나눔고딕 ExtraBold" panose="020D0904000000000000" pitchFamily="50" charset="-127"/>
-              </a:rPr>
-              <a:t>22,575</a:t>
-            </a:r>
-            <a:endParaRPr lang="ko-KR" altLang="en-US" sz="1500" dirty="0">
-              <a:latin typeface="나눔고딕 ExtraBold" panose="020D0904000000000000" pitchFamily="50" charset="-127"/>
-              <a:ea typeface="나눔고딕 ExtraBold" panose="020D0904000000000000" pitchFamily="50" charset="-127"/>
-            </a:endParaRPr>
-          </a:p>
-        </p:txBody>
-      </p:sp>
-      <p:sp>
-        <p:nvSpPr>
-          <p:cNvPr id="17" name="TextBox 16"/>
-          <p:cNvSpPr txBox="1"/>
-          <p:nvPr/>
-        </p:nvSpPr>
-        <p:spPr>
-          <a:xfrm>
-            <a:off x="6919198" y="2804059"/>
-            <a:ext cx="1279773" cy="323165"/>
-          </a:xfrm>
-          <a:prstGeom prst="rect">
-            <a:avLst/>
-          </a:prstGeom>
-          <a:noFill/>
-        </p:spPr>
-        <p:txBody>
-          <a:bodyPr wrap="square" rtlCol="0">
-            <a:spAutoFit/>
-          </a:bodyPr>
-          <a:lstStyle/>
-          <a:p>
-            <a:pPr algn="ctr"/>
-            <a:r>
-              <a:rPr lang="en-US" altLang="ko-KR" sz="1500" dirty="0" smtClean="0">
-                <a:latin typeface="나눔고딕 ExtraBold" panose="020D0904000000000000" pitchFamily="50" charset="-127"/>
-                <a:ea typeface="나눔고딕 ExtraBold" panose="020D0904000000000000" pitchFamily="50" charset="-127"/>
-              </a:rPr>
-              <a:t>46,956</a:t>
-            </a:r>
-            <a:endParaRPr lang="ko-KR" altLang="en-US" sz="1500" dirty="0">
-              <a:latin typeface="나눔고딕 ExtraBold" panose="020D0904000000000000" pitchFamily="50" charset="-127"/>
-              <a:ea typeface="나눔고딕 ExtraBold" panose="020D0904000000000000" pitchFamily="50" charset="-127"/>
-            </a:endParaRPr>
-          </a:p>
-        </p:txBody>
-      </p:sp>
+              </a:endParaRPr>
+            </a:p>
+          </p:txBody>
+        </p:sp>
+        <p:sp>
+          <p:nvSpPr>
+            <p:cNvPr id="14" name="오른쪽 화살표 13"/>
+            <p:cNvSpPr/>
+            <p:nvPr/>
+          </p:nvSpPr>
+          <p:spPr>
+            <a:xfrm>
+              <a:off x="4269943" y="4399837"/>
+              <a:ext cx="573656" cy="570676"/>
+            </a:xfrm>
+            <a:prstGeom prst="rightArrow">
+              <a:avLst/>
+            </a:prstGeom>
+            <a:solidFill>
+              <a:schemeClr val="tx2"/>
+            </a:solidFill>
+          </p:spPr>
+          <p:style>
+            <a:lnRef idx="2">
+              <a:schemeClr val="accent1">
+                <a:shade val="50000"/>
+              </a:schemeClr>
+            </a:lnRef>
+            <a:fillRef idx="1">
+              <a:schemeClr val="accent1"/>
+            </a:fillRef>
+            <a:effectRef idx="0">
+              <a:schemeClr val="accent1"/>
+            </a:effectRef>
+            <a:fontRef idx="minor">
+              <a:schemeClr val="lt1"/>
+            </a:fontRef>
+          </p:style>
+          <p:txBody>
+            <a:bodyPr rtlCol="0" anchor="ctr"/>
+            <a:lstStyle/>
+            <a:p>
+              <a:pPr algn="ctr"/>
+              <a:endParaRPr lang="ko-KR" altLang="en-US"/>
+            </a:p>
+          </p:txBody>
+        </p:sp>
+        <p:pic>
+          <p:nvPicPr>
+            <p:cNvPr id="4" name="그림 3"/>
+            <p:cNvPicPr>
+              <a:picLocks noChangeAspect="1"/>
+            </p:cNvPicPr>
+            <p:nvPr/>
+          </p:nvPicPr>
+          <p:blipFill>
+            <a:blip r:embed="rId3">
+              <a:extLst>
+                <a:ext uri="{28A0092B-C50C-407E-A947-70E740481C1C}">
+                  <a14:useLocalDpi xmlns:a14="http://schemas.microsoft.com/office/drawing/2010/main" val="0"/>
+                </a:ext>
+              </a:extLst>
+            </a:blip>
+            <a:stretch>
+              <a:fillRect/>
+            </a:stretch>
+          </p:blipFill>
+          <p:spPr>
+            <a:xfrm>
+              <a:off x="647113" y="2686673"/>
+              <a:ext cx="3371295" cy="3059139"/>
+            </a:xfrm>
+            <a:prstGeom prst="rect">
+              <a:avLst/>
+            </a:prstGeom>
+          </p:spPr>
+        </p:pic>
+        <p:sp>
+          <p:nvSpPr>
+            <p:cNvPr id="3" name="TextBox 2"/>
+            <p:cNvSpPr txBox="1"/>
+            <p:nvPr/>
+          </p:nvSpPr>
+          <p:spPr>
+            <a:xfrm>
+              <a:off x="2532498" y="4808930"/>
+              <a:ext cx="1279773" cy="323165"/>
+            </a:xfrm>
+            <a:prstGeom prst="rect">
+              <a:avLst/>
+            </a:prstGeom>
+            <a:noFill/>
+          </p:spPr>
+          <p:txBody>
+            <a:bodyPr wrap="square" rtlCol="0">
+              <a:spAutoFit/>
+            </a:bodyPr>
+            <a:lstStyle/>
+            <a:p>
+              <a:pPr algn="ctr"/>
+              <a:r>
+                <a:rPr lang="en-US" altLang="ko-KR" sz="1500" dirty="0" smtClean="0">
+                  <a:latin typeface="나눔고딕 ExtraBold" panose="020D0904000000000000" pitchFamily="50" charset="-127"/>
+                  <a:ea typeface="나눔고딕 ExtraBold" panose="020D0904000000000000" pitchFamily="50" charset="-127"/>
+                </a:rPr>
+                <a:t>1,243</a:t>
+              </a:r>
+              <a:endParaRPr lang="ko-KR" altLang="en-US" sz="1500" dirty="0">
+                <a:latin typeface="나눔고딕 ExtraBold" panose="020D0904000000000000" pitchFamily="50" charset="-127"/>
+                <a:ea typeface="나눔고딕 ExtraBold" panose="020D0904000000000000" pitchFamily="50" charset="-127"/>
+              </a:endParaRPr>
+            </a:p>
+          </p:txBody>
+        </p:sp>
+        <p:sp>
+          <p:nvSpPr>
+            <p:cNvPr id="15" name="TextBox 14"/>
+            <p:cNvSpPr txBox="1"/>
+            <p:nvPr/>
+          </p:nvSpPr>
+          <p:spPr>
+            <a:xfrm>
+              <a:off x="1183714" y="2548521"/>
+              <a:ext cx="1279773" cy="323165"/>
+            </a:xfrm>
+            <a:prstGeom prst="rect">
+              <a:avLst/>
+            </a:prstGeom>
+            <a:noFill/>
+          </p:spPr>
+          <p:txBody>
+            <a:bodyPr wrap="square" rtlCol="0">
+              <a:spAutoFit/>
+            </a:bodyPr>
+            <a:lstStyle/>
+            <a:p>
+              <a:pPr algn="ctr"/>
+              <a:r>
+                <a:rPr lang="en-US" altLang="ko-KR" sz="1500" dirty="0" smtClean="0">
+                  <a:latin typeface="나눔고딕 ExtraBold" panose="020D0904000000000000" pitchFamily="50" charset="-127"/>
+                  <a:ea typeface="나눔고딕 ExtraBold" panose="020D0904000000000000" pitchFamily="50" charset="-127"/>
+                </a:rPr>
+                <a:t>13,182</a:t>
+              </a:r>
+              <a:endParaRPr lang="ko-KR" altLang="en-US" sz="1500" dirty="0">
+                <a:latin typeface="나눔고딕 ExtraBold" panose="020D0904000000000000" pitchFamily="50" charset="-127"/>
+                <a:ea typeface="나눔고딕 ExtraBold" panose="020D0904000000000000" pitchFamily="50" charset="-127"/>
+              </a:endParaRPr>
+            </a:p>
+          </p:txBody>
+        </p:sp>
+        <p:sp>
+          <p:nvSpPr>
+            <p:cNvPr id="16" name="TextBox 15"/>
+            <p:cNvSpPr txBox="1"/>
+            <p:nvPr/>
+          </p:nvSpPr>
+          <p:spPr>
+            <a:xfrm>
+              <a:off x="5627942" y="2581085"/>
+              <a:ext cx="1279773" cy="323165"/>
+            </a:xfrm>
+            <a:prstGeom prst="rect">
+              <a:avLst/>
+            </a:prstGeom>
+            <a:noFill/>
+          </p:spPr>
+          <p:txBody>
+            <a:bodyPr wrap="square" rtlCol="0">
+              <a:spAutoFit/>
+            </a:bodyPr>
+            <a:lstStyle/>
+            <a:p>
+              <a:pPr algn="ctr"/>
+              <a:r>
+                <a:rPr lang="en-US" altLang="ko-KR" sz="1500" dirty="0" smtClean="0">
+                  <a:latin typeface="나눔고딕 ExtraBold" panose="020D0904000000000000" pitchFamily="50" charset="-127"/>
+                  <a:ea typeface="나눔고딕 ExtraBold" panose="020D0904000000000000" pitchFamily="50" charset="-127"/>
+                </a:rPr>
+                <a:t>31,075</a:t>
+              </a:r>
+              <a:endParaRPr lang="ko-KR" altLang="en-US" sz="1500" dirty="0">
+                <a:latin typeface="나눔고딕 ExtraBold" panose="020D0904000000000000" pitchFamily="50" charset="-127"/>
+                <a:ea typeface="나눔고딕 ExtraBold" panose="020D0904000000000000" pitchFamily="50" charset="-127"/>
+              </a:endParaRPr>
+            </a:p>
+          </p:txBody>
+        </p:sp>
+        <p:sp>
+          <p:nvSpPr>
+            <p:cNvPr id="17" name="TextBox 16"/>
+            <p:cNvSpPr txBox="1"/>
+            <p:nvPr/>
+          </p:nvSpPr>
+          <p:spPr>
+            <a:xfrm>
+              <a:off x="6962329" y="2536723"/>
+              <a:ext cx="1279773" cy="323165"/>
+            </a:xfrm>
+            <a:prstGeom prst="rect">
+              <a:avLst/>
+            </a:prstGeom>
+            <a:noFill/>
+          </p:spPr>
+          <p:txBody>
+            <a:bodyPr wrap="square" rtlCol="0">
+              <a:spAutoFit/>
+            </a:bodyPr>
+            <a:lstStyle/>
+            <a:p>
+              <a:pPr algn="ctr"/>
+              <a:r>
+                <a:rPr lang="en-US" altLang="ko-KR" sz="1500" dirty="0" smtClean="0">
+                  <a:latin typeface="나눔고딕 ExtraBold" panose="020D0904000000000000" pitchFamily="50" charset="-127"/>
+                  <a:ea typeface="나눔고딕 ExtraBold" panose="020D0904000000000000" pitchFamily="50" charset="-127"/>
+                </a:rPr>
+                <a:t>32,318</a:t>
+              </a:r>
+              <a:endParaRPr lang="ko-KR" altLang="en-US" sz="1500" dirty="0">
+                <a:latin typeface="나눔고딕 ExtraBold" panose="020D0904000000000000" pitchFamily="50" charset="-127"/>
+                <a:ea typeface="나눔고딕 ExtraBold" panose="020D0904000000000000" pitchFamily="50" charset="-127"/>
+              </a:endParaRPr>
+            </a:p>
+          </p:txBody>
+        </p:sp>
+      </p:grpSp>
     </p:spTree>
     <p:extLst>
       <p:ext uri="{BB962C8B-B14F-4D97-AF65-F5344CB8AC3E}">
@@ -12790,36 +12742,6 @@
           </a:p>
         </p:txBody>
       </p:sp>
-      <p:pic>
-        <p:nvPicPr>
-          <p:cNvPr id="4" name="그림 3"/>
-          <p:cNvPicPr>
-            <a:picLocks noChangeAspect="1"/>
-          </p:cNvPicPr>
-          <p:nvPr/>
-        </p:nvPicPr>
-        <p:blipFill>
-          <a:blip r:embed="rId2">
-            <a:extLst>
-              <a:ext uri="{28A0092B-C50C-407E-A947-70E740481C1C}">
-                <a14:useLocalDpi xmlns:a14="http://schemas.microsoft.com/office/drawing/2010/main" val="0"/>
-              </a:ext>
-            </a:extLst>
-          </a:blip>
-          <a:stretch>
-            <a:fillRect/>
-          </a:stretch>
-        </p:blipFill>
-        <p:spPr>
-          <a:xfrm>
-            <a:off x="4572000" y="1022770"/>
-            <a:ext cx="4192292" cy="3804116"/>
-          </a:xfrm>
-          <a:prstGeom prst="rect">
-            <a:avLst/>
-          </a:prstGeom>
-        </p:spPr>
-      </p:pic>
       <p:graphicFrame>
         <p:nvGraphicFramePr>
           <p:cNvPr id="5" name="표 4"/>
@@ -12829,13 +12751,13 @@
           <p:nvPr>
             <p:extLst>
               <p:ext uri="{D42A27DB-BD31-4B8C-83A1-F6EECF244321}">
-                <p14:modId xmlns:p14="http://schemas.microsoft.com/office/powerpoint/2010/main" val="1723762622"/>
+                <p14:modId xmlns:p14="http://schemas.microsoft.com/office/powerpoint/2010/main" val="1583573460"/>
               </p:ext>
             </p:extLst>
           </p:nvPr>
         </p:nvGraphicFramePr>
         <p:xfrm>
-          <a:off x="273170" y="1022770"/>
+          <a:off x="2688566" y="988264"/>
           <a:ext cx="3781244" cy="2557192"/>
         </p:xfrm>
         <a:graphic>
@@ -12900,19 +12822,7 @@
                         <a:rPr lang="en-US" altLang="ko-KR" sz="1500" baseline="0" dirty="0" smtClean="0">
                           <a:latin typeface="Arial Rounded MT Bold" panose="020F0704030504030204" pitchFamily="34" charset="0"/>
                         </a:rPr>
-                        <a:t> </a:t>
-                      </a:r>
-                      <a:r>
-                        <a:rPr lang="en-US" altLang="ko-KR" sz="1500" baseline="0" dirty="0" smtClean="0">
-                          <a:latin typeface="Arial Rounded MT Bold" panose="020F0704030504030204" pitchFamily="34" charset="0"/>
-                        </a:rPr>
-                        <a:t>= </a:t>
-                      </a:r>
-                      <a:r>
-                        <a:rPr lang="en-US" altLang="ko-KR" sz="1500" baseline="0" dirty="0" smtClean="0">
-                          <a:latin typeface="Arial Rounded MT Bold" panose="020F0704030504030204" pitchFamily="34" charset="0"/>
-                        </a:rPr>
-                        <a:t>20,860</a:t>
+                        <a:t> = 6,182</a:t>
                       </a:r>
                       <a:endParaRPr lang="ko-KR" altLang="en-US" sz="1500" dirty="0">
                         <a:latin typeface="Arial Rounded MT Bold" panose="020F0704030504030204" pitchFamily="34" charset="0"/>
@@ -13136,7 +13046,7 @@
                         <a:rPr lang="en-US" altLang="ko-KR" sz="1500" dirty="0" smtClean="0">
                           <a:latin typeface="Arial Rounded MT Bold" panose="020F0704030504030204" pitchFamily="34" charset="0"/>
                         </a:rPr>
-                        <a:t>6,538</a:t>
+                        <a:t>5,261</a:t>
                       </a:r>
                       <a:endParaRPr lang="ko-KR" altLang="en-US" sz="1500" dirty="0">
                         <a:latin typeface="Arial Rounded MT Bold" panose="020F0704030504030204" pitchFamily="34" charset="0"/>
@@ -13155,7 +13065,7 @@
                         <a:rPr lang="en-US" altLang="ko-KR" sz="1500" dirty="0" smtClean="0">
                           <a:latin typeface="Arial Rounded MT Bold" panose="020F0704030504030204" pitchFamily="34" charset="0"/>
                         </a:rPr>
-                        <a:t>277</a:t>
+                        <a:t>207</a:t>
                       </a:r>
                       <a:endParaRPr lang="ko-KR" altLang="en-US" sz="1500" dirty="0">
                         <a:latin typeface="Arial Rounded MT Bold" panose="020F0704030504030204" pitchFamily="34" charset="0"/>
@@ -13217,7 +13127,7 @@
                         <a:rPr lang="en-US" altLang="ko-KR" sz="1500" dirty="0" smtClean="0">
                           <a:latin typeface="Arial Rounded MT Bold" panose="020F0704030504030204" pitchFamily="34" charset="0"/>
                         </a:rPr>
-                        <a:t>141</a:t>
+                        <a:t>358</a:t>
                       </a:r>
                       <a:endParaRPr lang="ko-KR" altLang="en-US" sz="1500" dirty="0">
                         <a:latin typeface="Arial Rounded MT Bold" panose="020F0704030504030204" pitchFamily="34" charset="0"/>
@@ -13236,7 +13146,7 @@
                         <a:rPr lang="en-US" altLang="ko-KR" sz="1500" dirty="0" smtClean="0">
                           <a:latin typeface="Arial Rounded MT Bold" panose="020F0704030504030204" pitchFamily="34" charset="0"/>
                         </a:rPr>
-                        <a:t>13,904</a:t>
+                        <a:t>356</a:t>
                       </a:r>
                       <a:endParaRPr lang="ko-KR" altLang="en-US" sz="1500" dirty="0">
                         <a:latin typeface="Arial Rounded MT Bold" panose="020F0704030504030204" pitchFamily="34" charset="0"/>
@@ -13255,36 +13165,6 @@
           </a:graphicData>
         </a:graphic>
       </p:graphicFrame>
-      <p:pic>
-        <p:nvPicPr>
-          <p:cNvPr id="7" name="그림 6"/>
-          <p:cNvPicPr>
-            <a:picLocks noChangeAspect="1"/>
-          </p:cNvPicPr>
-          <p:nvPr/>
-        </p:nvPicPr>
-        <p:blipFill>
-          <a:blip r:embed="rId3">
-            <a:extLst>
-              <a:ext uri="{28A0092B-C50C-407E-A947-70E740481C1C}">
-                <a14:useLocalDpi xmlns:a14="http://schemas.microsoft.com/office/drawing/2010/main" val="0"/>
-              </a:ext>
-            </a:extLst>
-          </a:blip>
-          <a:stretch>
-            <a:fillRect/>
-          </a:stretch>
-        </p:blipFill>
-        <p:spPr>
-          <a:xfrm>
-            <a:off x="4572000" y="4826888"/>
-            <a:ext cx="4192292" cy="1770392"/>
-          </a:xfrm>
-          <a:prstGeom prst="rect">
-            <a:avLst/>
-          </a:prstGeom>
-        </p:spPr>
-      </p:pic>
       <p:sp>
         <p:nvSpPr>
           <p:cNvPr id="8" name="TextBox 7"/>
@@ -13293,7 +13173,7 @@
         </p:nvSpPr>
         <p:spPr>
           <a:xfrm>
-            <a:off x="273170" y="3856008"/>
+            <a:off x="2688566" y="3821502"/>
             <a:ext cx="3781244" cy="2585323"/>
           </a:xfrm>
           <a:prstGeom prst="rect">
@@ -13307,6 +13187,7 @@
           </a:bodyPr>
           <a:lstStyle/>
           <a:p>
+            <a:pPr algn="ctr"/>
             <a:r>
               <a:rPr lang="ko-KR" altLang="en-US" dirty="0" smtClean="0">
                 <a:latin typeface="나눔고딕 ExtraBold" panose="020D0904000000000000" pitchFamily="50" charset="-127"/>
@@ -13319,16 +13200,18 @@
                 <a:latin typeface="나눔고딕 ExtraBold" panose="020D0904000000000000" pitchFamily="50" charset="-127"/>
                 <a:ea typeface="나눔고딕 ExtraBold" panose="020D0904000000000000" pitchFamily="50" charset="-127"/>
               </a:rPr>
-              <a:t>: 0.9799</a:t>
-            </a:r>
-          </a:p>
-          <a:p>
+              <a:t>: 0.9086</a:t>
+            </a:r>
+          </a:p>
+          <a:p>
+            <a:pPr algn="ctr"/>
             <a:endParaRPr lang="en-US" altLang="ko-KR" dirty="0">
               <a:latin typeface="나눔고딕 ExtraBold" panose="020D0904000000000000" pitchFamily="50" charset="-127"/>
               <a:ea typeface="나눔고딕 ExtraBold" panose="020D0904000000000000" pitchFamily="50" charset="-127"/>
             </a:endParaRPr>
           </a:p>
           <a:p>
+            <a:pPr algn="ctr"/>
             <a:r>
               <a:rPr lang="ko-KR" altLang="en-US" dirty="0" smtClean="0">
                 <a:latin typeface="나눔고딕 ExtraBold" panose="020D0904000000000000" pitchFamily="50" charset="-127"/>
@@ -13369,16 +13252,18 @@
                 <a:latin typeface="나눔고딕 ExtraBold" panose="020D0904000000000000" pitchFamily="50" charset="-127"/>
                 <a:ea typeface="나눔고딕 ExtraBold" panose="020D0904000000000000" pitchFamily="50" charset="-127"/>
               </a:rPr>
-              <a:t>: 0.9899</a:t>
-            </a:r>
-          </a:p>
-          <a:p>
+              <a:t>: 0.4986</a:t>
+            </a:r>
+          </a:p>
+          <a:p>
+            <a:pPr algn="ctr"/>
             <a:endParaRPr lang="en-US" altLang="ko-KR" dirty="0">
               <a:latin typeface="나눔고딕 ExtraBold" panose="020D0904000000000000" pitchFamily="50" charset="-127"/>
               <a:ea typeface="나눔고딕 ExtraBold" panose="020D0904000000000000" pitchFamily="50" charset="-127"/>
             </a:endParaRPr>
           </a:p>
           <a:p>
+            <a:pPr algn="ctr"/>
             <a:r>
               <a:rPr lang="ko-KR" altLang="en-US" dirty="0" smtClean="0">
                 <a:latin typeface="나눔고딕 ExtraBold" panose="020D0904000000000000" pitchFamily="50" charset="-127"/>
@@ -13391,16 +13276,18 @@
                 <a:latin typeface="나눔고딕 ExtraBold" panose="020D0904000000000000" pitchFamily="50" charset="-127"/>
                 <a:ea typeface="나눔고딕 ExtraBold" panose="020D0904000000000000" pitchFamily="50" charset="-127"/>
               </a:rPr>
-              <a:t>: 0.9870</a:t>
-            </a:r>
-          </a:p>
-          <a:p>
+              <a:t>: 0.9621</a:t>
+            </a:r>
+          </a:p>
+          <a:p>
+            <a:pPr algn="ctr"/>
             <a:endParaRPr lang="en-US" altLang="ko-KR" dirty="0" smtClean="0">
               <a:latin typeface="나눔고딕 ExtraBold" panose="020D0904000000000000" pitchFamily="50" charset="-127"/>
               <a:ea typeface="나눔고딕 ExtraBold" panose="020D0904000000000000" pitchFamily="50" charset="-127"/>
             </a:endParaRPr>
           </a:p>
           <a:p>
+            <a:pPr algn="ctr"/>
             <a:r>
               <a:rPr lang="ko-KR" altLang="en-US" dirty="0" smtClean="0">
                 <a:latin typeface="나눔고딕 ExtraBold" panose="020D0904000000000000" pitchFamily="50" charset="-127"/>
@@ -13413,22 +13300,24 @@
                 <a:latin typeface="나눔고딕 ExtraBold" panose="020D0904000000000000" pitchFamily="50" charset="-127"/>
                 <a:ea typeface="나눔고딕 ExtraBold" panose="020D0904000000000000" pitchFamily="50" charset="-127"/>
               </a:rPr>
-              <a:t>: 0.9804</a:t>
-            </a:r>
-          </a:p>
-          <a:p>
+              <a:t>: 0.6332</a:t>
+            </a:r>
+          </a:p>
+          <a:p>
+            <a:pPr algn="ctr"/>
             <a:endParaRPr lang="en-US" altLang="ko-KR" dirty="0">
               <a:latin typeface="나눔고딕 ExtraBold" panose="020D0904000000000000" pitchFamily="50" charset="-127"/>
               <a:ea typeface="나눔고딕 ExtraBold" panose="020D0904000000000000" pitchFamily="50" charset="-127"/>
             </a:endParaRPr>
           </a:p>
           <a:p>
+            <a:pPr algn="ctr"/>
             <a:r>
               <a:rPr lang="en-US" altLang="ko-KR" dirty="0" smtClean="0">
                 <a:latin typeface="나눔고딕 ExtraBold" panose="020D0904000000000000" pitchFamily="50" charset="-127"/>
                 <a:ea typeface="나눔고딕 ExtraBold" panose="020D0904000000000000" pitchFamily="50" charset="-127"/>
               </a:rPr>
-              <a:t>F1 – score : 0.9851</a:t>
+              <a:t>F1 – score : 0.5579</a:t>
             </a:r>
             <a:endParaRPr lang="ko-KR" altLang="en-US" dirty="0">
               <a:latin typeface="나눔고딕 ExtraBold" panose="020D0904000000000000" pitchFamily="50" charset="-127"/>
@@ -13553,7 +13442,7 @@
           <a:p>
             <a:pPr algn="l"/>
             <a:r>
-              <a:rPr lang="en-US" altLang="ko-KR" sz="2500" dirty="0" smtClean="0">
+              <a:rPr lang="en-US" altLang="ko-KR" sz="2500" dirty="0">
                 <a:solidFill>
                   <a:schemeClr val="bg1"/>
                 </a:solidFill>
@@ -13561,7 +13450,7 @@
                 <a:ea typeface="Arial Unicode MS" panose="020B0604020202020204" pitchFamily="50" charset="-127"/>
                 <a:cs typeface="Arial Unicode MS" panose="020B0604020202020204" pitchFamily="50" charset="-127"/>
               </a:rPr>
-              <a:t>Index</a:t>
+              <a:t>Random Forest with SMOTE</a:t>
             </a:r>
             <a:endParaRPr lang="ko-KR" altLang="en-US" sz="2500" dirty="0">
               <a:solidFill>
@@ -13574,16 +13463,46 @@
           </a:p>
         </p:txBody>
       </p:sp>
+      <p:pic>
+        <p:nvPicPr>
+          <p:cNvPr id="3" name="그림 2"/>
+          <p:cNvPicPr>
+            <a:picLocks noChangeAspect="1"/>
+          </p:cNvPicPr>
+          <p:nvPr/>
+        </p:nvPicPr>
+        <p:blipFill>
+          <a:blip r:embed="rId2">
+            <a:extLst>
+              <a:ext uri="{28A0092B-C50C-407E-A947-70E740481C1C}">
+                <a14:useLocalDpi xmlns:a14="http://schemas.microsoft.com/office/drawing/2010/main" val="0"/>
+              </a:ext>
+            </a:extLst>
+          </a:blip>
+          <a:stretch>
+            <a:fillRect/>
+          </a:stretch>
+        </p:blipFill>
+        <p:spPr>
+          <a:xfrm>
+            <a:off x="392750" y="1469767"/>
+            <a:ext cx="5716627" cy="5187310"/>
+          </a:xfrm>
+          <a:prstGeom prst="rect">
+            <a:avLst/>
+          </a:prstGeom>
+        </p:spPr>
+      </p:pic>
       <p:sp>
         <p:nvSpPr>
-          <p:cNvPr id="7" name="TextBox 6"/>
+          <p:cNvPr id="11" name="TextBox 10"/>
           <p:cNvSpPr txBox="1"/>
           <p:nvPr/>
         </p:nvSpPr>
         <p:spPr>
           <a:xfrm>
-            <a:off x="2698970" y="2028574"/>
-            <a:ext cx="3746059" cy="3170099"/>
+            <a:off x="507076" y="953807"/>
+            <a:ext cx="8129847" cy="369332"/>
           </a:xfrm>
           <a:prstGeom prst="rect">
             <a:avLst/>
@@ -13596,102 +13515,222 @@
           </a:bodyPr>
           <a:lstStyle/>
           <a:p>
-            <a:pPr marL="342900" indent="-342900" algn="just">
-              <a:buAutoNum type="arabicPeriod"/>
-            </a:pPr>
-            <a:endParaRPr lang="en-US" altLang="ko-KR" sz="2500" dirty="0" smtClean="0">
-              <a:latin typeface="Arial Rounded MT Bold" panose="020F0704030504030204" pitchFamily="34" charset="0"/>
-            </a:endParaRPr>
-          </a:p>
-          <a:p>
-            <a:pPr marL="342900" indent="-342900" algn="just">
-              <a:buAutoNum type="arabicPeriod"/>
-            </a:pPr>
-            <a:r>
-              <a:rPr lang="en-US" altLang="ko-KR" sz="2500" dirty="0" smtClean="0">
-                <a:latin typeface="Arial Rounded MT Bold" panose="020F0704030504030204" pitchFamily="34" charset="0"/>
-              </a:rPr>
-              <a:t>Feature </a:t>
-            </a:r>
-            <a:r>
-              <a:rPr lang="en-US" altLang="ko-KR" sz="2500" dirty="0" smtClean="0">
-                <a:latin typeface="Arial Rounded MT Bold" panose="020F0704030504030204" pitchFamily="34" charset="0"/>
-              </a:rPr>
-              <a:t>Engineering</a:t>
-            </a:r>
-          </a:p>
-          <a:p>
-            <a:pPr marL="342900" indent="-342900" algn="just">
-              <a:buAutoNum type="arabicPeriod"/>
-            </a:pPr>
-            <a:endParaRPr lang="en-US" altLang="ko-KR" sz="2500" dirty="0" smtClean="0">
-              <a:latin typeface="Arial Rounded MT Bold" panose="020F0704030504030204" pitchFamily="34" charset="0"/>
-            </a:endParaRPr>
-          </a:p>
-          <a:p>
-            <a:pPr marL="342900" indent="-342900" algn="just">
-              <a:buAutoNum type="arabicPeriod"/>
-            </a:pPr>
-            <a:r>
-              <a:rPr lang="en-US" altLang="ko-KR" sz="2500" dirty="0" smtClean="0">
-                <a:latin typeface="Arial Rounded MT Bold" panose="020F0704030504030204" pitchFamily="34" charset="0"/>
-              </a:rPr>
-              <a:t>Modeling</a:t>
-            </a:r>
-          </a:p>
-          <a:p>
-            <a:pPr marL="342900" indent="-342900" algn="just">
-              <a:buAutoNum type="arabicPeriod"/>
-            </a:pPr>
-            <a:endParaRPr lang="en-US" altLang="ko-KR" sz="2500" dirty="0">
-              <a:latin typeface="Arial Rounded MT Bold" panose="020F0704030504030204" pitchFamily="34" charset="0"/>
-            </a:endParaRPr>
-          </a:p>
-          <a:p>
-            <a:pPr marL="342900" indent="-342900" algn="just">
-              <a:buAutoNum type="arabicPeriod"/>
-            </a:pPr>
-            <a:r>
-              <a:rPr lang="en-US" altLang="ko-KR" sz="2500" dirty="0" smtClean="0">
-                <a:latin typeface="Arial Rounded MT Bold" panose="020F0704030504030204" pitchFamily="34" charset="0"/>
-              </a:rPr>
-              <a:t>Prediction</a:t>
-            </a:r>
-          </a:p>
-          <a:p>
-            <a:pPr marL="342900" indent="-342900" algn="just">
-              <a:buAutoNum type="arabicPeriod"/>
-            </a:pPr>
-            <a:endParaRPr lang="en-US" altLang="ko-KR" sz="2500" dirty="0">
-              <a:latin typeface="Arial Rounded MT Bold" panose="020F0704030504030204" pitchFamily="34" charset="0"/>
-            </a:endParaRPr>
-          </a:p>
-          <a:p>
-            <a:pPr marL="342900" indent="-342900" algn="just">
-              <a:buAutoNum type="arabicPeriod"/>
-            </a:pPr>
-            <a:r>
-              <a:rPr lang="en-US" altLang="ko-KR" sz="2500" dirty="0" smtClean="0">
-                <a:solidFill>
-                  <a:schemeClr val="accent5"/>
-                </a:solidFill>
-                <a:latin typeface="Arial Rounded MT Bold" panose="020F0704030504030204" pitchFamily="34" charset="0"/>
-              </a:rPr>
-              <a:t>Suggestion</a:t>
-            </a:r>
-            <a:endParaRPr lang="ko-KR" altLang="en-US" sz="2500" dirty="0">
-              <a:solidFill>
-                <a:schemeClr val="accent5"/>
-              </a:solidFill>
-              <a:latin typeface="Arial Rounded MT Bold" panose="020F0704030504030204" pitchFamily="34" charset="0"/>
-            </a:endParaRPr>
+            <a:pPr algn="just"/>
+            <a:r>
+              <a:rPr lang="ko-KR" altLang="en-US" dirty="0" smtClean="0">
+                <a:latin typeface="나눔고딕 ExtraBold" panose="020D0904000000000000" pitchFamily="50" charset="-127"/>
+                <a:ea typeface="나눔고딕 ExtraBold" panose="020D0904000000000000" pitchFamily="50" charset="-127"/>
+              </a:rPr>
+              <a:t>민감도</a:t>
+            </a:r>
+            <a:r>
+              <a:rPr lang="en-US" altLang="ko-KR" dirty="0" smtClean="0">
+                <a:latin typeface="나눔고딕 ExtraBold" panose="020D0904000000000000" pitchFamily="50" charset="-127"/>
+                <a:ea typeface="나눔고딕 ExtraBold" panose="020D0904000000000000" pitchFamily="50" charset="-127"/>
+              </a:rPr>
+              <a:t>(Specificity)</a:t>
+            </a:r>
+          </a:p>
+        </p:txBody>
+      </p:sp>
+      <p:sp>
+        <p:nvSpPr>
+          <p:cNvPr id="12" name="TextBox 11"/>
+          <p:cNvSpPr txBox="1"/>
+          <p:nvPr/>
+        </p:nvSpPr>
+        <p:spPr>
+          <a:xfrm>
+            <a:off x="4796402" y="5382393"/>
+            <a:ext cx="829515" cy="323165"/>
+          </a:xfrm>
+          <a:prstGeom prst="rect">
+            <a:avLst/>
+          </a:prstGeom>
+          <a:noFill/>
+        </p:spPr>
+        <p:txBody>
+          <a:bodyPr wrap="square" rtlCol="0">
+            <a:spAutoFit/>
+          </a:bodyPr>
+          <a:lstStyle/>
+          <a:p>
+            <a:pPr algn="ctr"/>
+            <a:r>
+              <a:rPr lang="en-US" altLang="ko-KR" sz="1500" dirty="0" smtClean="0">
+                <a:latin typeface="나눔고딕 ExtraBold" panose="020D0904000000000000" pitchFamily="50" charset="-127"/>
+                <a:ea typeface="나눔고딕 ExtraBold" panose="020D0904000000000000" pitchFamily="50" charset="-127"/>
+              </a:rPr>
+              <a:t>0.3608</a:t>
+            </a:r>
+            <a:endParaRPr lang="ko-KR" altLang="en-US" sz="1500" dirty="0">
+              <a:latin typeface="나눔고딕 ExtraBold" panose="020D0904000000000000" pitchFamily="50" charset="-127"/>
+              <a:ea typeface="나눔고딕 ExtraBold" panose="020D0904000000000000" pitchFamily="50" charset="-127"/>
+            </a:endParaRPr>
+          </a:p>
+        </p:txBody>
+      </p:sp>
+      <p:sp>
+        <p:nvSpPr>
+          <p:cNvPr id="13" name="TextBox 12"/>
+          <p:cNvSpPr txBox="1"/>
+          <p:nvPr/>
+        </p:nvSpPr>
+        <p:spPr>
+          <a:xfrm>
+            <a:off x="4931050" y="4287730"/>
+            <a:ext cx="829515" cy="323165"/>
+          </a:xfrm>
+          <a:prstGeom prst="rect">
+            <a:avLst/>
+          </a:prstGeom>
+          <a:noFill/>
+        </p:spPr>
+        <p:txBody>
+          <a:bodyPr wrap="square" rtlCol="0">
+            <a:spAutoFit/>
+          </a:bodyPr>
+          <a:lstStyle/>
+          <a:p>
+            <a:pPr algn="ctr"/>
+            <a:r>
+              <a:rPr lang="en-US" altLang="ko-KR" sz="1500" dirty="0" smtClean="0">
+                <a:latin typeface="나눔고딕 ExtraBold" panose="020D0904000000000000" pitchFamily="50" charset="-127"/>
+                <a:ea typeface="나눔고딕 ExtraBold" panose="020D0904000000000000" pitchFamily="50" charset="-127"/>
+              </a:rPr>
+              <a:t>0.3608</a:t>
+            </a:r>
+            <a:endParaRPr lang="ko-KR" altLang="en-US" sz="1500" dirty="0">
+              <a:latin typeface="나눔고딕 ExtraBold" panose="020D0904000000000000" pitchFamily="50" charset="-127"/>
+              <a:ea typeface="나눔고딕 ExtraBold" panose="020D0904000000000000" pitchFamily="50" charset="-127"/>
+            </a:endParaRPr>
+          </a:p>
+        </p:txBody>
+      </p:sp>
+      <p:sp>
+        <p:nvSpPr>
+          <p:cNvPr id="14" name="TextBox 13"/>
+          <p:cNvSpPr txBox="1"/>
+          <p:nvPr/>
+        </p:nvSpPr>
+        <p:spPr>
+          <a:xfrm>
+            <a:off x="5411753" y="3128956"/>
+            <a:ext cx="829515" cy="323165"/>
+          </a:xfrm>
+          <a:prstGeom prst="rect">
+            <a:avLst/>
+          </a:prstGeom>
+          <a:noFill/>
+        </p:spPr>
+        <p:txBody>
+          <a:bodyPr wrap="square" rtlCol="0">
+            <a:spAutoFit/>
+          </a:bodyPr>
+          <a:lstStyle/>
+          <a:p>
+            <a:pPr algn="ctr"/>
+            <a:r>
+              <a:rPr lang="en-US" altLang="ko-KR" sz="1500" dirty="0" smtClean="0">
+                <a:latin typeface="나눔고딕 ExtraBold" panose="020D0904000000000000" pitchFamily="50" charset="-127"/>
+                <a:ea typeface="나눔고딕 ExtraBold" panose="020D0904000000000000" pitchFamily="50" charset="-127"/>
+              </a:rPr>
+              <a:t>0.4344</a:t>
+            </a:r>
+            <a:endParaRPr lang="ko-KR" altLang="en-US" sz="1500" dirty="0">
+              <a:latin typeface="나눔고딕 ExtraBold" panose="020D0904000000000000" pitchFamily="50" charset="-127"/>
+              <a:ea typeface="나눔고딕 ExtraBold" panose="020D0904000000000000" pitchFamily="50" charset="-127"/>
+            </a:endParaRPr>
+          </a:p>
+        </p:txBody>
+      </p:sp>
+      <p:sp>
+        <p:nvSpPr>
+          <p:cNvPr id="15" name="TextBox 14"/>
+          <p:cNvSpPr txBox="1"/>
+          <p:nvPr/>
+        </p:nvSpPr>
+        <p:spPr>
+          <a:xfrm>
+            <a:off x="5788319" y="2027200"/>
+            <a:ext cx="829515" cy="323165"/>
+          </a:xfrm>
+          <a:prstGeom prst="rect">
+            <a:avLst/>
+          </a:prstGeom>
+          <a:noFill/>
+        </p:spPr>
+        <p:txBody>
+          <a:bodyPr wrap="square" rtlCol="0">
+            <a:spAutoFit/>
+          </a:bodyPr>
+          <a:lstStyle/>
+          <a:p>
+            <a:pPr algn="ctr"/>
+            <a:r>
+              <a:rPr lang="en-US" altLang="ko-KR" sz="1500" dirty="0" smtClean="0">
+                <a:latin typeface="나눔고딕 ExtraBold" panose="020D0904000000000000" pitchFamily="50" charset="-127"/>
+                <a:ea typeface="나눔고딕 ExtraBold" panose="020D0904000000000000" pitchFamily="50" charset="-127"/>
+              </a:rPr>
+              <a:t>0.4986</a:t>
+            </a:r>
+            <a:endParaRPr lang="ko-KR" altLang="en-US" sz="1500" dirty="0">
+              <a:latin typeface="나눔고딕 ExtraBold" panose="020D0904000000000000" pitchFamily="50" charset="-127"/>
+              <a:ea typeface="나눔고딕 ExtraBold" panose="020D0904000000000000" pitchFamily="50" charset="-127"/>
+            </a:endParaRPr>
+          </a:p>
+        </p:txBody>
+      </p:sp>
+      <p:sp>
+        <p:nvSpPr>
+          <p:cNvPr id="7" name="타원 6"/>
+          <p:cNvSpPr/>
+          <p:nvPr/>
+        </p:nvSpPr>
+        <p:spPr>
+          <a:xfrm>
+            <a:off x="392750" y="1932317"/>
+            <a:ext cx="2022646" cy="552091"/>
+          </a:xfrm>
+          <a:prstGeom prst="ellipse">
+            <a:avLst/>
+          </a:prstGeom>
+          <a:noFill/>
+          <a:ln w="57150">
+            <a:solidFill>
+              <a:srgbClr val="FF0000"/>
+            </a:solidFill>
+          </a:ln>
+        </p:spPr>
+        <p:style>
+          <a:lnRef idx="2">
+            <a:schemeClr val="accent1">
+              <a:shade val="50000"/>
+            </a:schemeClr>
+          </a:lnRef>
+          <a:fillRef idx="1">
+            <a:schemeClr val="accent1"/>
+          </a:fillRef>
+          <a:effectRef idx="0">
+            <a:schemeClr val="accent1"/>
+          </a:effectRef>
+          <a:fontRef idx="minor">
+            <a:schemeClr val="lt1"/>
+          </a:fontRef>
+        </p:style>
+        <p:txBody>
+          <a:bodyPr rtlCol="0" anchor="ctr"/>
+          <a:lstStyle/>
+          <a:p>
+            <a:pPr algn="ctr"/>
+            <a:endParaRPr lang="ko-KR" altLang="en-US"/>
           </a:p>
         </p:txBody>
       </p:sp>
     </p:spTree>
     <p:extLst>
       <p:ext uri="{BB962C8B-B14F-4D97-AF65-F5344CB8AC3E}">
-        <p14:creationId xmlns:p14="http://schemas.microsoft.com/office/powerpoint/2010/main" val="813311981"/>
+        <p14:creationId xmlns:p14="http://schemas.microsoft.com/office/powerpoint/2010/main" val="4051507840"/>
       </p:ext>
     </p:extLst>
   </p:cSld>
@@ -13737,6 +13776,36 @@
           <a:chExt cx="0" cy="0"/>
         </a:xfrm>
       </p:grpSpPr>
+      <p:pic>
+        <p:nvPicPr>
+          <p:cNvPr id="4" name="그림 3"/>
+          <p:cNvPicPr>
+            <a:picLocks noChangeAspect="1"/>
+          </p:cNvPicPr>
+          <p:nvPr/>
+        </p:nvPicPr>
+        <p:blipFill>
+          <a:blip r:embed="rId2">
+            <a:extLst>
+              <a:ext uri="{28A0092B-C50C-407E-A947-70E740481C1C}">
+                <a14:useLocalDpi xmlns:a14="http://schemas.microsoft.com/office/drawing/2010/main" val="0"/>
+              </a:ext>
+            </a:extLst>
+          </a:blip>
+          <a:stretch>
+            <a:fillRect/>
+          </a:stretch>
+        </p:blipFill>
+        <p:spPr>
+          <a:xfrm>
+            <a:off x="1742679" y="1578677"/>
+            <a:ext cx="5658640" cy="5134692"/>
+          </a:xfrm>
+          <a:prstGeom prst="rect">
+            <a:avLst/>
+          </a:prstGeom>
+        </p:spPr>
+      </p:pic>
       <p:sp>
         <p:nvSpPr>
           <p:cNvPr id="6" name="직사각형 5"/>
@@ -13804,7 +13873,7 @@
           <a:p>
             <a:pPr algn="l"/>
             <a:r>
-              <a:rPr lang="en-US" altLang="ko-KR" sz="2500" dirty="0" smtClean="0">
+              <a:rPr lang="en-US" altLang="ko-KR" sz="2500" dirty="0">
                 <a:solidFill>
                   <a:schemeClr val="bg1"/>
                 </a:solidFill>
@@ -13812,7 +13881,7 @@
                 <a:ea typeface="Arial Unicode MS" panose="020B0604020202020204" pitchFamily="50" charset="-127"/>
                 <a:cs typeface="Arial Unicode MS" panose="020B0604020202020204" pitchFamily="50" charset="-127"/>
               </a:rPr>
-              <a:t>Suggestion</a:t>
+              <a:t>Random Forest with SMOTE</a:t>
             </a:r>
             <a:endParaRPr lang="ko-KR" altLang="en-US" sz="2500" dirty="0">
               <a:solidFill>
@@ -13827,14 +13896,14 @@
       </p:sp>
       <p:sp>
         <p:nvSpPr>
-          <p:cNvPr id="13" name="TextBox 12"/>
+          <p:cNvPr id="11" name="TextBox 10"/>
           <p:cNvSpPr txBox="1"/>
           <p:nvPr/>
         </p:nvSpPr>
         <p:spPr>
           <a:xfrm>
-            <a:off x="0" y="698269"/>
-            <a:ext cx="9144000" cy="646331"/>
+            <a:off x="507076" y="953807"/>
+            <a:ext cx="8129847" cy="369332"/>
           </a:xfrm>
           <a:prstGeom prst="rect">
             <a:avLst/>
@@ -13847,31 +13916,27 @@
           </a:bodyPr>
           <a:lstStyle/>
           <a:p>
-            <a:endParaRPr lang="en-US" altLang="ko-KR" dirty="0" smtClean="0">
-              <a:latin typeface="맑은 고딕" panose="020B0503020000020004" pitchFamily="50" charset="-127"/>
-              <a:ea typeface="맑은 고딕" panose="020B0503020000020004" pitchFamily="50" charset="-127"/>
-            </a:endParaRPr>
-          </a:p>
-          <a:p>
-            <a:endParaRPr lang="ko-KR" altLang="en-US" dirty="0" err="1" smtClean="0">
-              <a:solidFill>
-                <a:schemeClr val="accent2"/>
-              </a:solidFill>
-              <a:latin typeface="Arial Rounded MT Bold" panose="020F0704030504030204" pitchFamily="34" charset="0"/>
-            </a:endParaRPr>
+            <a:pPr algn="just"/>
+            <a:r>
+              <a:rPr lang="en-US" altLang="ko-KR" dirty="0" smtClean="0">
+                <a:latin typeface="나눔고딕 ExtraBold" panose="020D0904000000000000" pitchFamily="50" charset="-127"/>
+                <a:ea typeface="나눔고딕 ExtraBold" panose="020D0904000000000000" pitchFamily="50" charset="-127"/>
+              </a:rPr>
+              <a:t>F1 SCORE</a:t>
+            </a:r>
           </a:p>
         </p:txBody>
       </p:sp>
       <p:sp>
         <p:nvSpPr>
-          <p:cNvPr id="5" name="TextBox 4"/>
+          <p:cNvPr id="12" name="TextBox 11"/>
           <p:cNvSpPr txBox="1"/>
           <p:nvPr/>
         </p:nvSpPr>
         <p:spPr>
           <a:xfrm>
-            <a:off x="250166" y="1344600"/>
-            <a:ext cx="8643668" cy="3416320"/>
+            <a:off x="2489712" y="2188782"/>
+            <a:ext cx="829515" cy="323165"/>
           </a:xfrm>
           <a:prstGeom prst="rect">
             <a:avLst/>
@@ -13884,238 +13949,182 @@
           </a:bodyPr>
           <a:lstStyle/>
           <a:p>
-            <a:pPr algn="just"/>
-            <a:r>
-              <a:rPr lang="ko-KR" altLang="en-US" dirty="0" smtClean="0">
-                <a:latin typeface="나눔고딕 ExtraBold" panose="020D0904000000000000" pitchFamily="50" charset="-127"/>
-                <a:ea typeface="나눔고딕 ExtraBold" panose="020D0904000000000000" pitchFamily="50" charset="-127"/>
-              </a:rPr>
-              <a:t>일반적으로 보험 사기 적발 모형에서 </a:t>
-            </a:r>
-            <a:r>
-              <a:rPr lang="en-US" altLang="ko-KR" dirty="0" smtClean="0">
-                <a:latin typeface="나눔고딕 ExtraBold" panose="020D0904000000000000" pitchFamily="50" charset="-127"/>
-                <a:ea typeface="나눔고딕 ExtraBold" panose="020D0904000000000000" pitchFamily="50" charset="-127"/>
-              </a:rPr>
-              <a:t>Logistic Regression</a:t>
-            </a:r>
-            <a:r>
-              <a:rPr lang="ko-KR" altLang="en-US" dirty="0" smtClean="0">
-                <a:latin typeface="나눔고딕 ExtraBold" panose="020D0904000000000000" pitchFamily="50" charset="-127"/>
-                <a:ea typeface="나눔고딕 ExtraBold" panose="020D0904000000000000" pitchFamily="50" charset="-127"/>
-              </a:rPr>
-              <a:t>이나 </a:t>
-            </a:r>
-            <a:r>
-              <a:rPr lang="en-US" altLang="ko-KR" dirty="0" smtClean="0">
-                <a:latin typeface="나눔고딕 ExtraBold" panose="020D0904000000000000" pitchFamily="50" charset="-127"/>
-                <a:ea typeface="나눔고딕 ExtraBold" panose="020D0904000000000000" pitchFamily="50" charset="-127"/>
-              </a:rPr>
-              <a:t>Decision Tree</a:t>
-            </a:r>
-            <a:r>
-              <a:rPr lang="ko-KR" altLang="en-US" dirty="0" smtClean="0">
-                <a:latin typeface="나눔고딕 ExtraBold" panose="020D0904000000000000" pitchFamily="50" charset="-127"/>
-                <a:ea typeface="나눔고딕 ExtraBold" panose="020D0904000000000000" pitchFamily="50" charset="-127"/>
-              </a:rPr>
-              <a:t>같이 단일 모형보다 앙상블 모형인 </a:t>
-            </a:r>
-            <a:r>
-              <a:rPr lang="en-US" altLang="ko-KR" dirty="0" smtClean="0">
-                <a:solidFill>
-                  <a:schemeClr val="accent5"/>
-                </a:solidFill>
-                <a:latin typeface="나눔고딕 ExtraBold" panose="020D0904000000000000" pitchFamily="50" charset="-127"/>
-                <a:ea typeface="나눔고딕 ExtraBold" panose="020D0904000000000000" pitchFamily="50" charset="-127"/>
-              </a:rPr>
-              <a:t>Random Forest </a:t>
-            </a:r>
-            <a:r>
-              <a:rPr lang="ko-KR" altLang="en-US" dirty="0" smtClean="0">
-                <a:solidFill>
-                  <a:schemeClr val="accent5"/>
-                </a:solidFill>
-                <a:latin typeface="나눔고딕 ExtraBold" panose="020D0904000000000000" pitchFamily="50" charset="-127"/>
-                <a:ea typeface="나눔고딕 ExtraBold" panose="020D0904000000000000" pitchFamily="50" charset="-127"/>
-              </a:rPr>
-              <a:t>모형의 예측력이 더 높은 것</a:t>
-            </a:r>
-            <a:r>
-              <a:rPr lang="ko-KR" altLang="en-US" dirty="0" smtClean="0">
-                <a:latin typeface="나눔고딕 ExtraBold" panose="020D0904000000000000" pitchFamily="50" charset="-127"/>
-                <a:ea typeface="나눔고딕 ExtraBold" panose="020D0904000000000000" pitchFamily="50" charset="-127"/>
-              </a:rPr>
-              <a:t>으로 나타났다</a:t>
-            </a:r>
-            <a:r>
-              <a:rPr lang="en-US" altLang="ko-KR" dirty="0" smtClean="0">
-                <a:latin typeface="나눔고딕 ExtraBold" panose="020D0904000000000000" pitchFamily="50" charset="-127"/>
-                <a:ea typeface="나눔고딕 ExtraBold" panose="020D0904000000000000" pitchFamily="50" charset="-127"/>
-              </a:rPr>
-              <a:t>.</a:t>
-            </a:r>
-          </a:p>
-          <a:p>
-            <a:pPr algn="just"/>
-            <a:endParaRPr lang="en-US" altLang="ko-KR" dirty="0" smtClean="0">
+            <a:pPr algn="ctr"/>
+            <a:r>
+              <a:rPr lang="en-US" altLang="ko-KR" sz="1500" dirty="0" smtClean="0">
+                <a:latin typeface="나눔고딕 ExtraBold" panose="020D0904000000000000" pitchFamily="50" charset="-127"/>
+                <a:ea typeface="나눔고딕 ExtraBold" panose="020D0904000000000000" pitchFamily="50" charset="-127"/>
+              </a:rPr>
+              <a:t>0.4836</a:t>
+            </a:r>
+            <a:endParaRPr lang="ko-KR" altLang="en-US" sz="1500" dirty="0">
               <a:latin typeface="나눔고딕 ExtraBold" panose="020D0904000000000000" pitchFamily="50" charset="-127"/>
               <a:ea typeface="나눔고딕 ExtraBold" panose="020D0904000000000000" pitchFamily="50" charset="-127"/>
             </a:endParaRPr>
           </a:p>
-          <a:p>
-            <a:pPr algn="just"/>
-            <a:endParaRPr lang="en-US" altLang="ko-KR" dirty="0" smtClean="0">
+        </p:txBody>
+      </p:sp>
+      <p:sp>
+        <p:nvSpPr>
+          <p:cNvPr id="13" name="TextBox 12"/>
+          <p:cNvSpPr txBox="1"/>
+          <p:nvPr/>
+        </p:nvSpPr>
+        <p:spPr>
+          <a:xfrm>
+            <a:off x="3724257" y="2085257"/>
+            <a:ext cx="829515" cy="323165"/>
+          </a:xfrm>
+          <a:prstGeom prst="rect">
+            <a:avLst/>
+          </a:prstGeom>
+          <a:noFill/>
+        </p:spPr>
+        <p:txBody>
+          <a:bodyPr wrap="square" rtlCol="0">
+            <a:spAutoFit/>
+          </a:bodyPr>
+          <a:lstStyle/>
+          <a:p>
+            <a:pPr algn="ctr"/>
+            <a:r>
+              <a:rPr lang="en-US" altLang="ko-KR" sz="1500" dirty="0" smtClean="0">
+                <a:latin typeface="나눔고딕 ExtraBold" panose="020D0904000000000000" pitchFamily="50" charset="-127"/>
+                <a:ea typeface="나눔고딕 ExtraBold" panose="020D0904000000000000" pitchFamily="50" charset="-127"/>
+              </a:rPr>
+              <a:t>0.4749</a:t>
+            </a:r>
+            <a:endParaRPr lang="ko-KR" altLang="en-US" sz="1500" dirty="0">
               <a:latin typeface="나눔고딕 ExtraBold" panose="020D0904000000000000" pitchFamily="50" charset="-127"/>
               <a:ea typeface="나눔고딕 ExtraBold" panose="020D0904000000000000" pitchFamily="50" charset="-127"/>
             </a:endParaRPr>
           </a:p>
-          <a:p>
-            <a:pPr algn="just"/>
-            <a:r>
-              <a:rPr lang="ko-KR" altLang="en-US" dirty="0" smtClean="0">
-                <a:latin typeface="나눔고딕 ExtraBold" panose="020D0904000000000000" pitchFamily="50" charset="-127"/>
-                <a:ea typeface="나눔고딕 ExtraBold" panose="020D0904000000000000" pitchFamily="50" charset="-127"/>
-              </a:rPr>
-              <a:t>그러나</a:t>
-            </a:r>
-            <a:r>
-              <a:rPr lang="en-US" altLang="ko-KR" dirty="0" smtClean="0">
-                <a:latin typeface="나눔고딕 ExtraBold" panose="020D0904000000000000" pitchFamily="50" charset="-127"/>
-                <a:ea typeface="나눔고딕 ExtraBold" panose="020D0904000000000000" pitchFamily="50" charset="-127"/>
-              </a:rPr>
-              <a:t>, </a:t>
-            </a:r>
-            <a:r>
-              <a:rPr lang="ko-KR" altLang="en-US" dirty="0" smtClean="0">
-                <a:latin typeface="나눔고딕 ExtraBold" panose="020D0904000000000000" pitchFamily="50" charset="-127"/>
-                <a:ea typeface="나눔고딕 ExtraBold" panose="020D0904000000000000" pitchFamily="50" charset="-127"/>
-              </a:rPr>
-              <a:t>앙상블 모형의 경우 단일 모형에 비해 각 변수들의 설명력이 떨어진다는 단점이 있다</a:t>
-            </a:r>
-            <a:r>
-              <a:rPr lang="en-US" altLang="ko-KR" dirty="0" smtClean="0">
-                <a:latin typeface="나눔고딕 ExtraBold" panose="020D0904000000000000" pitchFamily="50" charset="-127"/>
-                <a:ea typeface="나눔고딕 ExtraBold" panose="020D0904000000000000" pitchFamily="50" charset="-127"/>
-              </a:rPr>
-              <a:t>. </a:t>
-            </a:r>
-            <a:r>
-              <a:rPr lang="ko-KR" altLang="en-US" dirty="0" smtClean="0">
-                <a:latin typeface="나눔고딕 ExtraBold" panose="020D0904000000000000" pitchFamily="50" charset="-127"/>
-                <a:ea typeface="나눔고딕 ExtraBold" panose="020D0904000000000000" pitchFamily="50" charset="-127"/>
-              </a:rPr>
-              <a:t>따라서 구축하고자 하는 모형이 </a:t>
-            </a:r>
-            <a:r>
-              <a:rPr lang="ko-KR" altLang="en-US" dirty="0" smtClean="0">
-                <a:solidFill>
-                  <a:schemeClr val="accent5"/>
-                </a:solidFill>
-                <a:latin typeface="나눔고딕 ExtraBold" panose="020D0904000000000000" pitchFamily="50" charset="-127"/>
-                <a:ea typeface="나눔고딕 ExtraBold" panose="020D0904000000000000" pitchFamily="50" charset="-127"/>
-              </a:rPr>
-              <a:t>설명력 위주의 모형인지 사기 적중률에 초점을 맞춘 모형</a:t>
-            </a:r>
-            <a:r>
-              <a:rPr lang="ko-KR" altLang="en-US" dirty="0" smtClean="0">
-                <a:latin typeface="나눔고딕 ExtraBold" panose="020D0904000000000000" pitchFamily="50" charset="-127"/>
-                <a:ea typeface="나눔고딕 ExtraBold" panose="020D0904000000000000" pitchFamily="50" charset="-127"/>
-              </a:rPr>
-              <a:t>인지 올바른 선택이 필요하다</a:t>
-            </a:r>
-            <a:r>
-              <a:rPr lang="en-US" altLang="ko-KR" dirty="0" smtClean="0">
-                <a:latin typeface="나눔고딕 ExtraBold" panose="020D0904000000000000" pitchFamily="50" charset="-127"/>
-                <a:ea typeface="나눔고딕 ExtraBold" panose="020D0904000000000000" pitchFamily="50" charset="-127"/>
-              </a:rPr>
-              <a:t>.</a:t>
-            </a:r>
-          </a:p>
-          <a:p>
-            <a:pPr algn="just"/>
-            <a:endParaRPr lang="en-US" altLang="ko-KR" dirty="0">
+        </p:txBody>
+      </p:sp>
+      <p:sp>
+        <p:nvSpPr>
+          <p:cNvPr id="14" name="TextBox 13"/>
+          <p:cNvSpPr txBox="1"/>
+          <p:nvPr/>
+        </p:nvSpPr>
+        <p:spPr>
+          <a:xfrm>
+            <a:off x="4958804" y="1576266"/>
+            <a:ext cx="829515" cy="323165"/>
+          </a:xfrm>
+          <a:prstGeom prst="rect">
+            <a:avLst/>
+          </a:prstGeom>
+          <a:noFill/>
+        </p:spPr>
+        <p:txBody>
+          <a:bodyPr wrap="square" rtlCol="0">
+            <a:spAutoFit/>
+          </a:bodyPr>
+          <a:lstStyle/>
+          <a:p>
+            <a:pPr algn="ctr"/>
+            <a:r>
+              <a:rPr lang="en-US" altLang="ko-KR" sz="1500" dirty="0" smtClean="0">
+                <a:latin typeface="나눔고딕 ExtraBold" panose="020D0904000000000000" pitchFamily="50" charset="-127"/>
+                <a:ea typeface="나눔고딕 ExtraBold" panose="020D0904000000000000" pitchFamily="50" charset="-127"/>
+              </a:rPr>
+              <a:t>0.5549</a:t>
+            </a:r>
+            <a:endParaRPr lang="ko-KR" altLang="en-US" sz="1500" dirty="0">
               <a:latin typeface="나눔고딕 ExtraBold" panose="020D0904000000000000" pitchFamily="50" charset="-127"/>
               <a:ea typeface="나눔고딕 ExtraBold" panose="020D0904000000000000" pitchFamily="50" charset="-127"/>
             </a:endParaRPr>
           </a:p>
-          <a:p>
-            <a:pPr algn="just"/>
-            <a:endParaRPr lang="en-US" altLang="ko-KR" dirty="0">
+        </p:txBody>
+      </p:sp>
+      <p:sp>
+        <p:nvSpPr>
+          <p:cNvPr id="15" name="TextBox 14"/>
+          <p:cNvSpPr txBox="1"/>
+          <p:nvPr/>
+        </p:nvSpPr>
+        <p:spPr>
+          <a:xfrm>
+            <a:off x="6180061" y="1576265"/>
+            <a:ext cx="829515" cy="323165"/>
+          </a:xfrm>
+          <a:prstGeom prst="rect">
+            <a:avLst/>
+          </a:prstGeom>
+          <a:noFill/>
+        </p:spPr>
+        <p:txBody>
+          <a:bodyPr wrap="square" rtlCol="0">
+            <a:spAutoFit/>
+          </a:bodyPr>
+          <a:lstStyle/>
+          <a:p>
+            <a:pPr algn="ctr"/>
+            <a:r>
+              <a:rPr lang="en-US" altLang="ko-KR" sz="1500" dirty="0" smtClean="0">
+                <a:latin typeface="나눔고딕 ExtraBold" panose="020D0904000000000000" pitchFamily="50" charset="-127"/>
+                <a:ea typeface="나눔고딕 ExtraBold" panose="020D0904000000000000" pitchFamily="50" charset="-127"/>
+              </a:rPr>
+              <a:t>0.5579</a:t>
+            </a:r>
+            <a:endParaRPr lang="ko-KR" altLang="en-US" sz="1500" dirty="0">
               <a:latin typeface="나눔고딕 ExtraBold" panose="020D0904000000000000" pitchFamily="50" charset="-127"/>
               <a:ea typeface="나눔고딕 ExtraBold" panose="020D0904000000000000" pitchFamily="50" charset="-127"/>
             </a:endParaRPr>
           </a:p>
-          <a:p>
-            <a:pPr algn="just"/>
-            <a:r>
-              <a:rPr lang="ko-KR" altLang="en-US" dirty="0" smtClean="0">
-                <a:latin typeface="나눔고딕 ExtraBold" panose="020D0904000000000000" pitchFamily="50" charset="-127"/>
-                <a:ea typeface="나눔고딕 ExtraBold" panose="020D0904000000000000" pitchFamily="50" charset="-127"/>
-              </a:rPr>
-              <a:t>또한</a:t>
-            </a:r>
-            <a:r>
-              <a:rPr lang="en-US" altLang="ko-KR" dirty="0" smtClean="0">
-                <a:latin typeface="나눔고딕 ExtraBold" panose="020D0904000000000000" pitchFamily="50" charset="-127"/>
-                <a:ea typeface="나눔고딕 ExtraBold" panose="020D0904000000000000" pitchFamily="50" charset="-127"/>
-              </a:rPr>
-              <a:t>, </a:t>
-            </a:r>
-            <a:r>
-              <a:rPr lang="ko-KR" altLang="en-US" dirty="0" smtClean="0">
-                <a:latin typeface="나눔고딕 ExtraBold" panose="020D0904000000000000" pitchFamily="50" charset="-127"/>
-                <a:ea typeface="나눔고딕 ExtraBold" panose="020D0904000000000000" pitchFamily="50" charset="-127"/>
-              </a:rPr>
-              <a:t>모형의 성능을 평가하기 위해 단순히 정확도를 사용하기 보다는 </a:t>
-            </a:r>
-            <a:r>
-              <a:rPr lang="en-US" altLang="ko-KR" dirty="0" smtClean="0">
-                <a:solidFill>
-                  <a:schemeClr val="accent5"/>
-                </a:solidFill>
-                <a:latin typeface="나눔고딕 ExtraBold" panose="020D0904000000000000" pitchFamily="50" charset="-127"/>
-                <a:ea typeface="나눔고딕 ExtraBold" panose="020D0904000000000000" pitchFamily="50" charset="-127"/>
-              </a:rPr>
-              <a:t>Rare Event</a:t>
-            </a:r>
-            <a:r>
-              <a:rPr lang="ko-KR" altLang="en-US" dirty="0" smtClean="0">
-                <a:latin typeface="나눔고딕 ExtraBold" panose="020D0904000000000000" pitchFamily="50" charset="-127"/>
-                <a:ea typeface="나눔고딕 ExtraBold" panose="020D0904000000000000" pitchFamily="50" charset="-127"/>
-              </a:rPr>
-              <a:t>의 경우 </a:t>
-            </a:r>
-            <a:r>
-              <a:rPr lang="en-US" altLang="ko-KR" dirty="0" smtClean="0">
-                <a:solidFill>
-                  <a:schemeClr val="accent5"/>
-                </a:solidFill>
-                <a:latin typeface="나눔고딕 ExtraBold" panose="020D0904000000000000" pitchFamily="50" charset="-127"/>
-                <a:ea typeface="나눔고딕 ExtraBold" panose="020D0904000000000000" pitchFamily="50" charset="-127"/>
-              </a:rPr>
-              <a:t>F1-Score</a:t>
-            </a:r>
-            <a:r>
-              <a:rPr lang="ko-KR" altLang="en-US" dirty="0" smtClean="0">
-                <a:latin typeface="나눔고딕 ExtraBold" panose="020D0904000000000000" pitchFamily="50" charset="-127"/>
-                <a:ea typeface="나눔고딕 ExtraBold" panose="020D0904000000000000" pitchFamily="50" charset="-127"/>
-              </a:rPr>
-              <a:t>를 사용하는 것이 소수의 보험 사기를 적발하는 모형에 더 적합하다고 판단된다</a:t>
-            </a:r>
-            <a:r>
-              <a:rPr lang="en-US" altLang="ko-KR" dirty="0" smtClean="0">
-                <a:latin typeface="나눔고딕 ExtraBold" panose="020D0904000000000000" pitchFamily="50" charset="-127"/>
-                <a:ea typeface="나눔고딕 ExtraBold" panose="020D0904000000000000" pitchFamily="50" charset="-127"/>
-              </a:rPr>
-              <a:t>.</a:t>
-            </a:r>
+        </p:txBody>
+      </p:sp>
+      <p:sp>
+        <p:nvSpPr>
+          <p:cNvPr id="7" name="타원 6"/>
+          <p:cNvSpPr/>
+          <p:nvPr/>
+        </p:nvSpPr>
+        <p:spPr>
+          <a:xfrm>
+            <a:off x="4614594" y="6154081"/>
+            <a:ext cx="2873134" cy="552091"/>
+          </a:xfrm>
+          <a:prstGeom prst="ellipse">
+            <a:avLst/>
+          </a:prstGeom>
+          <a:noFill/>
+          <a:ln w="57150">
+            <a:solidFill>
+              <a:srgbClr val="FF0000"/>
+            </a:solidFill>
+          </a:ln>
+        </p:spPr>
+        <p:style>
+          <a:lnRef idx="2">
+            <a:schemeClr val="accent1">
+              <a:shade val="50000"/>
+            </a:schemeClr>
+          </a:lnRef>
+          <a:fillRef idx="1">
+            <a:schemeClr val="accent1"/>
+          </a:fillRef>
+          <a:effectRef idx="0">
+            <a:schemeClr val="accent1"/>
+          </a:effectRef>
+          <a:fontRef idx="minor">
+            <a:schemeClr val="lt1"/>
+          </a:fontRef>
+        </p:style>
+        <p:txBody>
+          <a:bodyPr rtlCol="0" anchor="ctr"/>
+          <a:lstStyle/>
+          <a:p>
+            <a:pPr algn="ctr"/>
+            <a:endParaRPr lang="ko-KR" altLang="en-US"/>
           </a:p>
         </p:txBody>
       </p:sp>
     </p:spTree>
     <p:extLst>
       <p:ext uri="{BB962C8B-B14F-4D97-AF65-F5344CB8AC3E}">
-        <p14:creationId xmlns:p14="http://schemas.microsoft.com/office/powerpoint/2010/main" val="1769490016"/>
+        <p14:creationId xmlns:p14="http://schemas.microsoft.com/office/powerpoint/2010/main" val="671148620"/>
       </p:ext>
     </p:extLst>
   </p:cSld>
@@ -14236,6 +14245,692 @@
                 <a:ea typeface="Arial Unicode MS" panose="020B0604020202020204" pitchFamily="50" charset="-127"/>
                 <a:cs typeface="Arial Unicode MS" panose="020B0604020202020204" pitchFamily="50" charset="-127"/>
               </a:rPr>
+              <a:t>Index</a:t>
+            </a:r>
+            <a:endParaRPr lang="ko-KR" altLang="en-US" sz="2500" dirty="0">
+              <a:solidFill>
+                <a:schemeClr val="bg1"/>
+              </a:solidFill>
+              <a:latin typeface="Arial Rounded MT Bold" panose="020F0704030504030204" pitchFamily="34" charset="0"/>
+              <a:ea typeface="Arial Unicode MS" panose="020B0604020202020204" pitchFamily="50" charset="-127"/>
+              <a:cs typeface="Arial Unicode MS" panose="020B0604020202020204" pitchFamily="50" charset="-127"/>
+            </a:endParaRPr>
+          </a:p>
+        </p:txBody>
+      </p:sp>
+      <p:sp>
+        <p:nvSpPr>
+          <p:cNvPr id="7" name="TextBox 6"/>
+          <p:cNvSpPr txBox="1"/>
+          <p:nvPr/>
+        </p:nvSpPr>
+        <p:spPr>
+          <a:xfrm>
+            <a:off x="2698970" y="2028574"/>
+            <a:ext cx="3746059" cy="3170099"/>
+          </a:xfrm>
+          <a:prstGeom prst="rect">
+            <a:avLst/>
+          </a:prstGeom>
+          <a:noFill/>
+        </p:spPr>
+        <p:txBody>
+          <a:bodyPr wrap="square" rtlCol="0">
+            <a:spAutoFit/>
+          </a:bodyPr>
+          <a:lstStyle/>
+          <a:p>
+            <a:pPr marL="342900" indent="-342900" algn="just">
+              <a:buAutoNum type="arabicPeriod"/>
+            </a:pPr>
+            <a:endParaRPr lang="en-US" altLang="ko-KR" sz="2500" dirty="0" smtClean="0">
+              <a:latin typeface="나눔고딕 ExtraBold" panose="020D0904000000000000" pitchFamily="50" charset="-127"/>
+              <a:ea typeface="나눔고딕 ExtraBold" panose="020D0904000000000000" pitchFamily="50" charset="-127"/>
+            </a:endParaRPr>
+          </a:p>
+          <a:p>
+            <a:pPr marL="342900" indent="-342900" algn="just">
+              <a:buAutoNum type="arabicPeriod"/>
+            </a:pPr>
+            <a:r>
+              <a:rPr lang="ko-KR" altLang="en-US" sz="2500" dirty="0" smtClean="0">
+                <a:latin typeface="나눔고딕 ExtraBold" panose="020D0904000000000000" pitchFamily="50" charset="-127"/>
+                <a:ea typeface="나눔고딕 ExtraBold" panose="020D0904000000000000" pitchFamily="50" charset="-127"/>
+              </a:rPr>
+              <a:t>변수 생성 및 전처리</a:t>
+            </a:r>
+            <a:endParaRPr lang="en-US" altLang="ko-KR" sz="2500" dirty="0" smtClean="0">
+              <a:latin typeface="나눔고딕 ExtraBold" panose="020D0904000000000000" pitchFamily="50" charset="-127"/>
+              <a:ea typeface="나눔고딕 ExtraBold" panose="020D0904000000000000" pitchFamily="50" charset="-127"/>
+            </a:endParaRPr>
+          </a:p>
+          <a:p>
+            <a:pPr marL="342900" indent="-342900" algn="just">
+              <a:buAutoNum type="arabicPeriod"/>
+            </a:pPr>
+            <a:endParaRPr lang="en-US" altLang="ko-KR" sz="2500" dirty="0" smtClean="0">
+              <a:latin typeface="나눔고딕 ExtraBold" panose="020D0904000000000000" pitchFamily="50" charset="-127"/>
+              <a:ea typeface="나눔고딕 ExtraBold" panose="020D0904000000000000" pitchFamily="50" charset="-127"/>
+            </a:endParaRPr>
+          </a:p>
+          <a:p>
+            <a:pPr marL="342900" indent="-342900" algn="just">
+              <a:buAutoNum type="arabicPeriod"/>
+            </a:pPr>
+            <a:r>
+              <a:rPr lang="ko-KR" altLang="en-US" sz="2500" dirty="0" smtClean="0">
+                <a:latin typeface="나눔고딕 ExtraBold" panose="020D0904000000000000" pitchFamily="50" charset="-127"/>
+                <a:ea typeface="나눔고딕 ExtraBold" panose="020D0904000000000000" pitchFamily="50" charset="-127"/>
+              </a:rPr>
+              <a:t>모델링</a:t>
+            </a:r>
+            <a:endParaRPr lang="en-US" altLang="ko-KR" sz="2500" dirty="0" smtClean="0">
+              <a:latin typeface="나눔고딕 ExtraBold" panose="020D0904000000000000" pitchFamily="50" charset="-127"/>
+              <a:ea typeface="나눔고딕 ExtraBold" panose="020D0904000000000000" pitchFamily="50" charset="-127"/>
+            </a:endParaRPr>
+          </a:p>
+          <a:p>
+            <a:pPr marL="342900" indent="-342900" algn="just">
+              <a:buAutoNum type="arabicPeriod"/>
+            </a:pPr>
+            <a:endParaRPr lang="en-US" altLang="ko-KR" sz="2500" dirty="0" smtClean="0">
+              <a:latin typeface="나눔고딕 ExtraBold" panose="020D0904000000000000" pitchFamily="50" charset="-127"/>
+              <a:ea typeface="나눔고딕 ExtraBold" panose="020D0904000000000000" pitchFamily="50" charset="-127"/>
+            </a:endParaRPr>
+          </a:p>
+          <a:p>
+            <a:pPr marL="342900" indent="-342900" algn="just">
+              <a:buAutoNum type="arabicPeriod"/>
+            </a:pPr>
+            <a:r>
+              <a:rPr lang="en-US" altLang="ko-KR" sz="2500" dirty="0" smtClean="0">
+                <a:latin typeface="나눔고딕 ExtraBold" panose="020D0904000000000000" pitchFamily="50" charset="-127"/>
+                <a:ea typeface="나눔고딕 ExtraBold" panose="020D0904000000000000" pitchFamily="50" charset="-127"/>
+              </a:rPr>
+              <a:t>SMOTE</a:t>
+            </a:r>
+          </a:p>
+          <a:p>
+            <a:pPr marL="342900" indent="-342900" algn="just">
+              <a:buAutoNum type="arabicPeriod"/>
+            </a:pPr>
+            <a:endParaRPr lang="en-US" altLang="ko-KR" sz="2500" dirty="0">
+              <a:latin typeface="나눔고딕 ExtraBold" panose="020D0904000000000000" pitchFamily="50" charset="-127"/>
+              <a:ea typeface="나눔고딕 ExtraBold" panose="020D0904000000000000" pitchFamily="50" charset="-127"/>
+            </a:endParaRPr>
+          </a:p>
+          <a:p>
+            <a:pPr marL="342900" indent="-342900" algn="just">
+              <a:buAutoNum type="arabicPeriod"/>
+            </a:pPr>
+            <a:r>
+              <a:rPr lang="ko-KR" altLang="en-US" sz="2500" dirty="0" smtClean="0">
+                <a:solidFill>
+                  <a:schemeClr val="accent5"/>
+                </a:solidFill>
+                <a:latin typeface="나눔고딕 ExtraBold" panose="020D0904000000000000" pitchFamily="50" charset="-127"/>
+                <a:ea typeface="나눔고딕 ExtraBold" panose="020D0904000000000000" pitchFamily="50" charset="-127"/>
+              </a:rPr>
+              <a:t>결론 및 제언</a:t>
+            </a:r>
+            <a:endParaRPr lang="ko-KR" altLang="en-US" sz="2500" dirty="0">
+              <a:solidFill>
+                <a:schemeClr val="accent5"/>
+              </a:solidFill>
+              <a:latin typeface="나눔고딕 ExtraBold" panose="020D0904000000000000" pitchFamily="50" charset="-127"/>
+              <a:ea typeface="나눔고딕 ExtraBold" panose="020D0904000000000000" pitchFamily="50" charset="-127"/>
+            </a:endParaRPr>
+          </a:p>
+        </p:txBody>
+      </p:sp>
+    </p:spTree>
+    <p:extLst>
+      <p:ext uri="{BB962C8B-B14F-4D97-AF65-F5344CB8AC3E}">
+        <p14:creationId xmlns:p14="http://schemas.microsoft.com/office/powerpoint/2010/main" val="3407939458"/>
+      </p:ext>
+    </p:extLst>
+  </p:cSld>
+  <p:clrMapOvr>
+    <a:masterClrMapping/>
+  </p:clrMapOvr>
+  <mc:AlternateContent xmlns:mc="http://schemas.openxmlformats.org/markup-compatibility/2006" xmlns:p14="http://schemas.microsoft.com/office/powerpoint/2010/main">
+    <mc:Choice Requires="p14">
+      <p:transition spd="med" p14:dur="700">
+        <p:fade/>
+      </p:transition>
+    </mc:Choice>
+    <mc:Fallback xmlns="">
+      <p:transition spd="med">
+        <p:fade/>
+      </p:transition>
+    </mc:Fallback>
+  </mc:AlternateContent>
+  <p:timing>
+    <p:tnLst>
+      <p:par>
+        <p:cTn id="1" dur="indefinite" restart="never" nodeType="tmRoot"/>
+      </p:par>
+    </p:tnLst>
+  </p:timing>
+</p:sld>
+</file>
+
+<file path=ppt/slides/slide28.xml><?xml version="1.0" encoding="utf-8"?>
+<p:sld xmlns:a="http://schemas.openxmlformats.org/drawingml/2006/main" xmlns:r="http://schemas.openxmlformats.org/officeDocument/2006/relationships" xmlns:p="http://schemas.openxmlformats.org/presentationml/2006/main">
+  <p:cSld>
+    <p:spTree>
+      <p:nvGrpSpPr>
+        <p:cNvPr id="1" name=""/>
+        <p:cNvGrpSpPr/>
+        <p:nvPr/>
+      </p:nvGrpSpPr>
+      <p:grpSpPr>
+        <a:xfrm>
+          <a:off x="0" y="0"/>
+          <a:ext cx="0" cy="0"/>
+          <a:chOff x="0" y="0"/>
+          <a:chExt cx="0" cy="0"/>
+        </a:xfrm>
+      </p:grpSpPr>
+      <p:sp>
+        <p:nvSpPr>
+          <p:cNvPr id="6" name="직사각형 5"/>
+          <p:cNvSpPr/>
+          <p:nvPr/>
+        </p:nvSpPr>
+        <p:spPr>
+          <a:xfrm>
+            <a:off x="0" y="0"/>
+            <a:ext cx="9144000" cy="698269"/>
+          </a:xfrm>
+          <a:prstGeom prst="rect">
+            <a:avLst/>
+          </a:prstGeom>
+          <a:solidFill>
+            <a:schemeClr val="tx2"/>
+          </a:solidFill>
+        </p:spPr>
+        <p:style>
+          <a:lnRef idx="2">
+            <a:schemeClr val="dk1">
+              <a:shade val="50000"/>
+            </a:schemeClr>
+          </a:lnRef>
+          <a:fillRef idx="1">
+            <a:schemeClr val="dk1"/>
+          </a:fillRef>
+          <a:effectRef idx="0">
+            <a:schemeClr val="dk1"/>
+          </a:effectRef>
+          <a:fontRef idx="minor">
+            <a:schemeClr val="lt1"/>
+          </a:fontRef>
+        </p:style>
+        <p:txBody>
+          <a:bodyPr rtlCol="0" anchor="ctr"/>
+          <a:lstStyle/>
+          <a:p>
+            <a:pPr algn="ctr"/>
+            <a:endParaRPr lang="ko-KR" altLang="en-US"/>
+          </a:p>
+        </p:txBody>
+      </p:sp>
+      <p:sp>
+        <p:nvSpPr>
+          <p:cNvPr id="2" name="제목 1"/>
+          <p:cNvSpPr>
+            <a:spLocks noGrp="1"/>
+          </p:cNvSpPr>
+          <p:nvPr>
+            <p:ph type="ctrTitle"/>
+          </p:nvPr>
+        </p:nvSpPr>
+        <p:spPr>
+          <a:xfrm>
+            <a:off x="0" y="0"/>
+            <a:ext cx="9144000" cy="698269"/>
+          </a:xfrm>
+        </p:spPr>
+        <p:txBody>
+          <a:bodyPr anchor="ctr">
+            <a:normAutofit/>
+          </a:bodyPr>
+          <a:lstStyle/>
+          <a:p>
+            <a:pPr algn="l"/>
+            <a:r>
+              <a:rPr lang="en-US" altLang="ko-KR" sz="2500" dirty="0" smtClean="0">
+                <a:solidFill>
+                  <a:schemeClr val="bg1"/>
+                </a:solidFill>
+                <a:latin typeface="Arial Rounded MT Bold" panose="020F0704030504030204" pitchFamily="34" charset="0"/>
+                <a:ea typeface="Arial Unicode MS" panose="020B0604020202020204" pitchFamily="50" charset="-127"/>
+                <a:cs typeface="Arial Unicode MS" panose="020B0604020202020204" pitchFamily="50" charset="-127"/>
+              </a:rPr>
+              <a:t>Suggestion</a:t>
+            </a:r>
+            <a:endParaRPr lang="ko-KR" altLang="en-US" sz="2500" dirty="0">
+              <a:solidFill>
+                <a:schemeClr val="bg1"/>
+              </a:solidFill>
+              <a:latin typeface="Arial Rounded MT Bold" panose="020F0704030504030204" pitchFamily="34" charset="0"/>
+              <a:ea typeface="Arial Unicode MS" panose="020B0604020202020204" pitchFamily="50" charset="-127"/>
+              <a:cs typeface="Arial Unicode MS" panose="020B0604020202020204" pitchFamily="50" charset="-127"/>
+            </a:endParaRPr>
+          </a:p>
+        </p:txBody>
+      </p:sp>
+      <p:sp>
+        <p:nvSpPr>
+          <p:cNvPr id="13" name="TextBox 12"/>
+          <p:cNvSpPr txBox="1"/>
+          <p:nvPr/>
+        </p:nvSpPr>
+        <p:spPr>
+          <a:xfrm>
+            <a:off x="0" y="698269"/>
+            <a:ext cx="9144000" cy="646331"/>
+          </a:xfrm>
+          <a:prstGeom prst="rect">
+            <a:avLst/>
+          </a:prstGeom>
+          <a:noFill/>
+        </p:spPr>
+        <p:txBody>
+          <a:bodyPr wrap="square" rtlCol="0">
+            <a:spAutoFit/>
+          </a:bodyPr>
+          <a:lstStyle/>
+          <a:p>
+            <a:endParaRPr lang="en-US" altLang="ko-KR" dirty="0" smtClean="0">
+              <a:latin typeface="맑은 고딕" panose="020B0503020000020004" pitchFamily="50" charset="-127"/>
+              <a:ea typeface="맑은 고딕" panose="020B0503020000020004" pitchFamily="50" charset="-127"/>
+            </a:endParaRPr>
+          </a:p>
+          <a:p>
+            <a:endParaRPr lang="ko-KR" altLang="en-US" dirty="0" err="1" smtClean="0">
+              <a:solidFill>
+                <a:schemeClr val="accent2"/>
+              </a:solidFill>
+              <a:latin typeface="Arial Rounded MT Bold" panose="020F0704030504030204" pitchFamily="34" charset="0"/>
+            </a:endParaRPr>
+          </a:p>
+        </p:txBody>
+      </p:sp>
+      <p:sp>
+        <p:nvSpPr>
+          <p:cNvPr id="5" name="TextBox 4"/>
+          <p:cNvSpPr txBox="1"/>
+          <p:nvPr/>
+        </p:nvSpPr>
+        <p:spPr>
+          <a:xfrm>
+            <a:off x="250166" y="1344600"/>
+            <a:ext cx="8643668" cy="3416320"/>
+          </a:xfrm>
+          <a:prstGeom prst="rect">
+            <a:avLst/>
+          </a:prstGeom>
+          <a:noFill/>
+        </p:spPr>
+        <p:txBody>
+          <a:bodyPr wrap="square" rtlCol="0">
+            <a:spAutoFit/>
+          </a:bodyPr>
+          <a:lstStyle/>
+          <a:p>
+            <a:pPr algn="just"/>
+            <a:r>
+              <a:rPr lang="ko-KR" altLang="en-US" dirty="0" smtClean="0">
+                <a:latin typeface="나눔고딕 ExtraBold" panose="020D0904000000000000" pitchFamily="50" charset="-127"/>
+                <a:ea typeface="나눔고딕 ExtraBold" panose="020D0904000000000000" pitchFamily="50" charset="-127"/>
+              </a:rPr>
+              <a:t>일반적으로 보험 사기 적발 모형에서 </a:t>
+            </a:r>
+            <a:r>
+              <a:rPr lang="en-US" altLang="ko-KR" dirty="0" smtClean="0">
+                <a:latin typeface="나눔고딕 ExtraBold" panose="020D0904000000000000" pitchFamily="50" charset="-127"/>
+                <a:ea typeface="나눔고딕 ExtraBold" panose="020D0904000000000000" pitchFamily="50" charset="-127"/>
+              </a:rPr>
+              <a:t>Logistic Regression</a:t>
+            </a:r>
+            <a:r>
+              <a:rPr lang="ko-KR" altLang="en-US" dirty="0" smtClean="0">
+                <a:latin typeface="나눔고딕 ExtraBold" panose="020D0904000000000000" pitchFamily="50" charset="-127"/>
+                <a:ea typeface="나눔고딕 ExtraBold" panose="020D0904000000000000" pitchFamily="50" charset="-127"/>
+              </a:rPr>
+              <a:t>이나 </a:t>
+            </a:r>
+            <a:r>
+              <a:rPr lang="en-US" altLang="ko-KR" dirty="0" smtClean="0">
+                <a:latin typeface="나눔고딕 ExtraBold" panose="020D0904000000000000" pitchFamily="50" charset="-127"/>
+                <a:ea typeface="나눔고딕 ExtraBold" panose="020D0904000000000000" pitchFamily="50" charset="-127"/>
+              </a:rPr>
+              <a:t>Decision Tree</a:t>
+            </a:r>
+            <a:r>
+              <a:rPr lang="ko-KR" altLang="en-US" dirty="0" smtClean="0">
+                <a:latin typeface="나눔고딕 ExtraBold" panose="020D0904000000000000" pitchFamily="50" charset="-127"/>
+                <a:ea typeface="나눔고딕 ExtraBold" panose="020D0904000000000000" pitchFamily="50" charset="-127"/>
+              </a:rPr>
+              <a:t>같이 단일 모형보다 앙상블 모형인 </a:t>
+            </a:r>
+            <a:r>
+              <a:rPr lang="en-US" altLang="ko-KR" dirty="0" smtClean="0">
+                <a:solidFill>
+                  <a:schemeClr val="accent5"/>
+                </a:solidFill>
+                <a:latin typeface="나눔고딕 ExtraBold" panose="020D0904000000000000" pitchFamily="50" charset="-127"/>
+                <a:ea typeface="나눔고딕 ExtraBold" panose="020D0904000000000000" pitchFamily="50" charset="-127"/>
+              </a:rPr>
+              <a:t>Random Forest </a:t>
+            </a:r>
+            <a:r>
+              <a:rPr lang="ko-KR" altLang="en-US" dirty="0" smtClean="0">
+                <a:solidFill>
+                  <a:schemeClr val="accent5"/>
+                </a:solidFill>
+                <a:latin typeface="나눔고딕 ExtraBold" panose="020D0904000000000000" pitchFamily="50" charset="-127"/>
+                <a:ea typeface="나눔고딕 ExtraBold" panose="020D0904000000000000" pitchFamily="50" charset="-127"/>
+              </a:rPr>
+              <a:t>모형의 예측력이 더 높은 것</a:t>
+            </a:r>
+            <a:r>
+              <a:rPr lang="ko-KR" altLang="en-US" dirty="0" smtClean="0">
+                <a:latin typeface="나눔고딕 ExtraBold" panose="020D0904000000000000" pitchFamily="50" charset="-127"/>
+                <a:ea typeface="나눔고딕 ExtraBold" panose="020D0904000000000000" pitchFamily="50" charset="-127"/>
+              </a:rPr>
+              <a:t>으로 나타났다</a:t>
+            </a:r>
+            <a:r>
+              <a:rPr lang="en-US" altLang="ko-KR" dirty="0" smtClean="0">
+                <a:latin typeface="나눔고딕 ExtraBold" panose="020D0904000000000000" pitchFamily="50" charset="-127"/>
+                <a:ea typeface="나눔고딕 ExtraBold" panose="020D0904000000000000" pitchFamily="50" charset="-127"/>
+              </a:rPr>
+              <a:t>.</a:t>
+            </a:r>
+          </a:p>
+          <a:p>
+            <a:pPr algn="just"/>
+            <a:endParaRPr lang="en-US" altLang="ko-KR" dirty="0" smtClean="0">
+              <a:latin typeface="나눔고딕 ExtraBold" panose="020D0904000000000000" pitchFamily="50" charset="-127"/>
+              <a:ea typeface="나눔고딕 ExtraBold" panose="020D0904000000000000" pitchFamily="50" charset="-127"/>
+            </a:endParaRPr>
+          </a:p>
+          <a:p>
+            <a:pPr algn="just"/>
+            <a:endParaRPr lang="en-US" altLang="ko-KR" dirty="0" smtClean="0">
+              <a:latin typeface="나눔고딕 ExtraBold" panose="020D0904000000000000" pitchFamily="50" charset="-127"/>
+              <a:ea typeface="나눔고딕 ExtraBold" panose="020D0904000000000000" pitchFamily="50" charset="-127"/>
+            </a:endParaRPr>
+          </a:p>
+          <a:p>
+            <a:pPr algn="just"/>
+            <a:r>
+              <a:rPr lang="ko-KR" altLang="en-US" dirty="0" smtClean="0">
+                <a:latin typeface="나눔고딕 ExtraBold" panose="020D0904000000000000" pitchFamily="50" charset="-127"/>
+                <a:ea typeface="나눔고딕 ExtraBold" panose="020D0904000000000000" pitchFamily="50" charset="-127"/>
+              </a:rPr>
+              <a:t>그러나</a:t>
+            </a:r>
+            <a:r>
+              <a:rPr lang="en-US" altLang="ko-KR" dirty="0" smtClean="0">
+                <a:latin typeface="나눔고딕 ExtraBold" panose="020D0904000000000000" pitchFamily="50" charset="-127"/>
+                <a:ea typeface="나눔고딕 ExtraBold" panose="020D0904000000000000" pitchFamily="50" charset="-127"/>
+              </a:rPr>
+              <a:t>, </a:t>
+            </a:r>
+            <a:r>
+              <a:rPr lang="ko-KR" altLang="en-US" dirty="0" smtClean="0">
+                <a:latin typeface="나눔고딕 ExtraBold" panose="020D0904000000000000" pitchFamily="50" charset="-127"/>
+                <a:ea typeface="나눔고딕 ExtraBold" panose="020D0904000000000000" pitchFamily="50" charset="-127"/>
+              </a:rPr>
+              <a:t>앙상블 모형의 경우 단일 모형에 비해 각 변수들의 설명력이 떨어진다는 단점이 있다</a:t>
+            </a:r>
+            <a:r>
+              <a:rPr lang="en-US" altLang="ko-KR" dirty="0" smtClean="0">
+                <a:latin typeface="나눔고딕 ExtraBold" panose="020D0904000000000000" pitchFamily="50" charset="-127"/>
+                <a:ea typeface="나눔고딕 ExtraBold" panose="020D0904000000000000" pitchFamily="50" charset="-127"/>
+              </a:rPr>
+              <a:t>. </a:t>
+            </a:r>
+            <a:r>
+              <a:rPr lang="ko-KR" altLang="en-US" dirty="0" smtClean="0">
+                <a:latin typeface="나눔고딕 ExtraBold" panose="020D0904000000000000" pitchFamily="50" charset="-127"/>
+                <a:ea typeface="나눔고딕 ExtraBold" panose="020D0904000000000000" pitchFamily="50" charset="-127"/>
+              </a:rPr>
+              <a:t>따라서 구축하고자 하는 모형이 </a:t>
+            </a:r>
+            <a:r>
+              <a:rPr lang="ko-KR" altLang="en-US" dirty="0" smtClean="0">
+                <a:solidFill>
+                  <a:schemeClr val="accent5"/>
+                </a:solidFill>
+                <a:latin typeface="나눔고딕 ExtraBold" panose="020D0904000000000000" pitchFamily="50" charset="-127"/>
+                <a:ea typeface="나눔고딕 ExtraBold" panose="020D0904000000000000" pitchFamily="50" charset="-127"/>
+              </a:rPr>
+              <a:t>설명력 위주의 모형인지 사기 적중률에 초점을 맞춘 모형</a:t>
+            </a:r>
+            <a:r>
+              <a:rPr lang="ko-KR" altLang="en-US" dirty="0" smtClean="0">
+                <a:latin typeface="나눔고딕 ExtraBold" panose="020D0904000000000000" pitchFamily="50" charset="-127"/>
+                <a:ea typeface="나눔고딕 ExtraBold" panose="020D0904000000000000" pitchFamily="50" charset="-127"/>
+              </a:rPr>
+              <a:t>인지 올바른 선택이 필요하다</a:t>
+            </a:r>
+            <a:r>
+              <a:rPr lang="en-US" altLang="ko-KR" dirty="0" smtClean="0">
+                <a:latin typeface="나눔고딕 ExtraBold" panose="020D0904000000000000" pitchFamily="50" charset="-127"/>
+                <a:ea typeface="나눔고딕 ExtraBold" panose="020D0904000000000000" pitchFamily="50" charset="-127"/>
+              </a:rPr>
+              <a:t>.</a:t>
+            </a:r>
+          </a:p>
+          <a:p>
+            <a:pPr algn="just"/>
+            <a:endParaRPr lang="en-US" altLang="ko-KR" dirty="0">
+              <a:latin typeface="나눔고딕 ExtraBold" panose="020D0904000000000000" pitchFamily="50" charset="-127"/>
+              <a:ea typeface="나눔고딕 ExtraBold" panose="020D0904000000000000" pitchFamily="50" charset="-127"/>
+            </a:endParaRPr>
+          </a:p>
+          <a:p>
+            <a:pPr algn="just"/>
+            <a:endParaRPr lang="en-US" altLang="ko-KR" dirty="0">
+              <a:latin typeface="나눔고딕 ExtraBold" panose="020D0904000000000000" pitchFamily="50" charset="-127"/>
+              <a:ea typeface="나눔고딕 ExtraBold" panose="020D0904000000000000" pitchFamily="50" charset="-127"/>
+            </a:endParaRPr>
+          </a:p>
+          <a:p>
+            <a:pPr algn="just"/>
+            <a:r>
+              <a:rPr lang="ko-KR" altLang="en-US" dirty="0" smtClean="0">
+                <a:latin typeface="나눔고딕 ExtraBold" panose="020D0904000000000000" pitchFamily="50" charset="-127"/>
+                <a:ea typeface="나눔고딕 ExtraBold" panose="020D0904000000000000" pitchFamily="50" charset="-127"/>
+              </a:rPr>
+              <a:t>또한</a:t>
+            </a:r>
+            <a:r>
+              <a:rPr lang="en-US" altLang="ko-KR" dirty="0" smtClean="0">
+                <a:latin typeface="나눔고딕 ExtraBold" panose="020D0904000000000000" pitchFamily="50" charset="-127"/>
+                <a:ea typeface="나눔고딕 ExtraBold" panose="020D0904000000000000" pitchFamily="50" charset="-127"/>
+              </a:rPr>
+              <a:t>, </a:t>
+            </a:r>
+            <a:r>
+              <a:rPr lang="ko-KR" altLang="en-US" dirty="0" smtClean="0">
+                <a:latin typeface="나눔고딕 ExtraBold" panose="020D0904000000000000" pitchFamily="50" charset="-127"/>
+                <a:ea typeface="나눔고딕 ExtraBold" panose="020D0904000000000000" pitchFamily="50" charset="-127"/>
+              </a:rPr>
+              <a:t>모형의 성능을 평가하기 위해 단순히 정확도를 사용하기 보다는 </a:t>
+            </a:r>
+            <a:r>
+              <a:rPr lang="en-US" altLang="ko-KR" dirty="0" smtClean="0">
+                <a:solidFill>
+                  <a:schemeClr val="accent5"/>
+                </a:solidFill>
+                <a:latin typeface="나눔고딕 ExtraBold" panose="020D0904000000000000" pitchFamily="50" charset="-127"/>
+                <a:ea typeface="나눔고딕 ExtraBold" panose="020D0904000000000000" pitchFamily="50" charset="-127"/>
+              </a:rPr>
+              <a:t>Rare Event</a:t>
+            </a:r>
+            <a:r>
+              <a:rPr lang="ko-KR" altLang="en-US" dirty="0" smtClean="0">
+                <a:latin typeface="나눔고딕 ExtraBold" panose="020D0904000000000000" pitchFamily="50" charset="-127"/>
+                <a:ea typeface="나눔고딕 ExtraBold" panose="020D0904000000000000" pitchFamily="50" charset="-127"/>
+              </a:rPr>
+              <a:t>의 경우 </a:t>
+            </a:r>
+            <a:r>
+              <a:rPr lang="en-US" altLang="ko-KR" dirty="0" smtClean="0">
+                <a:solidFill>
+                  <a:schemeClr val="accent5"/>
+                </a:solidFill>
+                <a:latin typeface="나눔고딕 ExtraBold" panose="020D0904000000000000" pitchFamily="50" charset="-127"/>
+                <a:ea typeface="나눔고딕 ExtraBold" panose="020D0904000000000000" pitchFamily="50" charset="-127"/>
+              </a:rPr>
+              <a:t>F1-Score</a:t>
+            </a:r>
+            <a:r>
+              <a:rPr lang="ko-KR" altLang="en-US" dirty="0" smtClean="0">
+                <a:latin typeface="나눔고딕 ExtraBold" panose="020D0904000000000000" pitchFamily="50" charset="-127"/>
+                <a:ea typeface="나눔고딕 ExtraBold" panose="020D0904000000000000" pitchFamily="50" charset="-127"/>
+              </a:rPr>
+              <a:t>를 사용하는 것이 소수의 보험 사기를 적발하는 모형에 더 적합하다고 판단된다</a:t>
+            </a:r>
+            <a:r>
+              <a:rPr lang="en-US" altLang="ko-KR" dirty="0" smtClean="0">
+                <a:latin typeface="나눔고딕 ExtraBold" panose="020D0904000000000000" pitchFamily="50" charset="-127"/>
+                <a:ea typeface="나눔고딕 ExtraBold" panose="020D0904000000000000" pitchFamily="50" charset="-127"/>
+              </a:rPr>
+              <a:t>.</a:t>
+            </a:r>
+          </a:p>
+        </p:txBody>
+      </p:sp>
+    </p:spTree>
+    <p:extLst>
+      <p:ext uri="{BB962C8B-B14F-4D97-AF65-F5344CB8AC3E}">
+        <p14:creationId xmlns:p14="http://schemas.microsoft.com/office/powerpoint/2010/main" val="1769490016"/>
+      </p:ext>
+    </p:extLst>
+  </p:cSld>
+  <p:clrMapOvr>
+    <a:masterClrMapping/>
+  </p:clrMapOvr>
+  <mc:AlternateContent xmlns:mc="http://schemas.openxmlformats.org/markup-compatibility/2006" xmlns:p14="http://schemas.microsoft.com/office/powerpoint/2010/main">
+    <mc:Choice Requires="p14">
+      <p:transition spd="med" p14:dur="700">
+        <p:fade/>
+      </p:transition>
+    </mc:Choice>
+    <mc:Fallback xmlns="">
+      <p:transition spd="med">
+        <p:fade/>
+      </p:transition>
+    </mc:Fallback>
+  </mc:AlternateContent>
+  <p:timing>
+    <p:tnLst>
+      <p:par>
+        <p:cTn id="1" dur="indefinite" restart="never" nodeType="tmRoot"/>
+      </p:par>
+    </p:tnLst>
+  </p:timing>
+</p:sld>
+</file>
+
+<file path=ppt/slides/slide29.xml><?xml version="1.0" encoding="utf-8"?>
+<p:sld xmlns:a="http://schemas.openxmlformats.org/drawingml/2006/main" xmlns:r="http://schemas.openxmlformats.org/officeDocument/2006/relationships" xmlns:p="http://schemas.openxmlformats.org/presentationml/2006/main">
+  <p:cSld>
+    <p:spTree>
+      <p:nvGrpSpPr>
+        <p:cNvPr id="1" name=""/>
+        <p:cNvGrpSpPr/>
+        <p:nvPr/>
+      </p:nvGrpSpPr>
+      <p:grpSpPr>
+        <a:xfrm>
+          <a:off x="0" y="0"/>
+          <a:ext cx="0" cy="0"/>
+          <a:chOff x="0" y="0"/>
+          <a:chExt cx="0" cy="0"/>
+        </a:xfrm>
+      </p:grpSpPr>
+      <p:sp>
+        <p:nvSpPr>
+          <p:cNvPr id="6" name="직사각형 5"/>
+          <p:cNvSpPr/>
+          <p:nvPr/>
+        </p:nvSpPr>
+        <p:spPr>
+          <a:xfrm>
+            <a:off x="0" y="0"/>
+            <a:ext cx="9144000" cy="698269"/>
+          </a:xfrm>
+          <a:prstGeom prst="rect">
+            <a:avLst/>
+          </a:prstGeom>
+          <a:solidFill>
+            <a:schemeClr val="tx2"/>
+          </a:solidFill>
+        </p:spPr>
+        <p:style>
+          <a:lnRef idx="2">
+            <a:schemeClr val="dk1">
+              <a:shade val="50000"/>
+            </a:schemeClr>
+          </a:lnRef>
+          <a:fillRef idx="1">
+            <a:schemeClr val="dk1"/>
+          </a:fillRef>
+          <a:effectRef idx="0">
+            <a:schemeClr val="dk1"/>
+          </a:effectRef>
+          <a:fontRef idx="minor">
+            <a:schemeClr val="lt1"/>
+          </a:fontRef>
+        </p:style>
+        <p:txBody>
+          <a:bodyPr rtlCol="0" anchor="ctr"/>
+          <a:lstStyle/>
+          <a:p>
+            <a:pPr algn="ctr"/>
+            <a:endParaRPr lang="ko-KR" altLang="en-US"/>
+          </a:p>
+        </p:txBody>
+      </p:sp>
+      <p:sp>
+        <p:nvSpPr>
+          <p:cNvPr id="2" name="제목 1"/>
+          <p:cNvSpPr>
+            <a:spLocks noGrp="1"/>
+          </p:cNvSpPr>
+          <p:nvPr>
+            <p:ph type="ctrTitle"/>
+          </p:nvPr>
+        </p:nvSpPr>
+        <p:spPr>
+          <a:xfrm>
+            <a:off x="0" y="0"/>
+            <a:ext cx="9144000" cy="698269"/>
+          </a:xfrm>
+        </p:spPr>
+        <p:txBody>
+          <a:bodyPr anchor="ctr">
+            <a:normAutofit/>
+          </a:bodyPr>
+          <a:lstStyle/>
+          <a:p>
+            <a:pPr algn="l"/>
+            <a:r>
+              <a:rPr lang="en-US" altLang="ko-KR" sz="2500" dirty="0" smtClean="0">
+                <a:solidFill>
+                  <a:schemeClr val="bg1"/>
+                </a:solidFill>
+                <a:latin typeface="Arial Rounded MT Bold" panose="020F0704030504030204" pitchFamily="34" charset="0"/>
+                <a:ea typeface="Arial Unicode MS" panose="020B0604020202020204" pitchFamily="50" charset="-127"/>
+                <a:cs typeface="Arial Unicode MS" panose="020B0604020202020204" pitchFamily="50" charset="-127"/>
+              </a:rPr>
               <a:t>Suggestion</a:t>
             </a:r>
             <a:endParaRPr lang="ko-KR" altLang="en-US" sz="2500" dirty="0">
@@ -14636,7 +15331,269 @@
 </p:sld>
 </file>
 
-<file path=ppt/slides/slide28.xml><?xml version="1.0" encoding="utf-8"?>
+<file path=ppt/slides/slide3.xml><?xml version="1.0" encoding="utf-8"?>
+<p:sld xmlns:a="http://schemas.openxmlformats.org/drawingml/2006/main" xmlns:r="http://schemas.openxmlformats.org/officeDocument/2006/relationships" xmlns:p="http://schemas.openxmlformats.org/presentationml/2006/main">
+  <p:cSld>
+    <p:spTree>
+      <p:nvGrpSpPr>
+        <p:cNvPr id="1" name=""/>
+        <p:cNvGrpSpPr/>
+        <p:nvPr/>
+      </p:nvGrpSpPr>
+      <p:grpSpPr>
+        <a:xfrm>
+          <a:off x="0" y="0"/>
+          <a:ext cx="0" cy="0"/>
+          <a:chOff x="0" y="0"/>
+          <a:chExt cx="0" cy="0"/>
+        </a:xfrm>
+      </p:grpSpPr>
+      <p:sp>
+        <p:nvSpPr>
+          <p:cNvPr id="6" name="직사각형 5"/>
+          <p:cNvSpPr/>
+          <p:nvPr/>
+        </p:nvSpPr>
+        <p:spPr>
+          <a:xfrm>
+            <a:off x="0" y="0"/>
+            <a:ext cx="9144000" cy="698269"/>
+          </a:xfrm>
+          <a:prstGeom prst="rect">
+            <a:avLst/>
+          </a:prstGeom>
+          <a:solidFill>
+            <a:schemeClr val="tx2"/>
+          </a:solidFill>
+        </p:spPr>
+        <p:style>
+          <a:lnRef idx="2">
+            <a:schemeClr val="dk1">
+              <a:shade val="50000"/>
+            </a:schemeClr>
+          </a:lnRef>
+          <a:fillRef idx="1">
+            <a:schemeClr val="dk1"/>
+          </a:fillRef>
+          <a:effectRef idx="0">
+            <a:schemeClr val="dk1"/>
+          </a:effectRef>
+          <a:fontRef idx="minor">
+            <a:schemeClr val="lt1"/>
+          </a:fontRef>
+        </p:style>
+        <p:txBody>
+          <a:bodyPr rtlCol="0" anchor="ctr"/>
+          <a:lstStyle/>
+          <a:p>
+            <a:pPr algn="ctr"/>
+            <a:endParaRPr lang="ko-KR" altLang="en-US"/>
+          </a:p>
+        </p:txBody>
+      </p:sp>
+      <p:sp>
+        <p:nvSpPr>
+          <p:cNvPr id="2" name="제목 1"/>
+          <p:cNvSpPr>
+            <a:spLocks noGrp="1"/>
+          </p:cNvSpPr>
+          <p:nvPr>
+            <p:ph type="ctrTitle"/>
+          </p:nvPr>
+        </p:nvSpPr>
+        <p:spPr>
+          <a:xfrm>
+            <a:off x="0" y="0"/>
+            <a:ext cx="9144000" cy="698269"/>
+          </a:xfrm>
+        </p:spPr>
+        <p:txBody>
+          <a:bodyPr anchor="ctr">
+            <a:normAutofit/>
+          </a:bodyPr>
+          <a:lstStyle/>
+          <a:p>
+            <a:pPr algn="l"/>
+            <a:r>
+              <a:rPr lang="en-US" altLang="ko-KR" sz="2500" dirty="0" smtClean="0">
+                <a:solidFill>
+                  <a:schemeClr val="bg1"/>
+                </a:solidFill>
+                <a:latin typeface="Arial Rounded MT Bold" panose="020F0704030504030204" pitchFamily="34" charset="0"/>
+                <a:ea typeface="Arial Unicode MS" panose="020B0604020202020204" pitchFamily="50" charset="-127"/>
+                <a:cs typeface="Arial Unicode MS" panose="020B0604020202020204" pitchFamily="50" charset="-127"/>
+              </a:rPr>
+              <a:t>Index</a:t>
+            </a:r>
+            <a:endParaRPr lang="ko-KR" altLang="en-US" sz="2500" dirty="0">
+              <a:solidFill>
+                <a:schemeClr val="bg1"/>
+              </a:solidFill>
+              <a:latin typeface="Arial Rounded MT Bold" panose="020F0704030504030204" pitchFamily="34" charset="0"/>
+              <a:ea typeface="Arial Unicode MS" panose="020B0604020202020204" pitchFamily="50" charset="-127"/>
+              <a:cs typeface="Arial Unicode MS" panose="020B0604020202020204" pitchFamily="50" charset="-127"/>
+            </a:endParaRPr>
+          </a:p>
+        </p:txBody>
+      </p:sp>
+      <p:sp>
+        <p:nvSpPr>
+          <p:cNvPr id="7" name="TextBox 6"/>
+          <p:cNvSpPr txBox="1"/>
+          <p:nvPr/>
+        </p:nvSpPr>
+        <p:spPr>
+          <a:xfrm>
+            <a:off x="2698970" y="2028574"/>
+            <a:ext cx="3746059" cy="3170099"/>
+          </a:xfrm>
+          <a:prstGeom prst="rect">
+            <a:avLst/>
+          </a:prstGeom>
+          <a:noFill/>
+        </p:spPr>
+        <p:txBody>
+          <a:bodyPr wrap="square" rtlCol="0">
+            <a:spAutoFit/>
+          </a:bodyPr>
+          <a:lstStyle/>
+          <a:p>
+            <a:pPr marL="342900" indent="-342900" algn="just">
+              <a:buAutoNum type="arabicPeriod"/>
+            </a:pPr>
+            <a:endParaRPr lang="en-US" altLang="ko-KR" sz="2500" dirty="0" smtClean="0">
+              <a:latin typeface="나눔고딕 ExtraBold" panose="020D0904000000000000" pitchFamily="50" charset="-127"/>
+              <a:ea typeface="나눔고딕 ExtraBold" panose="020D0904000000000000" pitchFamily="50" charset="-127"/>
+            </a:endParaRPr>
+          </a:p>
+          <a:p>
+            <a:pPr marL="342900" indent="-342900" algn="just">
+              <a:buAutoNum type="arabicPeriod"/>
+            </a:pPr>
+            <a:r>
+              <a:rPr lang="ko-KR" altLang="en-US" sz="2500" dirty="0" smtClean="0">
+                <a:solidFill>
+                  <a:schemeClr val="accent5"/>
+                </a:solidFill>
+                <a:latin typeface="나눔고딕 ExtraBold" panose="020D0904000000000000" pitchFamily="50" charset="-127"/>
+                <a:ea typeface="나눔고딕 ExtraBold" panose="020D0904000000000000" pitchFamily="50" charset="-127"/>
+              </a:rPr>
+              <a:t>변수 생성 및 전처리</a:t>
+            </a:r>
+            <a:endParaRPr lang="en-US" altLang="ko-KR" sz="2500" dirty="0" smtClean="0">
+              <a:solidFill>
+                <a:schemeClr val="accent5"/>
+              </a:solidFill>
+              <a:latin typeface="나눔고딕 ExtraBold" panose="020D0904000000000000" pitchFamily="50" charset="-127"/>
+              <a:ea typeface="나눔고딕 ExtraBold" panose="020D0904000000000000" pitchFamily="50" charset="-127"/>
+            </a:endParaRPr>
+          </a:p>
+          <a:p>
+            <a:pPr marL="342900" indent="-342900" algn="just">
+              <a:buAutoNum type="arabicPeriod"/>
+            </a:pPr>
+            <a:endParaRPr lang="en-US" altLang="ko-KR" sz="2500" dirty="0" smtClean="0">
+              <a:latin typeface="나눔고딕 ExtraBold" panose="020D0904000000000000" pitchFamily="50" charset="-127"/>
+              <a:ea typeface="나눔고딕 ExtraBold" panose="020D0904000000000000" pitchFamily="50" charset="-127"/>
+            </a:endParaRPr>
+          </a:p>
+          <a:p>
+            <a:pPr marL="342900" indent="-342900" algn="just">
+              <a:buAutoNum type="arabicPeriod"/>
+            </a:pPr>
+            <a:r>
+              <a:rPr lang="ko-KR" altLang="en-US" sz="2500" dirty="0" smtClean="0">
+                <a:latin typeface="나눔고딕 ExtraBold" panose="020D0904000000000000" pitchFamily="50" charset="-127"/>
+                <a:ea typeface="나눔고딕 ExtraBold" panose="020D0904000000000000" pitchFamily="50" charset="-127"/>
+              </a:rPr>
+              <a:t>모델링</a:t>
+            </a:r>
+            <a:endParaRPr lang="en-US" altLang="ko-KR" sz="2500" dirty="0" smtClean="0">
+              <a:latin typeface="나눔고딕 ExtraBold" panose="020D0904000000000000" pitchFamily="50" charset="-127"/>
+              <a:ea typeface="나눔고딕 ExtraBold" panose="020D0904000000000000" pitchFamily="50" charset="-127"/>
+            </a:endParaRPr>
+          </a:p>
+          <a:p>
+            <a:pPr marL="342900" indent="-342900" algn="just">
+              <a:buAutoNum type="arabicPeriod"/>
+            </a:pPr>
+            <a:endParaRPr lang="en-US" altLang="ko-KR" sz="2500" dirty="0" smtClean="0">
+              <a:latin typeface="나눔고딕 ExtraBold" panose="020D0904000000000000" pitchFamily="50" charset="-127"/>
+              <a:ea typeface="나눔고딕 ExtraBold" panose="020D0904000000000000" pitchFamily="50" charset="-127"/>
+            </a:endParaRPr>
+          </a:p>
+          <a:p>
+            <a:pPr marL="342900" indent="-342900" algn="just">
+              <a:buAutoNum type="arabicPeriod"/>
+            </a:pPr>
+            <a:r>
+              <a:rPr lang="en-US" altLang="ko-KR" sz="2500" dirty="0" smtClean="0">
+                <a:latin typeface="나눔고딕 ExtraBold" panose="020D0904000000000000" pitchFamily="50" charset="-127"/>
+                <a:ea typeface="나눔고딕 ExtraBold" panose="020D0904000000000000" pitchFamily="50" charset="-127"/>
+              </a:rPr>
+              <a:t>SMOTE</a:t>
+            </a:r>
+          </a:p>
+          <a:p>
+            <a:pPr marL="342900" indent="-342900" algn="just">
+              <a:buAutoNum type="arabicPeriod"/>
+            </a:pPr>
+            <a:endParaRPr lang="en-US" altLang="ko-KR" sz="2500" dirty="0">
+              <a:latin typeface="나눔고딕 ExtraBold" panose="020D0904000000000000" pitchFamily="50" charset="-127"/>
+              <a:ea typeface="나눔고딕 ExtraBold" panose="020D0904000000000000" pitchFamily="50" charset="-127"/>
+            </a:endParaRPr>
+          </a:p>
+          <a:p>
+            <a:pPr marL="342900" indent="-342900" algn="just">
+              <a:buAutoNum type="arabicPeriod"/>
+            </a:pPr>
+            <a:r>
+              <a:rPr lang="ko-KR" altLang="en-US" sz="2500" dirty="0" smtClean="0">
+                <a:latin typeface="나눔고딕 ExtraBold" panose="020D0904000000000000" pitchFamily="50" charset="-127"/>
+                <a:ea typeface="나눔고딕 ExtraBold" panose="020D0904000000000000" pitchFamily="50" charset="-127"/>
+              </a:rPr>
+              <a:t>결론 및 제언</a:t>
+            </a:r>
+            <a:endParaRPr lang="ko-KR" altLang="en-US" sz="2500" dirty="0">
+              <a:latin typeface="나눔고딕 ExtraBold" panose="020D0904000000000000" pitchFamily="50" charset="-127"/>
+              <a:ea typeface="나눔고딕 ExtraBold" panose="020D0904000000000000" pitchFamily="50" charset="-127"/>
+            </a:endParaRPr>
+          </a:p>
+        </p:txBody>
+      </p:sp>
+    </p:spTree>
+    <p:extLst>
+      <p:ext uri="{BB962C8B-B14F-4D97-AF65-F5344CB8AC3E}">
+        <p14:creationId xmlns:p14="http://schemas.microsoft.com/office/powerpoint/2010/main" val="213501090"/>
+      </p:ext>
+    </p:extLst>
+  </p:cSld>
+  <p:clrMapOvr>
+    <a:masterClrMapping/>
+  </p:clrMapOvr>
+  <mc:AlternateContent xmlns:mc="http://schemas.openxmlformats.org/markup-compatibility/2006" xmlns:p14="http://schemas.microsoft.com/office/powerpoint/2010/main">
+    <mc:Choice Requires="p14">
+      <p:transition spd="med" p14:dur="700">
+        <p:fade/>
+      </p:transition>
+    </mc:Choice>
+    <mc:Fallback xmlns="">
+      <p:transition spd="med">
+        <p:fade/>
+      </p:transition>
+    </mc:Fallback>
+  </mc:AlternateContent>
+  <p:timing>
+    <p:tnLst>
+      <p:par>
+        <p:cTn id="1" dur="indefinite" restart="never" nodeType="tmRoot"/>
+      </p:par>
+    </p:tnLst>
+  </p:timing>
+</p:sld>
+</file>
+
+<file path=ppt/slides/slide30.xml><?xml version="1.0" encoding="utf-8"?>
 <p:sld xmlns:a="http://schemas.openxmlformats.org/drawingml/2006/main" xmlns:r="http://schemas.openxmlformats.org/officeDocument/2006/relationships" xmlns:p="http://schemas.openxmlformats.org/presentationml/2006/main">
   <p:cSld>
     <p:spTree>
@@ -15085,7 +16042,7 @@
 </p:sld>
 </file>
 
-<file path=ppt/slides/slide29.xml><?xml version="1.0" encoding="utf-8"?>
+<file path=ppt/slides/slide31.xml><?xml version="1.0" encoding="utf-8"?>
 <p:sld xmlns:a="http://schemas.openxmlformats.org/drawingml/2006/main" xmlns:r="http://schemas.openxmlformats.org/officeDocument/2006/relationships" xmlns:p="http://schemas.openxmlformats.org/presentationml/2006/main">
   <p:cSld>
     <p:spTree>
@@ -15232,260 +16189,6 @@
     <p:extLst>
       <p:ext uri="{BB962C8B-B14F-4D97-AF65-F5344CB8AC3E}">
         <p14:creationId xmlns:p14="http://schemas.microsoft.com/office/powerpoint/2010/main" val="2243404378"/>
-      </p:ext>
-    </p:extLst>
-  </p:cSld>
-  <p:clrMapOvr>
-    <a:masterClrMapping/>
-  </p:clrMapOvr>
-  <mc:AlternateContent xmlns:mc="http://schemas.openxmlformats.org/markup-compatibility/2006" xmlns:p14="http://schemas.microsoft.com/office/powerpoint/2010/main">
-    <mc:Choice Requires="p14">
-      <p:transition spd="med" p14:dur="700">
-        <p:fade/>
-      </p:transition>
-    </mc:Choice>
-    <mc:Fallback xmlns="">
-      <p:transition spd="med">
-        <p:fade/>
-      </p:transition>
-    </mc:Fallback>
-  </mc:AlternateContent>
-  <p:timing>
-    <p:tnLst>
-      <p:par>
-        <p:cTn id="1" dur="indefinite" restart="never" nodeType="tmRoot"/>
-      </p:par>
-    </p:tnLst>
-  </p:timing>
-</p:sld>
-</file>
-
-<file path=ppt/slides/slide3.xml><?xml version="1.0" encoding="utf-8"?>
-<p:sld xmlns:a="http://schemas.openxmlformats.org/drawingml/2006/main" xmlns:r="http://schemas.openxmlformats.org/officeDocument/2006/relationships" xmlns:p="http://schemas.openxmlformats.org/presentationml/2006/main">
-  <p:cSld>
-    <p:spTree>
-      <p:nvGrpSpPr>
-        <p:cNvPr id="1" name=""/>
-        <p:cNvGrpSpPr/>
-        <p:nvPr/>
-      </p:nvGrpSpPr>
-      <p:grpSpPr>
-        <a:xfrm>
-          <a:off x="0" y="0"/>
-          <a:ext cx="0" cy="0"/>
-          <a:chOff x="0" y="0"/>
-          <a:chExt cx="0" cy="0"/>
-        </a:xfrm>
-      </p:grpSpPr>
-      <p:sp>
-        <p:nvSpPr>
-          <p:cNvPr id="6" name="직사각형 5"/>
-          <p:cNvSpPr/>
-          <p:nvPr/>
-        </p:nvSpPr>
-        <p:spPr>
-          <a:xfrm>
-            <a:off x="0" y="0"/>
-            <a:ext cx="9144000" cy="698269"/>
-          </a:xfrm>
-          <a:prstGeom prst="rect">
-            <a:avLst/>
-          </a:prstGeom>
-          <a:solidFill>
-            <a:schemeClr val="tx2"/>
-          </a:solidFill>
-        </p:spPr>
-        <p:style>
-          <a:lnRef idx="2">
-            <a:schemeClr val="dk1">
-              <a:shade val="50000"/>
-            </a:schemeClr>
-          </a:lnRef>
-          <a:fillRef idx="1">
-            <a:schemeClr val="dk1"/>
-          </a:fillRef>
-          <a:effectRef idx="0">
-            <a:schemeClr val="dk1"/>
-          </a:effectRef>
-          <a:fontRef idx="minor">
-            <a:schemeClr val="lt1"/>
-          </a:fontRef>
-        </p:style>
-        <p:txBody>
-          <a:bodyPr rtlCol="0" anchor="ctr"/>
-          <a:lstStyle/>
-          <a:p>
-            <a:pPr algn="ctr"/>
-            <a:endParaRPr lang="ko-KR" altLang="en-US"/>
-          </a:p>
-        </p:txBody>
-      </p:sp>
-      <p:sp>
-        <p:nvSpPr>
-          <p:cNvPr id="2" name="제목 1"/>
-          <p:cNvSpPr>
-            <a:spLocks noGrp="1"/>
-          </p:cNvSpPr>
-          <p:nvPr>
-            <p:ph type="ctrTitle"/>
-          </p:nvPr>
-        </p:nvSpPr>
-        <p:spPr>
-          <a:xfrm>
-            <a:off x="0" y="0"/>
-            <a:ext cx="9144000" cy="698269"/>
-          </a:xfrm>
-        </p:spPr>
-        <p:txBody>
-          <a:bodyPr anchor="ctr">
-            <a:normAutofit/>
-          </a:bodyPr>
-          <a:lstStyle/>
-          <a:p>
-            <a:pPr algn="l"/>
-            <a:r>
-              <a:rPr lang="en-US" altLang="ko-KR" sz="2500" dirty="0" smtClean="0">
-                <a:solidFill>
-                  <a:schemeClr val="bg1"/>
-                </a:solidFill>
-                <a:latin typeface="Arial Rounded MT Bold" panose="020F0704030504030204" pitchFamily="34" charset="0"/>
-                <a:ea typeface="Arial Unicode MS" panose="020B0604020202020204" pitchFamily="50" charset="-127"/>
-                <a:cs typeface="Arial Unicode MS" panose="020B0604020202020204" pitchFamily="50" charset="-127"/>
-              </a:rPr>
-              <a:t>Index</a:t>
-            </a:r>
-            <a:endParaRPr lang="ko-KR" altLang="en-US" sz="2500" dirty="0">
-              <a:solidFill>
-                <a:schemeClr val="bg1"/>
-              </a:solidFill>
-              <a:latin typeface="Arial Rounded MT Bold" panose="020F0704030504030204" pitchFamily="34" charset="0"/>
-              <a:ea typeface="Arial Unicode MS" panose="020B0604020202020204" pitchFamily="50" charset="-127"/>
-              <a:cs typeface="Arial Unicode MS" panose="020B0604020202020204" pitchFamily="50" charset="-127"/>
-            </a:endParaRPr>
-          </a:p>
-        </p:txBody>
-      </p:sp>
-      <p:sp>
-        <p:nvSpPr>
-          <p:cNvPr id="7" name="TextBox 6"/>
-          <p:cNvSpPr txBox="1"/>
-          <p:nvPr/>
-        </p:nvSpPr>
-        <p:spPr>
-          <a:xfrm>
-            <a:off x="2698970" y="2028574"/>
-            <a:ext cx="3746059" cy="3170099"/>
-          </a:xfrm>
-          <a:prstGeom prst="rect">
-            <a:avLst/>
-          </a:prstGeom>
-          <a:noFill/>
-        </p:spPr>
-        <p:txBody>
-          <a:bodyPr wrap="square" rtlCol="0">
-            <a:spAutoFit/>
-          </a:bodyPr>
-          <a:lstStyle/>
-          <a:p>
-            <a:pPr marL="342900" indent="-342900" algn="just">
-              <a:buAutoNum type="arabicPeriod"/>
-            </a:pPr>
-            <a:endParaRPr lang="en-US" altLang="ko-KR" sz="2500" dirty="0" smtClean="0">
-              <a:latin typeface="Arial Rounded MT Bold" panose="020F0704030504030204" pitchFamily="34" charset="0"/>
-            </a:endParaRPr>
-          </a:p>
-          <a:p>
-            <a:pPr marL="342900" indent="-342900" algn="just">
-              <a:buAutoNum type="arabicPeriod"/>
-            </a:pPr>
-            <a:r>
-              <a:rPr lang="en-US" altLang="ko-KR" sz="2500" dirty="0" smtClean="0">
-                <a:solidFill>
-                  <a:schemeClr val="accent5"/>
-                </a:solidFill>
-                <a:latin typeface="Arial Rounded MT Bold" panose="020F0704030504030204" pitchFamily="34" charset="0"/>
-              </a:rPr>
-              <a:t>Feature </a:t>
-            </a:r>
-            <a:r>
-              <a:rPr lang="en-US" altLang="ko-KR" sz="2500" dirty="0" smtClean="0">
-                <a:solidFill>
-                  <a:schemeClr val="accent5"/>
-                </a:solidFill>
-                <a:latin typeface="Arial Rounded MT Bold" panose="020F0704030504030204" pitchFamily="34" charset="0"/>
-              </a:rPr>
-              <a:t>Engineering</a:t>
-            </a:r>
-          </a:p>
-          <a:p>
-            <a:pPr marL="342900" indent="-342900" algn="just">
-              <a:buAutoNum type="arabicPeriod"/>
-            </a:pPr>
-            <a:endParaRPr lang="en-US" altLang="ko-KR" sz="2500" dirty="0" smtClean="0">
-              <a:latin typeface="Arial Rounded MT Bold" panose="020F0704030504030204" pitchFamily="34" charset="0"/>
-            </a:endParaRPr>
-          </a:p>
-          <a:p>
-            <a:pPr marL="342900" indent="-342900" algn="just">
-              <a:buAutoNum type="arabicPeriod"/>
-            </a:pPr>
-            <a:r>
-              <a:rPr lang="en-US" altLang="ko-KR" sz="2500" dirty="0" smtClean="0">
-                <a:latin typeface="Arial Rounded MT Bold" panose="020F0704030504030204" pitchFamily="34" charset="0"/>
-              </a:rPr>
-              <a:t>Modeling</a:t>
-            </a:r>
-          </a:p>
-          <a:p>
-            <a:pPr marL="342900" indent="-342900" algn="just">
-              <a:buAutoNum type="arabicPeriod"/>
-            </a:pPr>
-            <a:endParaRPr lang="en-US" altLang="ko-KR" sz="2500" dirty="0">
-              <a:latin typeface="Arial Rounded MT Bold" panose="020F0704030504030204" pitchFamily="34" charset="0"/>
-            </a:endParaRPr>
-          </a:p>
-          <a:p>
-            <a:pPr marL="342900" indent="-342900" algn="just">
-              <a:buAutoNum type="arabicPeriod"/>
-            </a:pPr>
-            <a:r>
-              <a:rPr lang="en-US" altLang="ko-KR" sz="2500" dirty="0" smtClean="0">
-                <a:latin typeface="Arial Rounded MT Bold" panose="020F0704030504030204" pitchFamily="34" charset="0"/>
-              </a:rPr>
-              <a:t>SMOTE</a:t>
-            </a:r>
-            <a:endParaRPr lang="en-US" altLang="ko-KR" sz="2500" dirty="0" smtClean="0">
-              <a:latin typeface="Arial Rounded MT Bold" panose="020F0704030504030204" pitchFamily="34" charset="0"/>
-            </a:endParaRPr>
-          </a:p>
-          <a:p>
-            <a:pPr marL="342900" indent="-342900" algn="just">
-              <a:buAutoNum type="arabicPeriod"/>
-            </a:pPr>
-            <a:endParaRPr lang="en-US" altLang="ko-KR" sz="2500" dirty="0">
-              <a:latin typeface="Arial Rounded MT Bold" panose="020F0704030504030204" pitchFamily="34" charset="0"/>
-            </a:endParaRPr>
-          </a:p>
-          <a:p>
-            <a:pPr marL="342900" indent="-342900" algn="just">
-              <a:buAutoNum type="arabicPeriod"/>
-            </a:pPr>
-            <a:r>
-              <a:rPr lang="en-US" altLang="ko-KR" sz="2500" dirty="0" smtClean="0">
-                <a:latin typeface="Arial Rounded MT Bold" panose="020F0704030504030204" pitchFamily="34" charset="0"/>
-              </a:rPr>
-              <a:t>Suggestion</a:t>
-            </a:r>
-            <a:endParaRPr lang="ko-KR" altLang="en-US" sz="2500" dirty="0">
-              <a:latin typeface="Arial Rounded MT Bold" panose="020F0704030504030204" pitchFamily="34" charset="0"/>
-            </a:endParaRPr>
-          </a:p>
-        </p:txBody>
-      </p:sp>
-    </p:spTree>
-    <p:extLst>
-      <p:ext uri="{BB962C8B-B14F-4D97-AF65-F5344CB8AC3E}">
-        <p14:creationId xmlns:p14="http://schemas.microsoft.com/office/powerpoint/2010/main" val="937286966"/>
       </p:ext>
     </p:extLst>
   </p:cSld>
@@ -17216,18 +17919,7 @@
                 <a:ea typeface="Arial Unicode MS" panose="020B0604020202020204" pitchFamily="50" charset="-127"/>
                 <a:cs typeface="Arial Unicode MS" panose="020B0604020202020204" pitchFamily="50" charset="-127"/>
               </a:rPr>
-              <a:t>Feature </a:t>
-            </a:r>
-            <a:r>
-              <a:rPr lang="en-US" altLang="ko-KR" sz="2500" dirty="0" smtClean="0">
-                <a:solidFill>
-                  <a:schemeClr val="bg1"/>
-                </a:solidFill>
-                <a:latin typeface="Arial Rounded MT Bold" panose="020F0704030504030204" pitchFamily="34" charset="0"/>
-                <a:ea typeface="Arial Unicode MS" panose="020B0604020202020204" pitchFamily="50" charset="-127"/>
-                <a:cs typeface="Arial Unicode MS" panose="020B0604020202020204" pitchFamily="50" charset="-127"/>
-              </a:rPr>
-              <a:t>2</a:t>
+              <a:t>Feature 2</a:t>
             </a:r>
             <a:endParaRPr lang="ko-KR" altLang="en-US" sz="2500" dirty="0">
               <a:solidFill>
@@ -17675,18 +18367,7 @@
                 <a:ea typeface="Arial Unicode MS" panose="020B0604020202020204" pitchFamily="50" charset="-127"/>
                 <a:cs typeface="Arial Unicode MS" panose="020B0604020202020204" pitchFamily="50" charset="-127"/>
               </a:rPr>
-              <a:t>Feature </a:t>
-            </a:r>
-            <a:r>
-              <a:rPr lang="en-US" altLang="ko-KR" sz="2500" dirty="0" smtClean="0">
-                <a:solidFill>
-                  <a:schemeClr val="bg1"/>
-                </a:solidFill>
-                <a:latin typeface="Arial Rounded MT Bold" panose="020F0704030504030204" pitchFamily="34" charset="0"/>
-                <a:ea typeface="Arial Unicode MS" panose="020B0604020202020204" pitchFamily="50" charset="-127"/>
-                <a:cs typeface="Arial Unicode MS" panose="020B0604020202020204" pitchFamily="50" charset="-127"/>
-              </a:rPr>
-              <a:t>2</a:t>
+              <a:t>Feature 2</a:t>
             </a:r>
             <a:endParaRPr lang="ko-KR" altLang="en-US" sz="2500" dirty="0">
               <a:solidFill>
@@ -18489,18 +19170,7 @@
                 <a:ea typeface="Arial Unicode MS" panose="020B0604020202020204" pitchFamily="50" charset="-127"/>
                 <a:cs typeface="Arial Unicode MS" panose="020B0604020202020204" pitchFamily="50" charset="-127"/>
               </a:rPr>
-              <a:t>Feature </a:t>
-            </a:r>
-            <a:r>
-              <a:rPr lang="en-US" altLang="ko-KR" sz="2500" dirty="0" smtClean="0">
-                <a:solidFill>
-                  <a:schemeClr val="bg1"/>
-                </a:solidFill>
-                <a:latin typeface="Arial Rounded MT Bold" panose="020F0704030504030204" pitchFamily="34" charset="0"/>
-                <a:ea typeface="Arial Unicode MS" panose="020B0604020202020204" pitchFamily="50" charset="-127"/>
-                <a:cs typeface="Arial Unicode MS" panose="020B0604020202020204" pitchFamily="50" charset="-127"/>
-              </a:rPr>
-              <a:t>3</a:t>
+              <a:t>Feature 3</a:t>
             </a:r>
             <a:endParaRPr lang="ko-KR" altLang="en-US" sz="2500" dirty="0">
               <a:solidFill>
@@ -18937,18 +19607,7 @@
                 <a:ea typeface="Arial Unicode MS" panose="020B0604020202020204" pitchFamily="50" charset="-127"/>
                 <a:cs typeface="Arial Unicode MS" panose="020B0604020202020204" pitchFamily="50" charset="-127"/>
               </a:rPr>
-              <a:t>Feature </a:t>
-            </a:r>
-            <a:r>
-              <a:rPr lang="en-US" altLang="ko-KR" sz="2500" dirty="0" smtClean="0">
-                <a:solidFill>
-                  <a:schemeClr val="bg1"/>
-                </a:solidFill>
-                <a:latin typeface="Arial Rounded MT Bold" panose="020F0704030504030204" pitchFamily="34" charset="0"/>
-                <a:ea typeface="Arial Unicode MS" panose="020B0604020202020204" pitchFamily="50" charset="-127"/>
-                <a:cs typeface="Arial Unicode MS" panose="020B0604020202020204" pitchFamily="50" charset="-127"/>
-              </a:rPr>
-              <a:t>3</a:t>
+              <a:t>Feature 3</a:t>
             </a:r>
             <a:endParaRPr lang="ko-KR" altLang="en-US" sz="2500" dirty="0">
               <a:solidFill>
@@ -19007,12 +19666,6 @@
               </a:rPr>
               <a:t>PAYM_AMT_MEAN</a:t>
             </a:r>
-            <a:endParaRPr lang="en-US" altLang="ko-KR" dirty="0">
-              <a:solidFill>
-                <a:schemeClr val="accent2"/>
-              </a:solidFill>
-              <a:latin typeface="Arial Rounded MT Bold" panose="020F0704030504030204" pitchFamily="34" charset="0"/>
-            </a:endParaRPr>
           </a:p>
         </p:txBody>
       </p:sp>
